--- a/presentation-template.pptx
+++ b/presentation-template.pptx
@@ -13,10 +13,10 @@
     <p:sldId id="11158" r:id="rId4"/>
     <p:sldId id="386" r:id="rId5"/>
     <p:sldId id="412" r:id="rId6"/>
-    <p:sldId id="2147470649" r:id="rId7"/>
-    <p:sldId id="2147470650" r:id="rId8"/>
-    <p:sldId id="2147470802" r:id="rId9"/>
-    <p:sldId id="2147470804" r:id="rId10"/>
+    <p:sldId id="2147470650" r:id="rId7"/>
+    <p:sldId id="2147470802" r:id="rId8"/>
+    <p:sldId id="2147470804" r:id="rId9"/>
+    <p:sldId id="2147470805" r:id="rId10"/>
   </p:sldIdLst>
   <p:sldSz cx="12192000" cy="6858000"/>
   <p:notesSz cx="6858000" cy="9144000"/>
@@ -115,6 +115,11 @@
       </a:defRPr>
     </a:lvl9pPr>
   </p:defaultTextStyle>
+  <p:extLst>
+    <p:ext uri="{EFAFB233-063F-42B5-8137-9DF3F51BA10A}">
+      <p15:sldGuideLst xmlns:p15="http://schemas.microsoft.com/office/powerpoint/2012/main"/>
+    </p:ext>
+  </p:extLst>
 </p:presentation>
 </file>
 
@@ -596,783 +601,6 @@
           <a:bodyPr/>
           <a:lstStyle/>
           <a:p>
-            <a:r>
-              <a:rPr lang="en-US"/>
-              <a:t>Growth</a:t>
-            </a:r>
-          </a:p>
-          <a:p>
-            <a:r>
-              <a:rPr lang="en-US"/>
-              <a:t>If you don’t do this well, you can guarantee your competition will. You may lose revenue if you can’t complete through digital experiences</a:t>
-            </a:r>
-          </a:p>
-          <a:p>
-            <a:r>
-              <a:rPr lang="en-US"/>
-              <a:t>Increased efficiency – grow the bottom line </a:t>
-            </a:r>
-          </a:p>
-          <a:p>
-            <a:pPr marL="0" marR="0" lvl="0" indent="0" algn="l" defTabSz="914400" rtl="0" eaLnBrk="1" fontAlgn="auto" latinLnBrk="0" hangingPunct="1">
-              <a:lnSpc>
-                <a:spcPct val="100000"/>
-              </a:lnSpc>
-              <a:spcBef>
-                <a:spcPts val="0"/>
-              </a:spcBef>
-              <a:spcAft>
-                <a:spcPts val="0"/>
-              </a:spcAft>
-              <a:buClrTx/>
-              <a:buSzTx/>
-              <a:buFont typeface="Arial" panose="020B0604020202020204" pitchFamily="34" charset="0"/>
-              <a:buNone/>
-              <a:tabLst/>
-              <a:defRPr/>
-            </a:pPr>
-            <a:endParaRPr lang="en-US"/>
-          </a:p>
-          <a:p>
-            <a:pPr marL="0" marR="0" lvl="0" indent="0" algn="l" defTabSz="914400" rtl="0" eaLnBrk="1" fontAlgn="auto" latinLnBrk="0" hangingPunct="1">
-              <a:lnSpc>
-                <a:spcPct val="100000"/>
-              </a:lnSpc>
-              <a:spcBef>
-                <a:spcPts val="0"/>
-              </a:spcBef>
-              <a:spcAft>
-                <a:spcPts val="0"/>
-              </a:spcAft>
-              <a:buClrTx/>
-              <a:buSzTx/>
-              <a:buFont typeface="Arial" panose="020B0604020202020204" pitchFamily="34" charset="0"/>
-              <a:buNone/>
-              <a:tabLst/>
-              <a:defRPr/>
-            </a:pPr>
-            <a:r>
-              <a:rPr lang="en-US"/>
-              <a:t>Once you align on objectives and priorities, make sure it is aligned on the following slides:</a:t>
-            </a:r>
-          </a:p>
-          <a:p>
-            <a:pPr marL="0" marR="0" lvl="0" indent="0" algn="l" defTabSz="914400" rtl="0" eaLnBrk="1" fontAlgn="auto" latinLnBrk="0" hangingPunct="1">
-              <a:lnSpc>
-                <a:spcPct val="100000"/>
-              </a:lnSpc>
-              <a:spcBef>
-                <a:spcPts val="0"/>
-              </a:spcBef>
-              <a:spcAft>
-                <a:spcPts val="0"/>
-              </a:spcAft>
-              <a:buClrTx/>
-              <a:buSzTx/>
-              <a:buFont typeface="Arial" panose="020B0604020202020204" pitchFamily="34" charset="0"/>
-              <a:buNone/>
-              <a:tabLst/>
-              <a:defRPr/>
-            </a:pPr>
-            <a:endParaRPr lang="en-US"/>
-          </a:p>
-          <a:p>
-            <a:pPr marL="0" marR="0" lvl="0" indent="0" algn="l" defTabSz="914400" rtl="0" eaLnBrk="1" fontAlgn="auto" latinLnBrk="0" hangingPunct="1">
-              <a:lnSpc>
-                <a:spcPct val="100000"/>
-              </a:lnSpc>
-              <a:spcBef>
-                <a:spcPts val="0"/>
-              </a:spcBef>
-              <a:spcAft>
-                <a:spcPts val="0"/>
-              </a:spcAft>
-              <a:buClrTx/>
-              <a:buSzTx/>
-              <a:buFont typeface="Arial" panose="020B0604020202020204" pitchFamily="34" charset="0"/>
-              <a:buNone/>
-              <a:tabLst/>
-              <a:defRPr/>
-            </a:pPr>
-            <a:r>
-              <a:rPr lang="en-US"/>
-              <a:t>Customize this slide with the objectives and priorities your account has.</a:t>
-            </a:r>
-          </a:p>
-          <a:p>
-            <a:pPr marL="0" marR="0" lvl="0" indent="0" algn="l" defTabSz="914400" rtl="0" eaLnBrk="1" fontAlgn="auto" latinLnBrk="0" hangingPunct="1">
-              <a:lnSpc>
-                <a:spcPct val="100000"/>
-              </a:lnSpc>
-              <a:spcBef>
-                <a:spcPts val="0"/>
-              </a:spcBef>
-              <a:spcAft>
-                <a:spcPts val="0"/>
-              </a:spcAft>
-              <a:buClrTx/>
-              <a:buSzTx/>
-              <a:buFont typeface="Arial" panose="020B0604020202020204" pitchFamily="34" charset="0"/>
-              <a:buNone/>
-              <a:tabLst/>
-              <a:defRPr/>
-            </a:pPr>
-            <a:endParaRPr lang="en-US"/>
-          </a:p>
-          <a:p>
-            <a:pPr marL="0" marR="0" lvl="0" indent="0" algn="l" defTabSz="914400" rtl="0" eaLnBrk="1" fontAlgn="auto" latinLnBrk="0" hangingPunct="1">
-              <a:lnSpc>
-                <a:spcPct val="100000"/>
-              </a:lnSpc>
-              <a:spcBef>
-                <a:spcPts val="0"/>
-              </a:spcBef>
-              <a:spcAft>
-                <a:spcPts val="0"/>
-              </a:spcAft>
-              <a:buClrTx/>
-              <a:buSzTx/>
-              <a:buFont typeface="Arial" panose="020B0604020202020204" pitchFamily="34" charset="0"/>
-              <a:buNone/>
-              <a:tabLst/>
-              <a:defRPr/>
-            </a:pPr>
-            <a:r>
-              <a:rPr lang="en-US"/>
-              <a:t>Here are some additional examples:</a:t>
-            </a:r>
-          </a:p>
-          <a:p>
-            <a:pPr marL="0" marR="0" lvl="0" indent="0" algn="l" defTabSz="914400" rtl="0" eaLnBrk="1" fontAlgn="auto" latinLnBrk="0" hangingPunct="1">
-              <a:lnSpc>
-                <a:spcPct val="100000"/>
-              </a:lnSpc>
-              <a:spcBef>
-                <a:spcPts val="0"/>
-              </a:spcBef>
-              <a:spcAft>
-                <a:spcPts val="0"/>
-              </a:spcAft>
-              <a:buClrTx/>
-              <a:buSzTx/>
-              <a:buFont typeface="Arial" panose="020B0604020202020204" pitchFamily="34" charset="0"/>
-              <a:buNone/>
-              <a:tabLst/>
-              <a:defRPr/>
-            </a:pPr>
-            <a:r>
-              <a:rPr lang="en-US"/>
-              <a:t>Business Objectives</a:t>
-            </a:r>
-          </a:p>
-          <a:p>
-            <a:pPr marL="0" marR="0" lvl="0" indent="0" algn="l" defTabSz="914400" rtl="0" eaLnBrk="1" fontAlgn="auto" latinLnBrk="0" hangingPunct="1">
-              <a:lnSpc>
-                <a:spcPct val="100000"/>
-              </a:lnSpc>
-              <a:spcBef>
-                <a:spcPts val="0"/>
-              </a:spcBef>
-              <a:spcAft>
-                <a:spcPts val="0"/>
-              </a:spcAft>
-              <a:buClrTx/>
-              <a:buSzTx/>
-              <a:buFont typeface="Arial" panose="020B0604020202020204" pitchFamily="34" charset="0"/>
-              <a:buNone/>
-              <a:tabLst/>
-              <a:defRPr/>
-            </a:pPr>
-            <a:r>
-              <a:rPr kumimoji="0" lang="en-US" sz="1200" b="0" i="0" u="none" strike="noStrike" kern="0" cap="none" spc="0" normalizeH="0" baseline="0" noProof="0">
-                <a:ln>
-                  <a:noFill/>
-                </a:ln>
-                <a:solidFill>
-                  <a:srgbClr val="000000"/>
-                </a:solidFill>
-                <a:effectLst/>
-                <a:uLnTx/>
-                <a:uFillTx/>
-                <a:latin typeface="Adobe Clean SemiLight" panose="020B0403020404020204" pitchFamily="34" charset="0"/>
-                <a:ea typeface="+mn-ea"/>
-                <a:cs typeface="+mn-cs"/>
-              </a:rPr>
-              <a:t>Drive Growth via acquisition and engagement</a:t>
-            </a:r>
-          </a:p>
-          <a:p>
-            <a:pPr marL="0" marR="0" lvl="0" indent="0" algn="l" defTabSz="914400" rtl="0" eaLnBrk="1" fontAlgn="auto" latinLnBrk="0" hangingPunct="1">
-              <a:lnSpc>
-                <a:spcPct val="100000"/>
-              </a:lnSpc>
-              <a:spcBef>
-                <a:spcPts val="0"/>
-              </a:spcBef>
-              <a:spcAft>
-                <a:spcPts val="0"/>
-              </a:spcAft>
-              <a:buClrTx/>
-              <a:buSzTx/>
-              <a:buFont typeface="Arial" panose="020B0604020202020204" pitchFamily="34" charset="0"/>
-              <a:buNone/>
-              <a:tabLst/>
-              <a:defRPr/>
-            </a:pPr>
-            <a:r>
-              <a:rPr kumimoji="0" lang="en-US" sz="1200" b="0" i="0" u="none" strike="noStrike" kern="0" cap="none" spc="0" normalizeH="0" baseline="0" noProof="0">
-                <a:ln>
-                  <a:noFill/>
-                </a:ln>
-                <a:solidFill>
-                  <a:srgbClr val="000000"/>
-                </a:solidFill>
-                <a:effectLst/>
-                <a:uLnTx/>
-                <a:uFillTx/>
-                <a:latin typeface="Adobe Clean SemiLight" panose="020B0403020404020204" pitchFamily="34" charset="0"/>
-                <a:ea typeface="+mn-ea"/>
-                <a:cs typeface="+mn-cs"/>
-              </a:rPr>
-              <a:t>Drive Efficiencies to unlock cost savings</a:t>
-            </a:r>
-          </a:p>
-          <a:p>
-            <a:pPr marL="0" marR="0" lvl="0" indent="0" algn="l" defTabSz="914400" rtl="0" eaLnBrk="1" fontAlgn="auto" latinLnBrk="0" hangingPunct="1">
-              <a:lnSpc>
-                <a:spcPct val="100000"/>
-              </a:lnSpc>
-              <a:spcBef>
-                <a:spcPts val="0"/>
-              </a:spcBef>
-              <a:spcAft>
-                <a:spcPts val="0"/>
-              </a:spcAft>
-              <a:buClrTx/>
-              <a:buSzTx/>
-              <a:buFont typeface="Arial" panose="020B0604020202020204" pitchFamily="34" charset="0"/>
-              <a:buNone/>
-              <a:tabLst/>
-              <a:defRPr/>
-            </a:pPr>
-            <a:r>
-              <a:rPr kumimoji="0" lang="en-US" sz="1200" b="0" i="0" u="none" strike="noStrike" kern="0" cap="none" spc="0" normalizeH="0" baseline="0" noProof="0">
-                <a:ln>
-                  <a:noFill/>
-                </a:ln>
-                <a:solidFill>
-                  <a:srgbClr val="000000"/>
-                </a:solidFill>
-                <a:effectLst/>
-                <a:uLnTx/>
-                <a:uFillTx/>
-                <a:latin typeface="Adobe Clean SemiLight" panose="020B0403020404020204" pitchFamily="34" charset="0"/>
-                <a:ea typeface="+mn-ea"/>
-                <a:cs typeface="+mn-cs"/>
-              </a:rPr>
-              <a:t>Deepen existing relationships</a:t>
-            </a:r>
-          </a:p>
-          <a:p>
-            <a:pPr marL="0" marR="0" lvl="0" indent="0" algn="l" defTabSz="914400" rtl="0" eaLnBrk="1" fontAlgn="auto" latinLnBrk="0" hangingPunct="1">
-              <a:lnSpc>
-                <a:spcPct val="100000"/>
-              </a:lnSpc>
-              <a:spcBef>
-                <a:spcPts val="0"/>
-              </a:spcBef>
-              <a:spcAft>
-                <a:spcPts val="0"/>
-              </a:spcAft>
-              <a:buClrTx/>
-              <a:buSzTx/>
-              <a:buFont typeface="Arial" panose="020B0604020202020204" pitchFamily="34" charset="0"/>
-              <a:buNone/>
-              <a:tabLst/>
-              <a:defRPr/>
-            </a:pPr>
-            <a:r>
-              <a:rPr kumimoji="0" lang="en-US" sz="1200" b="0" i="0" u="none" strike="noStrike" kern="0" cap="none" spc="0" normalizeH="0" baseline="0" noProof="0">
-                <a:ln>
-                  <a:noFill/>
-                </a:ln>
-                <a:solidFill>
-                  <a:srgbClr val="000000"/>
-                </a:solidFill>
-                <a:effectLst/>
-                <a:uLnTx/>
-                <a:uFillTx/>
-                <a:latin typeface="Adobe Clean SemiLight" panose="020B0403020404020204" pitchFamily="34" charset="0"/>
-                <a:ea typeface="+mn-ea"/>
-                <a:cs typeface="+mn-cs"/>
-              </a:rPr>
-              <a:t>Gather deeper insights to customer action </a:t>
-            </a:r>
-          </a:p>
-          <a:p>
-            <a:pPr marL="0" marR="0" lvl="0" indent="0" algn="l" defTabSz="914400" rtl="0" eaLnBrk="1" fontAlgn="auto" latinLnBrk="0" hangingPunct="1">
-              <a:lnSpc>
-                <a:spcPct val="100000"/>
-              </a:lnSpc>
-              <a:spcBef>
-                <a:spcPts val="0"/>
-              </a:spcBef>
-              <a:spcAft>
-                <a:spcPts val="0"/>
-              </a:spcAft>
-              <a:buClrTx/>
-              <a:buSzTx/>
-              <a:buFont typeface="Arial" panose="020B0604020202020204" pitchFamily="34" charset="0"/>
-              <a:buNone/>
-              <a:tabLst/>
-              <a:defRPr/>
-            </a:pPr>
-            <a:endParaRPr kumimoji="0" lang="en-US" sz="1200" b="0" i="0" u="none" strike="noStrike" kern="0" cap="none" spc="0" normalizeH="0" baseline="0" noProof="0">
-              <a:ln>
-                <a:noFill/>
-              </a:ln>
-              <a:solidFill>
-                <a:srgbClr val="000000"/>
-              </a:solidFill>
-              <a:effectLst/>
-              <a:uLnTx/>
-              <a:uFillTx/>
-              <a:latin typeface="Adobe Clean SemiLight" panose="020B0403020404020204" pitchFamily="34" charset="0"/>
-              <a:ea typeface="+mn-ea"/>
-              <a:cs typeface="+mn-cs"/>
-            </a:endParaRPr>
-          </a:p>
-          <a:p>
-            <a:pPr marL="0" marR="0" lvl="0" indent="0" algn="l" defTabSz="914400" rtl="0" eaLnBrk="1" fontAlgn="auto" latinLnBrk="0" hangingPunct="1">
-              <a:lnSpc>
-                <a:spcPct val="100000"/>
-              </a:lnSpc>
-              <a:spcBef>
-                <a:spcPts val="0"/>
-              </a:spcBef>
-              <a:spcAft>
-                <a:spcPts val="0"/>
-              </a:spcAft>
-              <a:buClrTx/>
-              <a:buSzTx/>
-              <a:buFont typeface="Arial" panose="020B0604020202020204" pitchFamily="34" charset="0"/>
-              <a:buNone/>
-              <a:tabLst/>
-              <a:defRPr/>
-            </a:pPr>
-            <a:r>
-              <a:rPr kumimoji="0" lang="en-US" sz="1200" b="0" i="0" u="none" strike="noStrike" kern="0" cap="none" spc="0" normalizeH="0" baseline="0" noProof="0">
-                <a:ln>
-                  <a:noFill/>
-                </a:ln>
-                <a:solidFill>
-                  <a:srgbClr val="000000"/>
-                </a:solidFill>
-                <a:effectLst/>
-                <a:uLnTx/>
-                <a:uFillTx/>
-                <a:latin typeface="Adobe Clean SemiLight" panose="020B0403020404020204" pitchFamily="34" charset="0"/>
-                <a:ea typeface="+mn-ea"/>
-                <a:cs typeface="+mn-cs"/>
-              </a:rPr>
-              <a:t>Digital Priorities:</a:t>
-            </a:r>
-          </a:p>
-          <a:p>
-            <a:pPr marL="0" marR="0" lvl="0" indent="0" algn="l" defTabSz="914400" rtl="0" eaLnBrk="1" fontAlgn="auto" latinLnBrk="0" hangingPunct="1">
-              <a:lnSpc>
-                <a:spcPct val="100000"/>
-              </a:lnSpc>
-              <a:spcBef>
-                <a:spcPts val="0"/>
-              </a:spcBef>
-              <a:spcAft>
-                <a:spcPts val="0"/>
-              </a:spcAft>
-              <a:buClrTx/>
-              <a:buSzTx/>
-              <a:buFont typeface="Arial" panose="020B0604020202020204" pitchFamily="34" charset="0"/>
-              <a:buNone/>
-              <a:tabLst/>
-              <a:defRPr/>
-            </a:pPr>
-            <a:r>
-              <a:rPr kumimoji="0" lang="en-US" sz="1200" b="0" i="0" u="none" strike="noStrike" kern="0" cap="none" spc="0" normalizeH="0" baseline="0" noProof="0">
-                <a:ln>
-                  <a:noFill/>
-                </a:ln>
-                <a:solidFill>
-                  <a:srgbClr val="FA0F00"/>
-                </a:solidFill>
-                <a:effectLst/>
-                <a:uLnTx/>
-                <a:uFillTx/>
-                <a:latin typeface="Adobe Clean ExtraBold"/>
-                <a:ea typeface="+mn-ea"/>
-                <a:cs typeface="+mn-cs"/>
-              </a:rPr>
-              <a:t>Achieve a Consolidated view of data across touchpoints</a:t>
-            </a:r>
-          </a:p>
-          <a:p>
-            <a:pPr marL="0" marR="0" lvl="0" indent="0" algn="l" defTabSz="914400" rtl="0" eaLnBrk="1" fontAlgn="auto" latinLnBrk="0" hangingPunct="1">
-              <a:lnSpc>
-                <a:spcPct val="100000"/>
-              </a:lnSpc>
-              <a:spcBef>
-                <a:spcPts val="0"/>
-              </a:spcBef>
-              <a:spcAft>
-                <a:spcPts val="0"/>
-              </a:spcAft>
-              <a:buClrTx/>
-              <a:buSzTx/>
-              <a:buFont typeface="Arial" panose="020B0604020202020204" pitchFamily="34" charset="0"/>
-              <a:buNone/>
-              <a:tabLst/>
-              <a:defRPr/>
-            </a:pPr>
-            <a:r>
-              <a:rPr kumimoji="0" lang="en-US" sz="1200" b="0" i="0" u="none" strike="noStrike" kern="0" cap="none" spc="0" normalizeH="0" baseline="0" noProof="0">
-                <a:ln>
-                  <a:noFill/>
-                </a:ln>
-                <a:solidFill>
-                  <a:srgbClr val="FA0F00"/>
-                </a:solidFill>
-                <a:effectLst/>
-                <a:uLnTx/>
-                <a:uFillTx/>
-                <a:latin typeface="Adobe Clean ExtraBold"/>
-                <a:ea typeface="+mn-ea"/>
-                <a:cs typeface="+mn-cs"/>
-              </a:rPr>
-              <a:t>Synergize data and content tooling to provide optimal experience internally</a:t>
-            </a:r>
-            <a:r>
-              <a:rPr lang="en-US" sz="1200" kern="0">
-                <a:solidFill>
-                  <a:srgbClr val="FA0F00"/>
-                </a:solidFill>
-                <a:latin typeface="Adobe Clean ExtraBold"/>
-              </a:rPr>
-              <a:t> &amp; externally</a:t>
-            </a:r>
-            <a:endParaRPr kumimoji="0" lang="en-US" sz="1200" b="0" i="0" u="none" strike="noStrike" kern="0" cap="none" spc="0" normalizeH="0" baseline="0" noProof="0">
-              <a:ln>
-                <a:noFill/>
-              </a:ln>
-              <a:solidFill>
-                <a:srgbClr val="FA0F00"/>
-              </a:solidFill>
-              <a:effectLst/>
-              <a:uLnTx/>
-              <a:uFillTx/>
-              <a:latin typeface="Adobe Clean ExtraBold"/>
-              <a:ea typeface="+mn-ea"/>
-              <a:cs typeface="+mn-cs"/>
-            </a:endParaRPr>
-          </a:p>
-          <a:p>
-            <a:pPr marL="0" marR="0" lvl="0" indent="0" algn="l" defTabSz="914400" rtl="0" eaLnBrk="1" fontAlgn="auto" latinLnBrk="0" hangingPunct="1">
-              <a:lnSpc>
-                <a:spcPct val="100000"/>
-              </a:lnSpc>
-              <a:spcBef>
-                <a:spcPts val="0"/>
-              </a:spcBef>
-              <a:spcAft>
-                <a:spcPts val="0"/>
-              </a:spcAft>
-              <a:buClrTx/>
-              <a:buSzTx/>
-              <a:buFont typeface="Arial" panose="020B0604020202020204" pitchFamily="34" charset="0"/>
-              <a:buNone/>
-              <a:tabLst/>
-              <a:defRPr/>
-            </a:pPr>
-            <a:r>
-              <a:rPr kumimoji="0" lang="en-US" sz="1200" b="0" i="0" u="none" strike="noStrike" kern="0" cap="none" spc="0" normalizeH="0" baseline="0" noProof="0">
-                <a:ln>
-                  <a:noFill/>
-                </a:ln>
-                <a:solidFill>
-                  <a:srgbClr val="FA0F00"/>
-                </a:solidFill>
-                <a:effectLst/>
-                <a:uLnTx/>
-                <a:uFillTx/>
-                <a:latin typeface="Adobe Clean ExtraBold"/>
-                <a:ea typeface="+mn-ea"/>
-                <a:cs typeface="+mn-cs"/>
-              </a:rPr>
-              <a:t>Deploy relevant experiences to the right user, at the right time</a:t>
-            </a:r>
-          </a:p>
-          <a:p>
-            <a:pPr marL="0" marR="0" lvl="0" indent="0" algn="l" defTabSz="914400" rtl="0" eaLnBrk="1" fontAlgn="auto" latinLnBrk="0" hangingPunct="1">
-              <a:lnSpc>
-                <a:spcPct val="100000"/>
-              </a:lnSpc>
-              <a:spcBef>
-                <a:spcPts val="0"/>
-              </a:spcBef>
-              <a:spcAft>
-                <a:spcPts val="0"/>
-              </a:spcAft>
-              <a:buClrTx/>
-              <a:buSzTx/>
-              <a:buFont typeface="Arial" panose="020B0604020202020204" pitchFamily="34" charset="0"/>
-              <a:buNone/>
-              <a:tabLst/>
-              <a:defRPr/>
-            </a:pPr>
-            <a:r>
-              <a:rPr kumimoji="0" lang="en-US" sz="1200" b="0" i="0" u="none" strike="noStrike" kern="0" cap="none" spc="0" normalizeH="0" baseline="0" noProof="0">
-                <a:ln>
-                  <a:noFill/>
-                </a:ln>
-                <a:solidFill>
-                  <a:srgbClr val="FA0F00"/>
-                </a:solidFill>
-                <a:effectLst/>
-                <a:uLnTx/>
-                <a:uFillTx/>
-                <a:latin typeface="Adobe Clean ExtraBold"/>
-                <a:ea typeface="+mn-ea"/>
-                <a:cs typeface="+mn-cs"/>
-              </a:rPr>
-              <a:t>Optimize customer engagement through measurement and insights</a:t>
-            </a:r>
-          </a:p>
-          <a:p>
-            <a:pPr marL="0" marR="0" lvl="0" indent="0" algn="l" defTabSz="914400" rtl="0" eaLnBrk="1" fontAlgn="auto" latinLnBrk="0" hangingPunct="1">
-              <a:lnSpc>
-                <a:spcPct val="100000"/>
-              </a:lnSpc>
-              <a:spcBef>
-                <a:spcPts val="0"/>
-              </a:spcBef>
-              <a:spcAft>
-                <a:spcPts val="0"/>
-              </a:spcAft>
-              <a:buClrTx/>
-              <a:buSzTx/>
-              <a:buFont typeface="Arial" panose="020B0604020202020204" pitchFamily="34" charset="0"/>
-              <a:buNone/>
-              <a:tabLst/>
-              <a:defRPr/>
-            </a:pPr>
-            <a:endParaRPr kumimoji="0" lang="en-US" sz="1200" b="0" i="0" u="none" strike="noStrike" kern="0" cap="none" spc="0" normalizeH="0" baseline="0" noProof="0">
-              <a:ln>
-                <a:noFill/>
-              </a:ln>
-              <a:solidFill>
-                <a:srgbClr val="000000"/>
-              </a:solidFill>
-              <a:effectLst/>
-              <a:uLnTx/>
-              <a:uFillTx/>
-              <a:latin typeface="Adobe Clean SemiLight" panose="020B0403020404020204" pitchFamily="34" charset="0"/>
-              <a:ea typeface="+mn-ea"/>
-              <a:cs typeface="+mn-cs"/>
-            </a:endParaRPr>
-          </a:p>
-          <a:p>
-            <a:pPr marL="0" marR="0" lvl="0" indent="0" algn="l" defTabSz="914400" rtl="0" eaLnBrk="1" fontAlgn="auto" latinLnBrk="0" hangingPunct="1">
-              <a:lnSpc>
-                <a:spcPct val="100000"/>
-              </a:lnSpc>
-              <a:spcBef>
-                <a:spcPts val="0"/>
-              </a:spcBef>
-              <a:spcAft>
-                <a:spcPts val="0"/>
-              </a:spcAft>
-              <a:buClrTx/>
-              <a:buSzTx/>
-              <a:buFont typeface="Arial" panose="020B0604020202020204" pitchFamily="34" charset="0"/>
-              <a:buNone/>
-              <a:tabLst/>
-              <a:defRPr/>
-            </a:pPr>
-            <a:endParaRPr kumimoji="0" lang="en-US" sz="1200" b="0" i="0" u="none" strike="noStrike" kern="0" cap="none" spc="0" normalizeH="0" baseline="0" noProof="0">
-              <a:ln>
-                <a:noFill/>
-              </a:ln>
-              <a:solidFill>
-                <a:srgbClr val="000000"/>
-              </a:solidFill>
-              <a:effectLst/>
-              <a:uLnTx/>
-              <a:uFillTx/>
-              <a:latin typeface="Adobe Clean SemiLight" panose="020B0403020404020204" pitchFamily="34" charset="0"/>
-              <a:ea typeface="+mn-ea"/>
-              <a:cs typeface="+mn-cs"/>
-            </a:endParaRPr>
-          </a:p>
-          <a:p>
-            <a:pPr marL="0" marR="0" lvl="0" indent="0" algn="l" defTabSz="914400" rtl="0" eaLnBrk="1" fontAlgn="auto" latinLnBrk="0" hangingPunct="1">
-              <a:lnSpc>
-                <a:spcPct val="100000"/>
-              </a:lnSpc>
-              <a:spcBef>
-                <a:spcPts val="0"/>
-              </a:spcBef>
-              <a:spcAft>
-                <a:spcPts val="0"/>
-              </a:spcAft>
-              <a:buClrTx/>
-              <a:buSzTx/>
-              <a:buFont typeface="Arial" panose="020B0604020202020204" pitchFamily="34" charset="0"/>
-              <a:buNone/>
-              <a:tabLst/>
-              <a:defRPr/>
-            </a:pPr>
-            <a:endParaRPr lang="en-US"/>
-          </a:p>
-        </p:txBody>
-      </p:sp>
-      <p:sp>
-        <p:nvSpPr>
-          <p:cNvPr id="4" name="Slide Number Placeholder 3"/>
-          <p:cNvSpPr>
-            <a:spLocks noGrp="1"/>
-          </p:cNvSpPr>
-          <p:nvPr>
-            <p:ph type="sldNum" sz="quarter" idx="5"/>
-          </p:nvPr>
-        </p:nvSpPr>
-        <p:spPr/>
-        <p:txBody>
-          <a:bodyPr/>
-          <a:lstStyle/>
-          <a:p>
-            <a:pPr marL="0" marR="0" lvl="0" indent="0" algn="r" defTabSz="914400" rtl="0" eaLnBrk="1" fontAlgn="auto" latinLnBrk="0" hangingPunct="1">
-              <a:lnSpc>
-                <a:spcPct val="100000"/>
-              </a:lnSpc>
-              <a:spcBef>
-                <a:spcPts val="0"/>
-              </a:spcBef>
-              <a:spcAft>
-                <a:spcPts val="0"/>
-              </a:spcAft>
-              <a:buClrTx/>
-              <a:buSzTx/>
-              <a:buFontTx/>
-              <a:buNone/>
-              <a:tabLst/>
-              <a:defRPr/>
-            </a:pPr>
-            <a:fld id="{3EF2277D-4E65-471B-8FDC-312617F5EA89}" type="slidenum">
-              <a:rPr kumimoji="0" lang="en-US" sz="1200" b="0" i="0" u="none" strike="noStrike" kern="1200" cap="none" spc="0" normalizeH="0" baseline="0" noProof="0" smtClean="0">
-                <a:ln>
-                  <a:noFill/>
-                </a:ln>
-                <a:solidFill>
-                  <a:prstClr val="black"/>
-                </a:solidFill>
-                <a:effectLst/>
-                <a:uLnTx/>
-                <a:uFillTx/>
-                <a:latin typeface="Calibri"/>
-                <a:ea typeface="+mn-ea"/>
-                <a:cs typeface="+mn-cs"/>
-              </a:rPr>
-              <a:pPr marL="0" marR="0" lvl="0" indent="0" algn="r" defTabSz="914400" rtl="0" eaLnBrk="1" fontAlgn="auto" latinLnBrk="0" hangingPunct="1">
-                <a:lnSpc>
-                  <a:spcPct val="100000"/>
-                </a:lnSpc>
-                <a:spcBef>
-                  <a:spcPts val="0"/>
-                </a:spcBef>
-                <a:spcAft>
-                  <a:spcPts val="0"/>
-                </a:spcAft>
-                <a:buClrTx/>
-                <a:buSzTx/>
-                <a:buFontTx/>
-                <a:buNone/>
-                <a:tabLst/>
-                <a:defRPr/>
-              </a:pPr>
-              <a:t>5</a:t>
-            </a:fld>
-            <a:endParaRPr kumimoji="0" lang="en-US" sz="1200" b="0" i="0" u="none" strike="noStrike" kern="1200" cap="none" spc="0" normalizeH="0" baseline="0" noProof="0">
-              <a:ln>
-                <a:noFill/>
-              </a:ln>
-              <a:solidFill>
-                <a:prstClr val="black"/>
-              </a:solidFill>
-              <a:effectLst/>
-              <a:uLnTx/>
-              <a:uFillTx/>
-              <a:latin typeface="Calibri"/>
-              <a:ea typeface="+mn-ea"/>
-              <a:cs typeface="+mn-cs"/>
-            </a:endParaRPr>
-          </a:p>
-        </p:txBody>
-      </p:sp>
-    </p:spTree>
-    <p:extLst>
-      <p:ext uri="{BB962C8B-B14F-4D97-AF65-F5344CB8AC3E}">
-        <p14:creationId xmlns:p14="http://schemas.microsoft.com/office/powerpoint/2010/main" val="4126172022"/>
-      </p:ext>
-    </p:extLst>
-  </p:cSld>
-  <p:clrMapOvr>
-    <a:masterClrMapping/>
-  </p:clrMapOvr>
-</p:notes>
-</file>
-
-<file path=ppt/notesSlides/notesSlide3.xml><?xml version="1.0" encoding="utf-8"?>
-<p:notes xmlns:a="http://schemas.openxmlformats.org/drawingml/2006/main" xmlns:r="http://schemas.openxmlformats.org/officeDocument/2006/relationships" xmlns:p="http://schemas.openxmlformats.org/presentationml/2006/main">
-  <p:cSld>
-    <p:spTree>
-      <p:nvGrpSpPr>
-        <p:cNvPr id="1" name=""/>
-        <p:cNvGrpSpPr/>
-        <p:nvPr/>
-      </p:nvGrpSpPr>
-      <p:grpSpPr>
-        <a:xfrm>
-          <a:off x="0" y="0"/>
-          <a:ext cx="0" cy="0"/>
-          <a:chOff x="0" y="0"/>
-          <a:chExt cx="0" cy="0"/>
-        </a:xfrm>
-      </p:grpSpPr>
-      <p:sp>
-        <p:nvSpPr>
-          <p:cNvPr id="2" name="Slide Image Placeholder 1"/>
-          <p:cNvSpPr>
-            <a:spLocks noGrp="1" noRot="1" noChangeAspect="1"/>
-          </p:cNvSpPr>
-          <p:nvPr>
-            <p:ph type="sldImg"/>
-          </p:nvPr>
-        </p:nvSpPr>
-        <p:spPr/>
-      </p:sp>
-      <p:sp>
-        <p:nvSpPr>
-          <p:cNvPr id="3" name="Notes Placeholder 2"/>
-          <p:cNvSpPr>
-            <a:spLocks noGrp="1"/>
-          </p:cNvSpPr>
-          <p:nvPr>
-            <p:ph type="body" idx="1"/>
-          </p:nvPr>
-        </p:nvSpPr>
-        <p:spPr/>
-        <p:txBody>
-          <a:bodyPr/>
-          <a:lstStyle/>
-          <a:p>
             <a:pPr marL="171450" indent="-171450">
               <a:buFont typeface="Arial" panose="020B0604020202020204" pitchFamily="34" charset="0"/>
               <a:buChar char="•"/>
@@ -1445,7 +673,7 @@
                 <a:tabLst/>
                 <a:defRPr/>
               </a:pPr>
-              <a:t>6</a:t>
+              <a:t>5</a:t>
             </a:fld>
             <a:endParaRPr kumimoji="0" lang="en-US" sz="1200" b="0" i="0" u="none" strike="noStrike" kern="1200" cap="none" spc="0" normalizeH="0" baseline="0" noProof="0">
               <a:ln>
@@ -6631,7 +5859,7 @@
           <a:p>
             <a:fld id="{8CB0EC54-4295-4C49-9904-62E624678780}" type="datetime1">
               <a:rPr lang="en-US" smtClean="0"/>
-              <a:t>7/7/22</a:t>
+              <a:t>7/8/22</a:t>
             </a:fld>
             <a:endParaRPr lang="en-US"/>
           </a:p>
@@ -7045,7 +6273,7 @@
           <a:p>
             <a:fld id="{5AA30E68-8AA3-4F04-9D54-83CA8C1FA3D2}" type="datetime1">
               <a:rPr lang="en-US" smtClean="0"/>
-              <a:t>7/7/22</a:t>
+              <a:t>7/8/22</a:t>
             </a:fld>
             <a:endParaRPr lang="en-US"/>
           </a:p>
@@ -10484,7 +9712,7 @@
           <a:p>
             <a:fld id="{C13374DE-F523-4144-90A2-C47F06AF466D}" type="datetime1">
               <a:rPr lang="en-US" smtClean="0"/>
-              <a:t>7/7/22</a:t>
+              <a:t>7/8/22</a:t>
             </a:fld>
             <a:endParaRPr lang="en-US"/>
           </a:p>
@@ -11292,13 +10520,7 @@
               <a:rPr lang="en-US" dirty="0">
                 <a:latin typeface="Adobe Clean ExtraBold"/>
               </a:rPr>
-              <a:t>Sales Play Lab Presentation </a:t>
-            </a:r>
-            <a:r>
-              <a:rPr lang="en-US" sz="3600" dirty="0">
-                <a:latin typeface="Adobe Clean ExtraBold"/>
-              </a:rPr>
-              <a:t>Workbook</a:t>
+              <a:t>Technical Sales Workshop Template</a:t>
             </a:r>
             <a:endParaRPr lang="en-US" dirty="0"/>
           </a:p>
@@ -13826,8 +13048,8 @@
           <a:lstStyle/>
           <a:p>
             <a:r>
-              <a:rPr lang="en-US"/>
-              <a:t>Sales Play POV: Objectives</a:t>
+              <a:rPr lang="en-US" dirty="0"/>
+              <a:t>Agenda</a:t>
             </a:r>
           </a:p>
         </p:txBody>
@@ -14460,61 +13682,6 @@
                 <a:schemeClr val="bg1"/>
               </a:solidFill>
             </a:endParaRPr>
-          </a:p>
-        </p:txBody>
-      </p:sp>
-      <p:sp>
-        <p:nvSpPr>
-          <p:cNvPr id="76" name="Rectangle: Top Corners Rounded 75">
-            <a:extLst>
-              <a:ext uri="{FF2B5EF4-FFF2-40B4-BE49-F238E27FC236}">
-                <a16:creationId xmlns:a16="http://schemas.microsoft.com/office/drawing/2014/main" id="{1D2C6E6F-C888-491A-85C6-55ADCD63DCB4}"/>
-              </a:ext>
-            </a:extLst>
-          </p:cNvPr>
-          <p:cNvSpPr/>
-          <p:nvPr/>
-        </p:nvSpPr>
-        <p:spPr>
-          <a:xfrm rot="10800000">
-            <a:off x="9406549" y="1"/>
-            <a:ext cx="2394085" cy="853012"/>
-          </a:xfrm>
-          <a:prstGeom prst="round2SameRect">
-            <a:avLst>
-              <a:gd name="adj1" fmla="val 35197"/>
-              <a:gd name="adj2" fmla="val 0"/>
-            </a:avLst>
-          </a:prstGeom>
-          <a:solidFill>
-            <a:schemeClr val="bg1"/>
-          </a:solidFill>
-          <a:ln>
-            <a:noFill/>
-          </a:ln>
-        </p:spPr>
-        <p:style>
-          <a:lnRef idx="2">
-            <a:schemeClr val="accent1">
-              <a:shade val="50000"/>
-            </a:schemeClr>
-          </a:lnRef>
-          <a:fillRef idx="1">
-            <a:schemeClr val="accent1"/>
-          </a:fillRef>
-          <a:effectRef idx="0">
-            <a:schemeClr val="accent1"/>
-          </a:effectRef>
-          <a:fontRef idx="minor">
-            <a:schemeClr val="lt1"/>
-          </a:fontRef>
-        </p:style>
-        <p:txBody>
-          <a:bodyPr rtlCol="0" anchor="ctr"/>
-          <a:lstStyle/>
-          <a:p>
-            <a:pPr algn="ctr"/>
-            <a:endParaRPr lang="en-US"/>
           </a:p>
         </p:txBody>
       </p:sp>
@@ -14719,97 +13886,6 @@
           </p:spPr>
         </p:pic>
       </p:grpSp>
-      <p:sp>
-        <p:nvSpPr>
-          <p:cNvPr id="88" name="TextBox 87">
-            <a:extLst>
-              <a:ext uri="{FF2B5EF4-FFF2-40B4-BE49-F238E27FC236}">
-                <a16:creationId xmlns:a16="http://schemas.microsoft.com/office/drawing/2014/main" id="{7693C807-4F14-4CFC-9192-6E1C88804310}"/>
-              </a:ext>
-            </a:extLst>
-          </p:cNvPr>
-          <p:cNvSpPr txBox="1"/>
-          <p:nvPr/>
-        </p:nvSpPr>
-        <p:spPr>
-          <a:xfrm>
-            <a:off x="10240276" y="61225"/>
-            <a:ext cx="1357213" cy="677108"/>
-          </a:xfrm>
-          <a:prstGeom prst="rect">
-            <a:avLst/>
-          </a:prstGeom>
-          <a:noFill/>
-        </p:spPr>
-        <p:txBody>
-          <a:bodyPr wrap="square" rtlCol="0">
-            <a:spAutoFit/>
-          </a:bodyPr>
-          <a:lstStyle/>
-          <a:p>
-            <a:pPr algn="ctr" defTabSz="342900"/>
-            <a:r>
-              <a:rPr lang="en-US" dirty="0">
-                <a:solidFill>
-                  <a:schemeClr val="accent6"/>
-                </a:solidFill>
-                <a:latin typeface="+mj-lt"/>
-              </a:rPr>
-              <a:t>Time Limit</a:t>
-            </a:r>
-          </a:p>
-          <a:p>
-            <a:pPr algn="ctr" defTabSz="342900"/>
-            <a:r>
-              <a:rPr lang="en-US" sz="2000" dirty="0">
-                <a:solidFill>
-                  <a:schemeClr val="accent6"/>
-                </a:solidFill>
-              </a:rPr>
-              <a:t>30 minutes</a:t>
-            </a:r>
-          </a:p>
-        </p:txBody>
-      </p:sp>
-      <p:pic>
-        <p:nvPicPr>
-          <p:cNvPr id="89" name="Graphic 88">
-            <a:extLst>
-              <a:ext uri="{FF2B5EF4-FFF2-40B4-BE49-F238E27FC236}">
-                <a16:creationId xmlns:a16="http://schemas.microsoft.com/office/drawing/2014/main" id="{F3A54779-2C5C-49AF-AD34-AF77489C0A98}"/>
-              </a:ext>
-            </a:extLst>
-          </p:cNvPr>
-          <p:cNvPicPr>
-            <a:picLocks noChangeAspect="1"/>
-          </p:cNvPicPr>
-          <p:nvPr/>
-        </p:nvPicPr>
-        <p:blipFill>
-          <a:blip r:embed="rId3" cstate="print">
-            <a:extLst>
-              <a:ext uri="{28A0092B-C50C-407E-A947-70E740481C1C}">
-                <a14:useLocalDpi xmlns:a14="http://schemas.microsoft.com/office/drawing/2010/main"/>
-              </a:ext>
-              <a:ext uri="{96DAC541-7B7A-43D3-8B79-37D633B846F1}">
-                <asvg:svgBlip xmlns:asvg="http://schemas.microsoft.com/office/drawing/2016/SVG/main" r:embed="rId4"/>
-              </a:ext>
-            </a:extLst>
-          </a:blip>
-          <a:stretch>
-            <a:fillRect/>
-          </a:stretch>
-        </p:blipFill>
-        <p:spPr>
-          <a:xfrm>
-            <a:off x="9491102" y="52351"/>
-            <a:ext cx="749174" cy="749174"/>
-          </a:xfrm>
-          <a:prstGeom prst="rect">
-            <a:avLst/>
-          </a:prstGeom>
-        </p:spPr>
-      </p:pic>
       <p:pic>
         <p:nvPicPr>
           <p:cNvPr id="90" name="Picture 89">
@@ -14828,7 +13904,7 @@
           <p:nvPr/>
         </p:nvPicPr>
         <p:blipFill>
-          <a:blip r:embed="rId5" cstate="print">
+          <a:blip r:embed="rId3" cstate="print">
             <a:lum bright="70000" contrast="-70000"/>
             <a:extLst>
               <a:ext uri="{28A0092B-C50C-407E-A947-70E740481C1C}">
@@ -15006,13 +14082,13 @@
           <a:lstStyle/>
           <a:p>
             <a:r>
-              <a:rPr lang="en-US">
+              <a:rPr lang="en-US" dirty="0">
                 <a:solidFill>
                   <a:schemeClr val="bg1"/>
                 </a:solidFill>
                 <a:latin typeface="Adobe Clean ExtraBold" panose="020B0903020404020204" pitchFamily="34" charset="0"/>
               </a:rPr>
-              <a:t>Milestone 1: Discovery Conversation</a:t>
+              <a:t>Discovery Conversation</a:t>
             </a:r>
           </a:p>
         </p:txBody>
@@ -15718,7 +14794,7 @@
             <p:nvPr/>
           </p:nvPicPr>
           <p:blipFill>
-            <a:blip r:embed="rId6" cstate="print">
+            <a:blip r:embed="rId4" cstate="print">
               <a:biLevel thresh="25000"/>
               <a:extLst>
                 <a:ext uri="{28A0092B-C50C-407E-A947-70E740481C1C}">
@@ -16026,46 +15102,6 @@
           </a:p>
         </p:txBody>
       </p:sp>
-      <p:sp>
-        <p:nvSpPr>
-          <p:cNvPr id="16" name="Title 15">
-            <a:extLst>
-              <a:ext uri="{FF2B5EF4-FFF2-40B4-BE49-F238E27FC236}">
-                <a16:creationId xmlns:a16="http://schemas.microsoft.com/office/drawing/2014/main" id="{C5A2C602-675E-4BF3-B78E-01A32DFD00F6}"/>
-              </a:ext>
-            </a:extLst>
-          </p:cNvPr>
-          <p:cNvSpPr>
-            <a:spLocks noGrp="1"/>
-          </p:cNvSpPr>
-          <p:nvPr>
-            <p:ph type="title"/>
-          </p:nvPr>
-        </p:nvSpPr>
-        <p:spPr>
-          <a:xfrm>
-            <a:off x="310896" y="312661"/>
-            <a:ext cx="11494008" cy="646189"/>
-          </a:xfrm>
-        </p:spPr>
-        <p:txBody>
-          <a:bodyPr>
-            <a:normAutofit/>
-          </a:bodyPr>
-          <a:lstStyle/>
-          <a:p>
-            <a:r>
-              <a:rPr lang="en-US">
-                <a:solidFill>
-                  <a:schemeClr val="bg1"/>
-                </a:solidFill>
-                <a:latin typeface="Adobe Clean ExtraBold" panose="020B0903020404020204" pitchFamily="34" charset="0"/>
-              </a:rPr>
-              <a:t>Milestone 1: RFP (continued)</a:t>
-            </a:r>
-          </a:p>
-        </p:txBody>
-      </p:sp>
       <p:grpSp>
         <p:nvGrpSpPr>
           <p:cNvPr id="7" name="Group 6">
@@ -16248,7 +15284,7 @@
               <a:defRPr/>
             </a:pPr>
             <a:r>
-              <a:rPr kumimoji="0" lang="en-US" sz="2400" b="0" i="0" u="none" strike="noStrike" kern="1200" cap="none" spc="0" normalizeH="0" baseline="0" noProof="0">
+              <a:rPr kumimoji="0" lang="en-US" sz="2400" b="0" i="0" u="none" strike="noStrike" kern="1200" cap="none" spc="0" normalizeH="0" baseline="0" noProof="0" dirty="0">
                 <a:ln>
                   <a:noFill/>
                 </a:ln>
@@ -16265,7 +15301,7 @@
               <a:t>Objective:  </a:t>
             </a:r>
             <a:r>
-              <a:rPr kumimoji="0" lang="en-US" sz="2400" b="0" i="0" u="none" strike="noStrike" kern="1200" cap="none" spc="0" normalizeH="0" baseline="0" noProof="0">
+              <a:rPr kumimoji="0" lang="en-US" sz="2400" b="0" i="0" u="none" strike="noStrike" kern="1200" cap="none" spc="0" normalizeH="0" baseline="0" noProof="0" dirty="0">
                 <a:ln>
                   <a:noFill/>
                 </a:ln>
@@ -17170,230 +16206,6 @@
           <a:xfrm>
             <a:off x="806242" y="4281429"/>
             <a:ext cx="559642" cy="559642"/>
-          </a:xfrm>
-          <a:prstGeom prst="rect">
-            <a:avLst/>
-          </a:prstGeom>
-        </p:spPr>
-      </p:pic>
-      <p:sp>
-        <p:nvSpPr>
-          <p:cNvPr id="76" name="Rectangle: Top Corners Rounded 75">
-            <a:extLst>
-              <a:ext uri="{FF2B5EF4-FFF2-40B4-BE49-F238E27FC236}">
-                <a16:creationId xmlns:a16="http://schemas.microsoft.com/office/drawing/2014/main" id="{536A5C0D-C259-4397-852A-8248833D8E32}"/>
-              </a:ext>
-            </a:extLst>
-          </p:cNvPr>
-          <p:cNvSpPr/>
-          <p:nvPr/>
-        </p:nvSpPr>
-        <p:spPr>
-          <a:xfrm rot="10800000">
-            <a:off x="9406549" y="1"/>
-            <a:ext cx="2394085" cy="853012"/>
-          </a:xfrm>
-          <a:prstGeom prst="round2SameRect">
-            <a:avLst>
-              <a:gd name="adj1" fmla="val 35197"/>
-              <a:gd name="adj2" fmla="val 0"/>
-            </a:avLst>
-          </a:prstGeom>
-          <a:solidFill>
-            <a:schemeClr val="bg1"/>
-          </a:solidFill>
-          <a:ln>
-            <a:noFill/>
-          </a:ln>
-        </p:spPr>
-        <p:style>
-          <a:lnRef idx="2">
-            <a:schemeClr val="accent1">
-              <a:shade val="50000"/>
-            </a:schemeClr>
-          </a:lnRef>
-          <a:fillRef idx="1">
-            <a:schemeClr val="accent1"/>
-          </a:fillRef>
-          <a:effectRef idx="0">
-            <a:schemeClr val="accent1"/>
-          </a:effectRef>
-          <a:fontRef idx="minor">
-            <a:schemeClr val="lt1"/>
-          </a:fontRef>
-        </p:style>
-        <p:txBody>
-          <a:bodyPr rtlCol="0" anchor="ctr"/>
-          <a:lstStyle/>
-          <a:p>
-            <a:pPr marL="0" marR="0" lvl="0" indent="0" algn="ctr" defTabSz="914400" rtl="0" eaLnBrk="1" fontAlgn="auto" latinLnBrk="0" hangingPunct="1">
-              <a:lnSpc>
-                <a:spcPct val="100000"/>
-              </a:lnSpc>
-              <a:spcBef>
-                <a:spcPts val="0"/>
-              </a:spcBef>
-              <a:spcAft>
-                <a:spcPts val="0"/>
-              </a:spcAft>
-              <a:buClrTx/>
-              <a:buSzTx/>
-              <a:buFontTx/>
-              <a:buNone/>
-              <a:tabLst/>
-              <a:defRPr/>
-            </a:pPr>
-            <a:endParaRPr kumimoji="0" lang="en-US" sz="1800" b="0" i="0" u="none" strike="noStrike" kern="1200" cap="none" spc="0" normalizeH="0" baseline="0" noProof="0">
-              <a:ln>
-                <a:noFill/>
-              </a:ln>
-              <a:solidFill>
-                <a:srgbClr val="FFFFFF"/>
-              </a:solidFill>
-              <a:effectLst/>
-              <a:uLnTx/>
-              <a:uFillTx/>
-              <a:latin typeface="Adobe Clean SemiLight"/>
-              <a:ea typeface="+mn-ea"/>
-              <a:cs typeface="+mn-cs"/>
-            </a:endParaRPr>
-          </a:p>
-        </p:txBody>
-      </p:sp>
-      <p:sp>
-        <p:nvSpPr>
-          <p:cNvPr id="52" name="TextBox 51">
-            <a:extLst>
-              <a:ext uri="{FF2B5EF4-FFF2-40B4-BE49-F238E27FC236}">
-                <a16:creationId xmlns:a16="http://schemas.microsoft.com/office/drawing/2014/main" id="{0530DC76-2D5A-4CC1-A216-C938DCA5C832}"/>
-              </a:ext>
-            </a:extLst>
-          </p:cNvPr>
-          <p:cNvSpPr txBox="1"/>
-          <p:nvPr/>
-        </p:nvSpPr>
-        <p:spPr>
-          <a:xfrm>
-            <a:off x="10240276" y="61225"/>
-            <a:ext cx="1357213" cy="677108"/>
-          </a:xfrm>
-          <a:prstGeom prst="rect">
-            <a:avLst/>
-          </a:prstGeom>
-          <a:noFill/>
-        </p:spPr>
-        <p:txBody>
-          <a:bodyPr wrap="square" rtlCol="0">
-            <a:spAutoFit/>
-          </a:bodyPr>
-          <a:lstStyle/>
-          <a:p>
-            <a:pPr marL="0" marR="0" lvl="0" indent="0" algn="ctr" defTabSz="342900" rtl="0" eaLnBrk="1" fontAlgn="auto" latinLnBrk="0" hangingPunct="1">
-              <a:lnSpc>
-                <a:spcPct val="100000"/>
-              </a:lnSpc>
-              <a:spcBef>
-                <a:spcPts val="0"/>
-              </a:spcBef>
-              <a:spcAft>
-                <a:spcPts val="0"/>
-              </a:spcAft>
-              <a:buClrTx/>
-              <a:buSzTx/>
-              <a:buFontTx/>
-              <a:buNone/>
-              <a:tabLst/>
-              <a:defRPr/>
-            </a:pPr>
-            <a:r>
-              <a:rPr kumimoji="0" lang="en-US" sz="1800" b="0" i="0" u="none" strike="noStrike" kern="1200" cap="none" spc="0" normalizeH="0" baseline="0" noProof="0">
-                <a:ln>
-                  <a:noFill/>
-                </a:ln>
-                <a:solidFill>
-                  <a:srgbClr val="FA0F00"/>
-                </a:solidFill>
-                <a:effectLst/>
-                <a:uLnTx/>
-                <a:uFillTx/>
-                <a:latin typeface="Adobe Clean ExtraBold"/>
-                <a:ea typeface="+mn-ea"/>
-                <a:cs typeface="+mn-cs"/>
-              </a:rPr>
-              <a:t>Time Limit</a:t>
-            </a:r>
-          </a:p>
-          <a:p>
-            <a:pPr marL="0" marR="0" lvl="0" indent="0" algn="ctr" defTabSz="342900" rtl="0" eaLnBrk="1" fontAlgn="auto" latinLnBrk="0" hangingPunct="1">
-              <a:lnSpc>
-                <a:spcPct val="100000"/>
-              </a:lnSpc>
-              <a:spcBef>
-                <a:spcPts val="0"/>
-              </a:spcBef>
-              <a:spcAft>
-                <a:spcPts val="0"/>
-              </a:spcAft>
-              <a:buClrTx/>
-              <a:buSzTx/>
-              <a:buFontTx/>
-              <a:buNone/>
-              <a:tabLst/>
-              <a:defRPr/>
-            </a:pPr>
-            <a:r>
-              <a:rPr kumimoji="0" lang="en-US" sz="2000" b="0" i="0" u="none" strike="noStrike" kern="1200" cap="none" spc="0" normalizeH="0" baseline="0" noProof="0">
-                <a:ln>
-                  <a:noFill/>
-                </a:ln>
-                <a:solidFill>
-                  <a:srgbClr val="FA0F00"/>
-                </a:solidFill>
-                <a:effectLst/>
-                <a:uLnTx/>
-                <a:uFillTx/>
-                <a:latin typeface="Adobe Clean SemiLight"/>
-                <a:ea typeface="+mn-ea"/>
-                <a:cs typeface="+mn-cs"/>
-              </a:rPr>
-              <a:t>15 minutes</a:t>
-            </a:r>
-          </a:p>
-        </p:txBody>
-      </p:sp>
-      <p:pic>
-        <p:nvPicPr>
-          <p:cNvPr id="8" name="Graphic 7">
-            <a:extLst>
-              <a:ext uri="{FF2B5EF4-FFF2-40B4-BE49-F238E27FC236}">
-                <a16:creationId xmlns:a16="http://schemas.microsoft.com/office/drawing/2014/main" id="{264F43DF-7279-4D03-A7BA-784D094A6BDD}"/>
-              </a:ext>
-            </a:extLst>
-          </p:cNvPr>
-          <p:cNvPicPr>
-            <a:picLocks noChangeAspect="1"/>
-          </p:cNvPicPr>
-          <p:nvPr/>
-        </p:nvPicPr>
-        <p:blipFill>
-          <a:blip r:embed="rId5" cstate="print">
-            <a:extLst>
-              <a:ext uri="{28A0092B-C50C-407E-A947-70E740481C1C}">
-                <a14:useLocalDpi xmlns:a14="http://schemas.microsoft.com/office/drawing/2010/main"/>
-              </a:ext>
-              <a:ext uri="{96DAC541-7B7A-43D3-8B79-37D633B846F1}">
-                <asvg:svgBlip xmlns:asvg="http://schemas.microsoft.com/office/drawing/2016/SVG/main" r:embed="rId6"/>
-              </a:ext>
-            </a:extLst>
-          </a:blip>
-          <a:stretch>
-            <a:fillRect/>
-          </a:stretch>
-        </p:blipFill>
-        <p:spPr>
-          <a:xfrm>
-            <a:off x="9491102" y="52351"/>
-            <a:ext cx="749174" cy="749174"/>
           </a:xfrm>
           <a:prstGeom prst="rect">
             <a:avLst/>
@@ -18637,6 +17449,40 @@
           </a:p>
         </p:txBody>
       </p:sp>
+      <p:sp>
+        <p:nvSpPr>
+          <p:cNvPr id="6" name="Title 5">
+            <a:extLst>
+              <a:ext uri="{FF2B5EF4-FFF2-40B4-BE49-F238E27FC236}">
+                <a16:creationId xmlns:a16="http://schemas.microsoft.com/office/drawing/2014/main" id="{82590B1B-CB49-4FA7-F2D8-A0804E2120EE}"/>
+              </a:ext>
+            </a:extLst>
+          </p:cNvPr>
+          <p:cNvSpPr>
+            <a:spLocks noGrp="1"/>
+          </p:cNvSpPr>
+          <p:nvPr>
+            <p:ph type="title"/>
+          </p:nvPr>
+        </p:nvSpPr>
+        <p:spPr/>
+        <p:txBody>
+          <a:bodyPr/>
+          <a:lstStyle/>
+          <a:p>
+            <a:r>
+              <a:rPr lang="en-US" dirty="0">
+                <a:solidFill>
+                  <a:schemeClr val="bg1"/>
+                </a:solidFill>
+                <a:latin typeface="Adobe Clean ExtraBold" panose="020B0903020404020204" pitchFamily="34" charset="0"/>
+              </a:rPr>
+              <a:t>Discovery Conversation</a:t>
+            </a:r>
+            <a:endParaRPr lang="en-US" dirty="0"/>
+          </a:p>
+        </p:txBody>
+      </p:sp>
     </p:spTree>
     <p:extLst>
       <p:ext uri="{BB962C8B-B14F-4D97-AF65-F5344CB8AC3E}">
@@ -18651,6654 +17497,6 @@
 </file>
 
 <file path=ppt/slides/slide5.xml><?xml version="1.0" encoding="utf-8"?>
-<p:sld xmlns:a="http://schemas.openxmlformats.org/drawingml/2006/main" xmlns:r="http://schemas.openxmlformats.org/officeDocument/2006/relationships" xmlns:p="http://schemas.openxmlformats.org/presentationml/2006/main">
-  <p:cSld>
-    <p:spTree>
-      <p:nvGrpSpPr>
-        <p:cNvPr id="1" name=""/>
-        <p:cNvGrpSpPr/>
-        <p:nvPr/>
-      </p:nvGrpSpPr>
-      <p:grpSpPr>
-        <a:xfrm>
-          <a:off x="0" y="0"/>
-          <a:ext cx="0" cy="0"/>
-          <a:chOff x="0" y="0"/>
-          <a:chExt cx="0" cy="0"/>
-        </a:xfrm>
-      </p:grpSpPr>
-      <p:grpSp>
-        <p:nvGrpSpPr>
-          <p:cNvPr id="100" name="Group 99">
-            <a:extLst>
-              <a:ext uri="{FF2B5EF4-FFF2-40B4-BE49-F238E27FC236}">
-                <a16:creationId xmlns:a16="http://schemas.microsoft.com/office/drawing/2014/main" id="{032FED44-24D1-4B59-86CE-4C3FF7FE1470}"/>
-              </a:ext>
-            </a:extLst>
-          </p:cNvPr>
-          <p:cNvGrpSpPr/>
-          <p:nvPr/>
-        </p:nvGrpSpPr>
-        <p:grpSpPr>
-          <a:xfrm>
-            <a:off x="10050344" y="353289"/>
-            <a:ext cx="1832827" cy="316051"/>
-            <a:chOff x="10181278" y="6069032"/>
-            <a:chExt cx="1833782" cy="316215"/>
-          </a:xfrm>
-        </p:grpSpPr>
-        <p:sp>
-          <p:nvSpPr>
-            <p:cNvPr id="102" name="Rectangle 101">
-              <a:extLst>
-                <a:ext uri="{FF2B5EF4-FFF2-40B4-BE49-F238E27FC236}">
-                  <a16:creationId xmlns:a16="http://schemas.microsoft.com/office/drawing/2014/main" id="{138602FE-28DC-4146-81B3-3F87892AA424}"/>
-                </a:ext>
-              </a:extLst>
-            </p:cNvPr>
-            <p:cNvSpPr/>
-            <p:nvPr/>
-          </p:nvSpPr>
-          <p:spPr>
-            <a:xfrm>
-              <a:off x="10487328" y="6069032"/>
-              <a:ext cx="1527732" cy="307777"/>
-            </a:xfrm>
-            <a:prstGeom prst="rect">
-              <a:avLst/>
-            </a:prstGeom>
-          </p:spPr>
-          <p:txBody>
-            <a:bodyPr wrap="square">
-              <a:spAutoFit/>
-            </a:bodyPr>
-            <a:lstStyle/>
-            <a:p>
-              <a:pPr marL="0" marR="0" lvl="0" indent="0" algn="l" defTabSz="914126" rtl="0" eaLnBrk="1" fontAlgn="auto" latinLnBrk="0" hangingPunct="1">
-                <a:lnSpc>
-                  <a:spcPct val="100000"/>
-                </a:lnSpc>
-                <a:spcBef>
-                  <a:spcPts val="0"/>
-                </a:spcBef>
-                <a:spcAft>
-                  <a:spcPts val="0"/>
-                </a:spcAft>
-                <a:buClrTx/>
-                <a:buSzTx/>
-                <a:buFontTx/>
-                <a:buNone/>
-                <a:tabLst/>
-                <a:defRPr/>
-              </a:pPr>
-              <a:r>
-                <a:rPr kumimoji="0" lang="en-US" sz="1400" b="0" i="0" u="none" strike="noStrike" kern="1200" cap="none" spc="0" normalizeH="0" baseline="0" noProof="0">
-                  <a:ln>
-                    <a:noFill/>
-                  </a:ln>
-                  <a:solidFill>
-                    <a:srgbClr val="FA0F00"/>
-                  </a:solidFill>
-                  <a:effectLst/>
-                  <a:uLnTx/>
-                  <a:uFillTx/>
-                  <a:latin typeface="Adobe Clean ExtraBold" panose="020B0503020404020204" pitchFamily="34" charset="0"/>
-                  <a:ea typeface="+mn-ea"/>
-                  <a:cs typeface="+mn-cs"/>
-                </a:rPr>
-                <a:t>FOR DISCUSSION</a:t>
-              </a:r>
-            </a:p>
-          </p:txBody>
-        </p:sp>
-        <p:grpSp>
-          <p:nvGrpSpPr>
-            <p:cNvPr id="106" name="Graphic 3">
-              <a:extLst>
-                <a:ext uri="{FF2B5EF4-FFF2-40B4-BE49-F238E27FC236}">
-                  <a16:creationId xmlns:a16="http://schemas.microsoft.com/office/drawing/2014/main" id="{13100399-7733-4113-A829-4283D3C0DAED}"/>
-                </a:ext>
-              </a:extLst>
-            </p:cNvPr>
-            <p:cNvGrpSpPr/>
-            <p:nvPr/>
-          </p:nvGrpSpPr>
-          <p:grpSpPr>
-            <a:xfrm>
-              <a:off x="10181278" y="6093913"/>
-              <a:ext cx="318147" cy="291334"/>
-              <a:chOff x="10462276" y="6212112"/>
-              <a:chExt cx="191273" cy="175153"/>
-            </a:xfrm>
-          </p:grpSpPr>
-          <p:sp>
-            <p:nvSpPr>
-              <p:cNvPr id="110" name="Freeform: Shape 163">
-                <a:extLst>
-                  <a:ext uri="{FF2B5EF4-FFF2-40B4-BE49-F238E27FC236}">
-                    <a16:creationId xmlns:a16="http://schemas.microsoft.com/office/drawing/2014/main" id="{8758E5B2-A874-43B0-BE71-A925CEC9E816}"/>
-                  </a:ext>
-                </a:extLst>
-              </p:cNvPr>
-              <p:cNvSpPr/>
-              <p:nvPr/>
-            </p:nvSpPr>
-            <p:spPr>
-              <a:xfrm>
-                <a:off x="10462276" y="6212112"/>
-                <a:ext cx="191273" cy="175153"/>
-              </a:xfrm>
-              <a:custGeom>
-                <a:avLst/>
-                <a:gdLst>
-                  <a:gd name="connsiteX0" fmla="*/ 179343 w 191273"/>
-                  <a:gd name="connsiteY0" fmla="*/ 0 h 175153"/>
-                  <a:gd name="connsiteX1" fmla="*/ 59714 w 191273"/>
-                  <a:gd name="connsiteY1" fmla="*/ 0 h 175153"/>
-                  <a:gd name="connsiteX2" fmla="*/ 47782 w 191273"/>
-                  <a:gd name="connsiteY2" fmla="*/ 11960 h 175153"/>
-                  <a:gd name="connsiteX3" fmla="*/ 47782 w 191273"/>
-                  <a:gd name="connsiteY3" fmla="*/ 47782 h 175153"/>
-                  <a:gd name="connsiteX4" fmla="*/ 11931 w 191273"/>
-                  <a:gd name="connsiteY4" fmla="*/ 47782 h 175153"/>
-                  <a:gd name="connsiteX5" fmla="*/ 0 w 191273"/>
-                  <a:gd name="connsiteY5" fmla="*/ 59742 h 175153"/>
-                  <a:gd name="connsiteX6" fmla="*/ 0 w 191273"/>
-                  <a:gd name="connsiteY6" fmla="*/ 131416 h 175153"/>
-                  <a:gd name="connsiteX7" fmla="*/ 11931 w 191273"/>
-                  <a:gd name="connsiteY7" fmla="*/ 143376 h 175153"/>
-                  <a:gd name="connsiteX8" fmla="*/ 23891 w 191273"/>
-                  <a:gd name="connsiteY8" fmla="*/ 143376 h 175153"/>
-                  <a:gd name="connsiteX9" fmla="*/ 23891 w 191273"/>
-                  <a:gd name="connsiteY9" fmla="*/ 175154 h 175153"/>
-                  <a:gd name="connsiteX10" fmla="*/ 63787 w 191273"/>
-                  <a:gd name="connsiteY10" fmla="*/ 143376 h 175153"/>
-                  <a:gd name="connsiteX11" fmla="*/ 107525 w 191273"/>
-                  <a:gd name="connsiteY11" fmla="*/ 143376 h 175153"/>
-                  <a:gd name="connsiteX12" fmla="*/ 119456 w 191273"/>
-                  <a:gd name="connsiteY12" fmla="*/ 131416 h 175153"/>
-                  <a:gd name="connsiteX13" fmla="*/ 119456 w 191273"/>
-                  <a:gd name="connsiteY13" fmla="*/ 103538 h 175153"/>
-                  <a:gd name="connsiteX14" fmla="*/ 167238 w 191273"/>
-                  <a:gd name="connsiteY14" fmla="*/ 143376 h 175153"/>
-                  <a:gd name="connsiteX15" fmla="*/ 167238 w 191273"/>
-                  <a:gd name="connsiteY15" fmla="*/ 103538 h 175153"/>
-                  <a:gd name="connsiteX16" fmla="*/ 179343 w 191273"/>
-                  <a:gd name="connsiteY16" fmla="*/ 103538 h 175153"/>
-                  <a:gd name="connsiteX17" fmla="*/ 191274 w 191273"/>
-                  <a:gd name="connsiteY17" fmla="*/ 91607 h 175153"/>
-                  <a:gd name="connsiteX18" fmla="*/ 191274 w 191273"/>
-                  <a:gd name="connsiteY18" fmla="*/ 11960 h 175153"/>
-                  <a:gd name="connsiteX19" fmla="*/ 179343 w 191273"/>
-                  <a:gd name="connsiteY19" fmla="*/ 0 h 175153"/>
-                  <a:gd name="connsiteX20" fmla="*/ 175212 w 191273"/>
-                  <a:gd name="connsiteY20" fmla="*/ 85627 h 175153"/>
-                  <a:gd name="connsiteX21" fmla="*/ 173276 w 191273"/>
-                  <a:gd name="connsiteY21" fmla="*/ 87620 h 175153"/>
-                  <a:gd name="connsiteX22" fmla="*/ 173218 w 191273"/>
-                  <a:gd name="connsiteY22" fmla="*/ 87620 h 175153"/>
-                  <a:gd name="connsiteX23" fmla="*/ 151321 w 191273"/>
-                  <a:gd name="connsiteY23" fmla="*/ 87620 h 175153"/>
-                  <a:gd name="connsiteX24" fmla="*/ 151321 w 191273"/>
-                  <a:gd name="connsiteY24" fmla="*/ 109200 h 175153"/>
-                  <a:gd name="connsiteX25" fmla="*/ 127343 w 191273"/>
-                  <a:gd name="connsiteY25" fmla="*/ 87620 h 175153"/>
-                  <a:gd name="connsiteX26" fmla="*/ 65694 w 191273"/>
-                  <a:gd name="connsiteY26" fmla="*/ 87620 h 175153"/>
-                  <a:gd name="connsiteX27" fmla="*/ 63700 w 191273"/>
-                  <a:gd name="connsiteY27" fmla="*/ 85685 h 175153"/>
-                  <a:gd name="connsiteX28" fmla="*/ 63700 w 191273"/>
-                  <a:gd name="connsiteY28" fmla="*/ 85627 h 175153"/>
-                  <a:gd name="connsiteX29" fmla="*/ 63700 w 191273"/>
-                  <a:gd name="connsiteY29" fmla="*/ 17940 h 175153"/>
-                  <a:gd name="connsiteX30" fmla="*/ 65635 w 191273"/>
-                  <a:gd name="connsiteY30" fmla="*/ 15947 h 175153"/>
-                  <a:gd name="connsiteX31" fmla="*/ 65694 w 191273"/>
-                  <a:gd name="connsiteY31" fmla="*/ 15947 h 175153"/>
-                  <a:gd name="connsiteX32" fmla="*/ 173218 w 191273"/>
-                  <a:gd name="connsiteY32" fmla="*/ 15947 h 175153"/>
-                  <a:gd name="connsiteX33" fmla="*/ 175212 w 191273"/>
-                  <a:gd name="connsiteY33" fmla="*/ 17882 h 175153"/>
-                  <a:gd name="connsiteX34" fmla="*/ 175212 w 191273"/>
-                  <a:gd name="connsiteY34" fmla="*/ 17940 h 175153"/>
-                </a:gdLst>
-                <a:ahLst/>
-                <a:cxnLst>
-                  <a:cxn ang="0">
-                    <a:pos x="connsiteX0" y="connsiteY0"/>
-                  </a:cxn>
-                  <a:cxn ang="0">
-                    <a:pos x="connsiteX1" y="connsiteY1"/>
-                  </a:cxn>
-                  <a:cxn ang="0">
-                    <a:pos x="connsiteX2" y="connsiteY2"/>
-                  </a:cxn>
-                  <a:cxn ang="0">
-                    <a:pos x="connsiteX3" y="connsiteY3"/>
-                  </a:cxn>
-                  <a:cxn ang="0">
-                    <a:pos x="connsiteX4" y="connsiteY4"/>
-                  </a:cxn>
-                  <a:cxn ang="0">
-                    <a:pos x="connsiteX5" y="connsiteY5"/>
-                  </a:cxn>
-                  <a:cxn ang="0">
-                    <a:pos x="connsiteX6" y="connsiteY6"/>
-                  </a:cxn>
-                  <a:cxn ang="0">
-                    <a:pos x="connsiteX7" y="connsiteY7"/>
-                  </a:cxn>
-                  <a:cxn ang="0">
-                    <a:pos x="connsiteX8" y="connsiteY8"/>
-                  </a:cxn>
-                  <a:cxn ang="0">
-                    <a:pos x="connsiteX9" y="connsiteY9"/>
-                  </a:cxn>
-                  <a:cxn ang="0">
-                    <a:pos x="connsiteX10" y="connsiteY10"/>
-                  </a:cxn>
-                  <a:cxn ang="0">
-                    <a:pos x="connsiteX11" y="connsiteY11"/>
-                  </a:cxn>
-                  <a:cxn ang="0">
-                    <a:pos x="connsiteX12" y="connsiteY12"/>
-                  </a:cxn>
-                  <a:cxn ang="0">
-                    <a:pos x="connsiteX13" y="connsiteY13"/>
-                  </a:cxn>
-                  <a:cxn ang="0">
-                    <a:pos x="connsiteX14" y="connsiteY14"/>
-                  </a:cxn>
-                  <a:cxn ang="0">
-                    <a:pos x="connsiteX15" y="connsiteY15"/>
-                  </a:cxn>
-                  <a:cxn ang="0">
-                    <a:pos x="connsiteX16" y="connsiteY16"/>
-                  </a:cxn>
-                  <a:cxn ang="0">
-                    <a:pos x="connsiteX17" y="connsiteY17"/>
-                  </a:cxn>
-                  <a:cxn ang="0">
-                    <a:pos x="connsiteX18" y="connsiteY18"/>
-                  </a:cxn>
-                  <a:cxn ang="0">
-                    <a:pos x="connsiteX19" y="connsiteY19"/>
-                  </a:cxn>
-                  <a:cxn ang="0">
-                    <a:pos x="connsiteX20" y="connsiteY20"/>
-                  </a:cxn>
-                  <a:cxn ang="0">
-                    <a:pos x="connsiteX21" y="connsiteY21"/>
-                  </a:cxn>
-                  <a:cxn ang="0">
-                    <a:pos x="connsiteX22" y="connsiteY22"/>
-                  </a:cxn>
-                  <a:cxn ang="0">
-                    <a:pos x="connsiteX23" y="connsiteY23"/>
-                  </a:cxn>
-                  <a:cxn ang="0">
-                    <a:pos x="connsiteX24" y="connsiteY24"/>
-                  </a:cxn>
-                  <a:cxn ang="0">
-                    <a:pos x="connsiteX25" y="connsiteY25"/>
-                  </a:cxn>
-                  <a:cxn ang="0">
-                    <a:pos x="connsiteX26" y="connsiteY26"/>
-                  </a:cxn>
-                  <a:cxn ang="0">
-                    <a:pos x="connsiteX27" y="connsiteY27"/>
-                  </a:cxn>
-                  <a:cxn ang="0">
-                    <a:pos x="connsiteX28" y="connsiteY28"/>
-                  </a:cxn>
-                  <a:cxn ang="0">
-                    <a:pos x="connsiteX29" y="connsiteY29"/>
-                  </a:cxn>
-                  <a:cxn ang="0">
-                    <a:pos x="connsiteX30" y="connsiteY30"/>
-                  </a:cxn>
-                  <a:cxn ang="0">
-                    <a:pos x="connsiteX31" y="connsiteY31"/>
-                  </a:cxn>
-                  <a:cxn ang="0">
-                    <a:pos x="connsiteX32" y="connsiteY32"/>
-                  </a:cxn>
-                  <a:cxn ang="0">
-                    <a:pos x="connsiteX33" y="connsiteY33"/>
-                  </a:cxn>
-                  <a:cxn ang="0">
-                    <a:pos x="connsiteX34" y="connsiteY34"/>
-                  </a:cxn>
-                </a:cxnLst>
-                <a:rect l="l" t="t" r="r" b="b"/>
-                <a:pathLst>
-                  <a:path w="191273" h="175153">
-                    <a:moveTo>
-                      <a:pt x="179343" y="0"/>
-                    </a:moveTo>
-                    <a:lnTo>
-                      <a:pt x="59714" y="0"/>
-                    </a:lnTo>
-                    <a:cubicBezTo>
-                      <a:pt x="51779" y="0"/>
-                      <a:pt x="47802" y="3987"/>
-                      <a:pt x="47782" y="11960"/>
-                    </a:cubicBezTo>
-                    <a:lnTo>
-                      <a:pt x="47782" y="47782"/>
-                    </a:lnTo>
-                    <a:lnTo>
-                      <a:pt x="11931" y="47782"/>
-                    </a:lnTo>
-                    <a:cubicBezTo>
-                      <a:pt x="3958" y="47782"/>
-                      <a:pt x="0" y="51769"/>
-                      <a:pt x="0" y="59742"/>
-                    </a:cubicBezTo>
-                    <a:lnTo>
-                      <a:pt x="0" y="131416"/>
-                    </a:lnTo>
-                    <a:cubicBezTo>
-                      <a:pt x="0" y="139389"/>
-                      <a:pt x="3958" y="143376"/>
-                      <a:pt x="11931" y="143376"/>
-                    </a:cubicBezTo>
-                    <a:lnTo>
-                      <a:pt x="23891" y="143376"/>
-                    </a:lnTo>
-                    <a:lnTo>
-                      <a:pt x="23891" y="175154"/>
-                    </a:lnTo>
-                    <a:lnTo>
-                      <a:pt x="63787" y="143376"/>
-                    </a:lnTo>
-                    <a:lnTo>
-                      <a:pt x="107525" y="143376"/>
-                    </a:lnTo>
-                    <a:cubicBezTo>
-                      <a:pt x="115479" y="143376"/>
-                      <a:pt x="119456" y="139389"/>
-                      <a:pt x="119456" y="131416"/>
-                    </a:cubicBezTo>
-                    <a:lnTo>
-                      <a:pt x="119456" y="103538"/>
-                    </a:lnTo>
-                    <a:lnTo>
-                      <a:pt x="167238" y="143376"/>
-                    </a:lnTo>
-                    <a:lnTo>
-                      <a:pt x="167238" y="103538"/>
-                    </a:lnTo>
-                    <a:lnTo>
-                      <a:pt x="179343" y="103538"/>
-                    </a:lnTo>
-                    <a:cubicBezTo>
-                      <a:pt x="187297" y="103538"/>
-                      <a:pt x="191274" y="99561"/>
-                      <a:pt x="191274" y="91607"/>
-                    </a:cubicBezTo>
-                    <a:lnTo>
-                      <a:pt x="191274" y="11960"/>
-                    </a:lnTo>
-                    <a:cubicBezTo>
-                      <a:pt x="191274" y="3987"/>
-                      <a:pt x="187297" y="0"/>
-                      <a:pt x="179343" y="0"/>
-                    </a:cubicBezTo>
-                    <a:moveTo>
-                      <a:pt x="175212" y="85627"/>
-                    </a:moveTo>
-                    <a:cubicBezTo>
-                      <a:pt x="175228" y="86712"/>
-                      <a:pt x="174362" y="87604"/>
-                      <a:pt x="173276" y="87620"/>
-                    </a:cubicBezTo>
-                    <a:cubicBezTo>
-                      <a:pt x="173257" y="87620"/>
-                      <a:pt x="173238" y="87620"/>
-                      <a:pt x="173218" y="87620"/>
-                    </a:cubicBezTo>
-                    <a:lnTo>
-                      <a:pt x="151321" y="87620"/>
-                    </a:lnTo>
-                    <a:lnTo>
-                      <a:pt x="151321" y="109200"/>
-                    </a:lnTo>
-                    <a:lnTo>
-                      <a:pt x="127343" y="87620"/>
-                    </a:lnTo>
-                    <a:lnTo>
-                      <a:pt x="65694" y="87620"/>
-                    </a:lnTo>
-                    <a:cubicBezTo>
-                      <a:pt x="64609" y="87636"/>
-                      <a:pt x="63716" y="86770"/>
-                      <a:pt x="63700" y="85685"/>
-                    </a:cubicBezTo>
-                    <a:cubicBezTo>
-                      <a:pt x="63700" y="85665"/>
-                      <a:pt x="63700" y="85646"/>
-                      <a:pt x="63700" y="85627"/>
-                    </a:cubicBezTo>
-                    <a:lnTo>
-                      <a:pt x="63700" y="17940"/>
-                    </a:lnTo>
-                    <a:cubicBezTo>
-                      <a:pt x="63684" y="16855"/>
-                      <a:pt x="64550" y="15963"/>
-                      <a:pt x="65635" y="15947"/>
-                    </a:cubicBezTo>
-                    <a:cubicBezTo>
-                      <a:pt x="65655" y="15946"/>
-                      <a:pt x="65674" y="15946"/>
-                      <a:pt x="65694" y="15947"/>
-                    </a:cubicBezTo>
-                    <a:lnTo>
-                      <a:pt x="173218" y="15947"/>
-                    </a:lnTo>
-                    <a:cubicBezTo>
-                      <a:pt x="174303" y="15931"/>
-                      <a:pt x="175196" y="16797"/>
-                      <a:pt x="175212" y="17882"/>
-                    </a:cubicBezTo>
-                    <a:cubicBezTo>
-                      <a:pt x="175212" y="17901"/>
-                      <a:pt x="175212" y="17921"/>
-                      <a:pt x="175212" y="17940"/>
-                    </a:cubicBezTo>
-                    <a:close/>
-                  </a:path>
-                </a:pathLst>
-              </a:custGeom>
-              <a:noFill/>
-              <a:ln w="19050" cap="flat">
-                <a:solidFill>
-                  <a:schemeClr val="tx1">
-                    <a:lumMod val="95000"/>
-                    <a:lumOff val="5000"/>
-                  </a:schemeClr>
-                </a:solidFill>
-                <a:prstDash val="solid"/>
-                <a:miter/>
-              </a:ln>
-            </p:spPr>
-            <p:txBody>
-              <a:bodyPr rtlCol="0" anchor="ctr"/>
-              <a:lstStyle/>
-              <a:p>
-                <a:pPr marL="0" marR="0" lvl="0" indent="0" algn="l" defTabSz="914126" rtl="0" eaLnBrk="1" fontAlgn="auto" latinLnBrk="0" hangingPunct="1">
-                  <a:lnSpc>
-                    <a:spcPct val="100000"/>
-                  </a:lnSpc>
-                  <a:spcBef>
-                    <a:spcPts val="0"/>
-                  </a:spcBef>
-                  <a:spcAft>
-                    <a:spcPts val="0"/>
-                  </a:spcAft>
-                  <a:buClrTx/>
-                  <a:buSzTx/>
-                  <a:buFontTx/>
-                  <a:buNone/>
-                  <a:tabLst/>
-                  <a:defRPr/>
-                </a:pPr>
-                <a:endParaRPr kumimoji="0" lang="en-US" sz="1798" b="0" i="0" u="none" strike="noStrike" kern="1200" cap="none" spc="0" normalizeH="0" baseline="0" noProof="0">
-                  <a:ln>
-                    <a:noFill/>
-                  </a:ln>
-                  <a:solidFill>
-                    <a:srgbClr val="2C2C2C"/>
-                  </a:solidFill>
-                  <a:effectLst/>
-                  <a:uLnTx/>
-                  <a:uFillTx/>
-                  <a:latin typeface="Adobe Clean"/>
-                  <a:ea typeface="+mn-ea"/>
-                  <a:cs typeface="+mn-cs"/>
-                </a:endParaRPr>
-              </a:p>
-            </p:txBody>
-          </p:sp>
-          <p:sp>
-            <p:nvSpPr>
-              <p:cNvPr id="111" name="Freeform: Shape 164">
-                <a:extLst>
-                  <a:ext uri="{FF2B5EF4-FFF2-40B4-BE49-F238E27FC236}">
-                    <a16:creationId xmlns:a16="http://schemas.microsoft.com/office/drawing/2014/main" id="{99F53CF9-65A9-4087-BCAB-1A6683FC1E95}"/>
-                  </a:ext>
-                </a:extLst>
-              </p:cNvPr>
-              <p:cNvSpPr/>
-              <p:nvPr/>
-            </p:nvSpPr>
-            <p:spPr>
-              <a:xfrm>
-                <a:off x="10541806" y="6251949"/>
-                <a:ext cx="21990" cy="21990"/>
-              </a:xfrm>
-              <a:custGeom>
-                <a:avLst/>
-                <a:gdLst>
-                  <a:gd name="connsiteX0" fmla="*/ 0 w 15917"/>
-                  <a:gd name="connsiteY0" fmla="*/ 0 h 15917"/>
-                  <a:gd name="connsiteX1" fmla="*/ 15918 w 15917"/>
-                  <a:gd name="connsiteY1" fmla="*/ 0 h 15917"/>
-                  <a:gd name="connsiteX2" fmla="*/ 15918 w 15917"/>
-                  <a:gd name="connsiteY2" fmla="*/ 15918 h 15917"/>
-                  <a:gd name="connsiteX3" fmla="*/ 0 w 15917"/>
-                  <a:gd name="connsiteY3" fmla="*/ 15918 h 15917"/>
-                </a:gdLst>
-                <a:ahLst/>
-                <a:cxnLst>
-                  <a:cxn ang="0">
-                    <a:pos x="connsiteX0" y="connsiteY0"/>
-                  </a:cxn>
-                  <a:cxn ang="0">
-                    <a:pos x="connsiteX1" y="connsiteY1"/>
-                  </a:cxn>
-                  <a:cxn ang="0">
-                    <a:pos x="connsiteX2" y="connsiteY2"/>
-                  </a:cxn>
-                  <a:cxn ang="0">
-                    <a:pos x="connsiteX3" y="connsiteY3"/>
-                  </a:cxn>
-                </a:cxnLst>
-                <a:rect l="l" t="t" r="r" b="b"/>
-                <a:pathLst>
-                  <a:path w="15917" h="15917">
-                    <a:moveTo>
-                      <a:pt x="0" y="0"/>
-                    </a:moveTo>
-                    <a:lnTo>
-                      <a:pt x="15918" y="0"/>
-                    </a:lnTo>
-                    <a:lnTo>
-                      <a:pt x="15918" y="15918"/>
-                    </a:lnTo>
-                    <a:lnTo>
-                      <a:pt x="0" y="15918"/>
-                    </a:lnTo>
-                    <a:close/>
-                  </a:path>
-                </a:pathLst>
-              </a:custGeom>
-              <a:solidFill>
-                <a:schemeClr val="bg1"/>
-              </a:solidFill>
-              <a:ln w="19050" cap="flat">
-                <a:noFill/>
-                <a:prstDash val="solid"/>
-                <a:miter/>
-              </a:ln>
-            </p:spPr>
-            <p:txBody>
-              <a:bodyPr rtlCol="0" anchor="ctr"/>
-              <a:lstStyle/>
-              <a:p>
-                <a:pPr marL="0" marR="0" lvl="0" indent="0" algn="l" defTabSz="914126" rtl="0" eaLnBrk="1" fontAlgn="auto" latinLnBrk="0" hangingPunct="1">
-                  <a:lnSpc>
-                    <a:spcPct val="100000"/>
-                  </a:lnSpc>
-                  <a:spcBef>
-                    <a:spcPts val="0"/>
-                  </a:spcBef>
-                  <a:spcAft>
-                    <a:spcPts val="0"/>
-                  </a:spcAft>
-                  <a:buClrTx/>
-                  <a:buSzTx/>
-                  <a:buFontTx/>
-                  <a:buNone/>
-                  <a:tabLst/>
-                  <a:defRPr/>
-                </a:pPr>
-                <a:endParaRPr kumimoji="0" lang="en-US" sz="1798" b="0" i="0" u="none" strike="noStrike" kern="1200" cap="none" spc="0" normalizeH="0" baseline="0" noProof="0">
-                  <a:ln>
-                    <a:noFill/>
-                  </a:ln>
-                  <a:solidFill>
-                    <a:srgbClr val="2C2C2C"/>
-                  </a:solidFill>
-                  <a:effectLst/>
-                  <a:uLnTx/>
-                  <a:uFillTx/>
-                  <a:latin typeface="Adobe Clean"/>
-                  <a:ea typeface="+mn-ea"/>
-                  <a:cs typeface="+mn-cs"/>
-                </a:endParaRPr>
-              </a:p>
-            </p:txBody>
-          </p:sp>
-          <p:sp>
-            <p:nvSpPr>
-              <p:cNvPr id="112" name="Freeform: Shape 165">
-                <a:extLst>
-                  <a:ext uri="{FF2B5EF4-FFF2-40B4-BE49-F238E27FC236}">
-                    <a16:creationId xmlns:a16="http://schemas.microsoft.com/office/drawing/2014/main" id="{5DA763E5-26A6-4D85-BBCF-FD07A137D308}"/>
-                  </a:ext>
-                </a:extLst>
-              </p:cNvPr>
-              <p:cNvSpPr/>
-              <p:nvPr/>
-            </p:nvSpPr>
-            <p:spPr>
-              <a:xfrm>
-                <a:off x="10571664" y="6251949"/>
-                <a:ext cx="21990" cy="21990"/>
-              </a:xfrm>
-              <a:custGeom>
-                <a:avLst/>
-                <a:gdLst>
-                  <a:gd name="connsiteX0" fmla="*/ 0 w 15917"/>
-                  <a:gd name="connsiteY0" fmla="*/ 0 h 15917"/>
-                  <a:gd name="connsiteX1" fmla="*/ 15918 w 15917"/>
-                  <a:gd name="connsiteY1" fmla="*/ 0 h 15917"/>
-                  <a:gd name="connsiteX2" fmla="*/ 15918 w 15917"/>
-                  <a:gd name="connsiteY2" fmla="*/ 15918 h 15917"/>
-                  <a:gd name="connsiteX3" fmla="*/ 0 w 15917"/>
-                  <a:gd name="connsiteY3" fmla="*/ 15918 h 15917"/>
-                </a:gdLst>
-                <a:ahLst/>
-                <a:cxnLst>
-                  <a:cxn ang="0">
-                    <a:pos x="connsiteX0" y="connsiteY0"/>
-                  </a:cxn>
-                  <a:cxn ang="0">
-                    <a:pos x="connsiteX1" y="connsiteY1"/>
-                  </a:cxn>
-                  <a:cxn ang="0">
-                    <a:pos x="connsiteX2" y="connsiteY2"/>
-                  </a:cxn>
-                  <a:cxn ang="0">
-                    <a:pos x="connsiteX3" y="connsiteY3"/>
-                  </a:cxn>
-                </a:cxnLst>
-                <a:rect l="l" t="t" r="r" b="b"/>
-                <a:pathLst>
-                  <a:path w="15917" h="15917">
-                    <a:moveTo>
-                      <a:pt x="0" y="0"/>
-                    </a:moveTo>
-                    <a:lnTo>
-                      <a:pt x="15918" y="0"/>
-                    </a:lnTo>
-                    <a:lnTo>
-                      <a:pt x="15918" y="15918"/>
-                    </a:lnTo>
-                    <a:lnTo>
-                      <a:pt x="0" y="15918"/>
-                    </a:lnTo>
-                    <a:close/>
-                  </a:path>
-                </a:pathLst>
-              </a:custGeom>
-              <a:solidFill>
-                <a:schemeClr val="bg1"/>
-              </a:solidFill>
-              <a:ln w="19050" cap="flat">
-                <a:noFill/>
-                <a:prstDash val="solid"/>
-                <a:miter/>
-              </a:ln>
-            </p:spPr>
-            <p:txBody>
-              <a:bodyPr rtlCol="0" anchor="ctr"/>
-              <a:lstStyle/>
-              <a:p>
-                <a:pPr marL="0" marR="0" lvl="0" indent="0" algn="l" defTabSz="914126" rtl="0" eaLnBrk="1" fontAlgn="auto" latinLnBrk="0" hangingPunct="1">
-                  <a:lnSpc>
-                    <a:spcPct val="100000"/>
-                  </a:lnSpc>
-                  <a:spcBef>
-                    <a:spcPts val="0"/>
-                  </a:spcBef>
-                  <a:spcAft>
-                    <a:spcPts val="0"/>
-                  </a:spcAft>
-                  <a:buClrTx/>
-                  <a:buSzTx/>
-                  <a:buFontTx/>
-                  <a:buNone/>
-                  <a:tabLst/>
-                  <a:defRPr/>
-                </a:pPr>
-                <a:endParaRPr kumimoji="0" lang="en-US" sz="1798" b="0" i="0" u="none" strike="noStrike" kern="1200" cap="none" spc="0" normalizeH="0" baseline="0" noProof="0">
-                  <a:ln>
-                    <a:noFill/>
-                  </a:ln>
-                  <a:solidFill>
-                    <a:srgbClr val="2C2C2C"/>
-                  </a:solidFill>
-                  <a:effectLst/>
-                  <a:uLnTx/>
-                  <a:uFillTx/>
-                  <a:latin typeface="Adobe Clean"/>
-                  <a:ea typeface="+mn-ea"/>
-                  <a:cs typeface="+mn-cs"/>
-                </a:endParaRPr>
-              </a:p>
-            </p:txBody>
-          </p:sp>
-          <p:sp>
-            <p:nvSpPr>
-              <p:cNvPr id="113" name="Freeform: Shape 166">
-                <a:extLst>
-                  <a:ext uri="{FF2B5EF4-FFF2-40B4-BE49-F238E27FC236}">
-                    <a16:creationId xmlns:a16="http://schemas.microsoft.com/office/drawing/2014/main" id="{605F2B14-ADC0-4D23-832A-E40D00D83D59}"/>
-                  </a:ext>
-                </a:extLst>
-              </p:cNvPr>
-              <p:cNvSpPr/>
-              <p:nvPr/>
-            </p:nvSpPr>
-            <p:spPr>
-              <a:xfrm>
-                <a:off x="10601523" y="6251949"/>
-                <a:ext cx="21990" cy="21990"/>
-              </a:xfrm>
-              <a:custGeom>
-                <a:avLst/>
-                <a:gdLst>
-                  <a:gd name="connsiteX0" fmla="*/ 0 w 15917"/>
-                  <a:gd name="connsiteY0" fmla="*/ 0 h 15917"/>
-                  <a:gd name="connsiteX1" fmla="*/ 15918 w 15917"/>
-                  <a:gd name="connsiteY1" fmla="*/ 0 h 15917"/>
-                  <a:gd name="connsiteX2" fmla="*/ 15918 w 15917"/>
-                  <a:gd name="connsiteY2" fmla="*/ 15918 h 15917"/>
-                  <a:gd name="connsiteX3" fmla="*/ 0 w 15917"/>
-                  <a:gd name="connsiteY3" fmla="*/ 15918 h 15917"/>
-                </a:gdLst>
-                <a:ahLst/>
-                <a:cxnLst>
-                  <a:cxn ang="0">
-                    <a:pos x="connsiteX0" y="connsiteY0"/>
-                  </a:cxn>
-                  <a:cxn ang="0">
-                    <a:pos x="connsiteX1" y="connsiteY1"/>
-                  </a:cxn>
-                  <a:cxn ang="0">
-                    <a:pos x="connsiteX2" y="connsiteY2"/>
-                  </a:cxn>
-                  <a:cxn ang="0">
-                    <a:pos x="connsiteX3" y="connsiteY3"/>
-                  </a:cxn>
-                </a:cxnLst>
-                <a:rect l="l" t="t" r="r" b="b"/>
-                <a:pathLst>
-                  <a:path w="15917" h="15917">
-                    <a:moveTo>
-                      <a:pt x="0" y="0"/>
-                    </a:moveTo>
-                    <a:lnTo>
-                      <a:pt x="15918" y="0"/>
-                    </a:lnTo>
-                    <a:lnTo>
-                      <a:pt x="15918" y="15918"/>
-                    </a:lnTo>
-                    <a:lnTo>
-                      <a:pt x="0" y="15918"/>
-                    </a:lnTo>
-                    <a:close/>
-                  </a:path>
-                </a:pathLst>
-              </a:custGeom>
-              <a:solidFill>
-                <a:schemeClr val="bg1"/>
-              </a:solidFill>
-              <a:ln w="19050" cap="flat">
-                <a:noFill/>
-                <a:prstDash val="solid"/>
-                <a:miter/>
-              </a:ln>
-            </p:spPr>
-            <p:txBody>
-              <a:bodyPr rtlCol="0" anchor="ctr"/>
-              <a:lstStyle/>
-              <a:p>
-                <a:pPr marL="0" marR="0" lvl="0" indent="0" algn="l" defTabSz="914126" rtl="0" eaLnBrk="1" fontAlgn="auto" latinLnBrk="0" hangingPunct="1">
-                  <a:lnSpc>
-                    <a:spcPct val="100000"/>
-                  </a:lnSpc>
-                  <a:spcBef>
-                    <a:spcPts val="0"/>
-                  </a:spcBef>
-                  <a:spcAft>
-                    <a:spcPts val="0"/>
-                  </a:spcAft>
-                  <a:buClrTx/>
-                  <a:buSzTx/>
-                  <a:buFontTx/>
-                  <a:buNone/>
-                  <a:tabLst/>
-                  <a:defRPr/>
-                </a:pPr>
-                <a:endParaRPr kumimoji="0" lang="en-US" sz="1798" b="0" i="0" u="none" strike="noStrike" kern="1200" cap="none" spc="0" normalizeH="0" baseline="0" noProof="0">
-                  <a:ln>
-                    <a:noFill/>
-                  </a:ln>
-                  <a:solidFill>
-                    <a:srgbClr val="2C2C2C"/>
-                  </a:solidFill>
-                  <a:effectLst/>
-                  <a:uLnTx/>
-                  <a:uFillTx/>
-                  <a:latin typeface="Adobe Clean"/>
-                  <a:ea typeface="+mn-ea"/>
-                  <a:cs typeface="+mn-cs"/>
-                </a:endParaRPr>
-              </a:p>
-            </p:txBody>
-          </p:sp>
-        </p:grpSp>
-      </p:grpSp>
-      <p:grpSp>
-        <p:nvGrpSpPr>
-          <p:cNvPr id="75" name="Group 74">
-            <a:extLst>
-              <a:ext uri="{FF2B5EF4-FFF2-40B4-BE49-F238E27FC236}">
-                <a16:creationId xmlns:a16="http://schemas.microsoft.com/office/drawing/2014/main" id="{96314C2E-56B8-4696-A475-F38E52A55158}"/>
-              </a:ext>
-            </a:extLst>
-          </p:cNvPr>
-          <p:cNvGrpSpPr/>
-          <p:nvPr/>
-        </p:nvGrpSpPr>
-        <p:grpSpPr>
-          <a:xfrm>
-            <a:off x="411069" y="3568440"/>
-            <a:ext cx="11369861" cy="2961053"/>
-            <a:chOff x="411069" y="717788"/>
-            <a:chExt cx="11369861" cy="2709123"/>
-          </a:xfrm>
-        </p:grpSpPr>
-        <p:grpSp>
-          <p:nvGrpSpPr>
-            <p:cNvPr id="76" name="Group 75">
-              <a:extLst>
-                <a:ext uri="{FF2B5EF4-FFF2-40B4-BE49-F238E27FC236}">
-                  <a16:creationId xmlns:a16="http://schemas.microsoft.com/office/drawing/2014/main" id="{9A780A12-7BF2-4A53-8A69-A65F7E95A452}"/>
-                </a:ext>
-              </a:extLst>
-            </p:cNvPr>
-            <p:cNvGrpSpPr/>
-            <p:nvPr/>
-          </p:nvGrpSpPr>
-          <p:grpSpPr>
-            <a:xfrm rot="5400000">
-              <a:off x="4854998" y="-3499022"/>
-              <a:ext cx="2482004" cy="11369861"/>
-              <a:chOff x="4000500" y="1895754"/>
-              <a:chExt cx="1000125" cy="2664807"/>
-            </a:xfrm>
-          </p:grpSpPr>
-          <p:sp>
-            <p:nvSpPr>
-              <p:cNvPr id="80" name="Rectangle: Rounded Corners 79">
-                <a:extLst>
-                  <a:ext uri="{FF2B5EF4-FFF2-40B4-BE49-F238E27FC236}">
-                    <a16:creationId xmlns:a16="http://schemas.microsoft.com/office/drawing/2014/main" id="{C21F4E4D-B8B1-4175-804B-083356649F97}"/>
-                  </a:ext>
-                </a:extLst>
-              </p:cNvPr>
-              <p:cNvSpPr/>
-              <p:nvPr/>
-            </p:nvSpPr>
-            <p:spPr>
-              <a:xfrm>
-                <a:off x="4000500" y="1895754"/>
-                <a:ext cx="1000125" cy="2664807"/>
-              </a:xfrm>
-              <a:prstGeom prst="roundRect">
-                <a:avLst>
-                  <a:gd name="adj" fmla="val 50000"/>
-                </a:avLst>
-              </a:prstGeom>
-              <a:solidFill>
-                <a:srgbClr val="F4F6F8"/>
-              </a:solidFill>
-              <a:ln>
-                <a:noFill/>
-              </a:ln>
-              <a:effectLst>
-                <a:outerShdw blurRad="50800" dist="38100" dir="2700000" algn="tl" rotWithShape="0">
-                  <a:prstClr val="black">
-                    <a:alpha val="10000"/>
-                  </a:prstClr>
-                </a:outerShdw>
-              </a:effectLst>
-            </p:spPr>
-            <p:style>
-              <a:lnRef idx="2">
-                <a:schemeClr val="accent1">
-                  <a:shade val="50000"/>
-                </a:schemeClr>
-              </a:lnRef>
-              <a:fillRef idx="1">
-                <a:schemeClr val="accent1"/>
-              </a:fillRef>
-              <a:effectRef idx="0">
-                <a:schemeClr val="accent1"/>
-              </a:effectRef>
-              <a:fontRef idx="minor">
-                <a:schemeClr val="lt1"/>
-              </a:fontRef>
-            </p:style>
-            <p:txBody>
-              <a:bodyPr rtlCol="0" anchor="ctr"/>
-              <a:lstStyle/>
-              <a:p>
-                <a:pPr marL="0" marR="0" lvl="0" indent="0" algn="ctr" defTabSz="914400" rtl="0" eaLnBrk="1" fontAlgn="auto" latinLnBrk="0" hangingPunct="1">
-                  <a:lnSpc>
-                    <a:spcPct val="100000"/>
-                  </a:lnSpc>
-                  <a:spcBef>
-                    <a:spcPts val="0"/>
-                  </a:spcBef>
-                  <a:spcAft>
-                    <a:spcPts val="0"/>
-                  </a:spcAft>
-                  <a:buClrTx/>
-                  <a:buSzTx/>
-                  <a:buFontTx/>
-                  <a:buNone/>
-                  <a:tabLst/>
-                  <a:defRPr/>
-                </a:pPr>
-                <a:endParaRPr kumimoji="0" lang="en-GB" sz="1800" b="0" i="0" u="none" strike="noStrike" kern="1200" cap="none" spc="0" normalizeH="0" baseline="0" noProof="0">
-                  <a:ln>
-                    <a:noFill/>
-                  </a:ln>
-                  <a:solidFill>
-                    <a:srgbClr val="FFFFFF"/>
-                  </a:solidFill>
-                  <a:effectLst/>
-                  <a:uLnTx/>
-                  <a:uFillTx/>
-                  <a:latin typeface="Adobe Clean SemiLight" panose="020B0403020404020204" pitchFamily="34" charset="0"/>
-                  <a:ea typeface="+mn-ea"/>
-                  <a:cs typeface="+mn-cs"/>
-                </a:endParaRPr>
-              </a:p>
-            </p:txBody>
-          </p:sp>
-          <p:sp>
-            <p:nvSpPr>
-              <p:cNvPr id="81" name="Rectangle: Rounded Corners 80">
-                <a:extLst>
-                  <a:ext uri="{FF2B5EF4-FFF2-40B4-BE49-F238E27FC236}">
-                    <a16:creationId xmlns:a16="http://schemas.microsoft.com/office/drawing/2014/main" id="{27F0329B-6EA9-4E24-99AC-EEFCB2B2CF82}"/>
-                  </a:ext>
-                </a:extLst>
-              </p:cNvPr>
-              <p:cNvSpPr/>
-              <p:nvPr/>
-            </p:nvSpPr>
-            <p:spPr>
-              <a:xfrm>
-                <a:off x="4000500" y="1895754"/>
-                <a:ext cx="1000125" cy="2664807"/>
-              </a:xfrm>
-              <a:prstGeom prst="roundRect">
-                <a:avLst>
-                  <a:gd name="adj" fmla="val 50000"/>
-                </a:avLst>
-              </a:prstGeom>
-              <a:solidFill>
-                <a:srgbClr val="F4F6F8">
-                  <a:alpha val="10000"/>
-                </a:srgbClr>
-              </a:solidFill>
-              <a:ln>
-                <a:noFill/>
-              </a:ln>
-              <a:effectLst>
-                <a:outerShdw blurRad="50800" dist="38100" dir="2700000" algn="tl" rotWithShape="0">
-                  <a:prstClr val="black">
-                    <a:alpha val="10000"/>
-                  </a:prstClr>
-                </a:outerShdw>
-              </a:effectLst>
-              <a:scene3d>
-                <a:camera prst="orthographicFront"/>
-                <a:lightRig rig="threePt" dir="t"/>
-              </a:scene3d>
-              <a:sp3d>
-                <a:bevelT w="152400" h="50800" prst="softRound"/>
-              </a:sp3d>
-            </p:spPr>
-            <p:style>
-              <a:lnRef idx="2">
-                <a:schemeClr val="accent1">
-                  <a:shade val="50000"/>
-                </a:schemeClr>
-              </a:lnRef>
-              <a:fillRef idx="1">
-                <a:schemeClr val="accent1"/>
-              </a:fillRef>
-              <a:effectRef idx="0">
-                <a:schemeClr val="accent1"/>
-              </a:effectRef>
-              <a:fontRef idx="minor">
-                <a:schemeClr val="lt1"/>
-              </a:fontRef>
-            </p:style>
-            <p:txBody>
-              <a:bodyPr rtlCol="0" anchor="ctr"/>
-              <a:lstStyle/>
-              <a:p>
-                <a:pPr marL="0" marR="0" lvl="0" indent="0" algn="ctr" defTabSz="914400" rtl="0" eaLnBrk="1" fontAlgn="auto" latinLnBrk="0" hangingPunct="1">
-                  <a:lnSpc>
-                    <a:spcPct val="100000"/>
-                  </a:lnSpc>
-                  <a:spcBef>
-                    <a:spcPts val="0"/>
-                  </a:spcBef>
-                  <a:spcAft>
-                    <a:spcPts val="0"/>
-                  </a:spcAft>
-                  <a:buClrTx/>
-                  <a:buSzTx/>
-                  <a:buFontTx/>
-                  <a:buNone/>
-                  <a:tabLst/>
-                  <a:defRPr/>
-                </a:pPr>
-                <a:endParaRPr kumimoji="0" lang="en-GB" sz="1800" b="0" i="0" u="none" strike="noStrike" kern="1200" cap="none" spc="0" normalizeH="0" baseline="0" noProof="0">
-                  <a:ln>
-                    <a:noFill/>
-                  </a:ln>
-                  <a:solidFill>
-                    <a:srgbClr val="FFFFFF"/>
-                  </a:solidFill>
-                  <a:effectLst/>
-                  <a:uLnTx/>
-                  <a:uFillTx/>
-                  <a:latin typeface="Adobe Clean SemiLight" panose="020B0403020404020204" pitchFamily="34" charset="0"/>
-                  <a:ea typeface="+mn-ea"/>
-                  <a:cs typeface="+mn-cs"/>
-                </a:endParaRPr>
-              </a:p>
-            </p:txBody>
-          </p:sp>
-        </p:grpSp>
-        <p:grpSp>
-          <p:nvGrpSpPr>
-            <p:cNvPr id="77" name="Group 76">
-              <a:extLst>
-                <a:ext uri="{FF2B5EF4-FFF2-40B4-BE49-F238E27FC236}">
-                  <a16:creationId xmlns:a16="http://schemas.microsoft.com/office/drawing/2014/main" id="{07D94212-3F9C-4F87-B882-269E19ED749A}"/>
-                </a:ext>
-              </a:extLst>
-            </p:cNvPr>
-            <p:cNvGrpSpPr/>
-            <p:nvPr/>
-          </p:nvGrpSpPr>
-          <p:grpSpPr>
-            <a:xfrm>
-              <a:off x="4521235" y="717788"/>
-              <a:ext cx="3149530" cy="491120"/>
-              <a:chOff x="4000500" y="1888546"/>
-              <a:chExt cx="1000125" cy="2672015"/>
-            </a:xfrm>
-          </p:grpSpPr>
-          <p:sp>
-            <p:nvSpPr>
-              <p:cNvPr id="78" name="Rectangle: Rounded Corners 77">
-                <a:extLst>
-                  <a:ext uri="{FF2B5EF4-FFF2-40B4-BE49-F238E27FC236}">
-                    <a16:creationId xmlns:a16="http://schemas.microsoft.com/office/drawing/2014/main" id="{35E6471E-E753-4004-8017-A15D6E8D18F1}"/>
-                  </a:ext>
-                </a:extLst>
-              </p:cNvPr>
-              <p:cNvSpPr/>
-              <p:nvPr/>
-            </p:nvSpPr>
-            <p:spPr>
-              <a:xfrm>
-                <a:off x="4000500" y="1895754"/>
-                <a:ext cx="1000125" cy="2664807"/>
-              </a:xfrm>
-              <a:prstGeom prst="roundRect">
-                <a:avLst>
-                  <a:gd name="adj" fmla="val 50000"/>
-                </a:avLst>
-              </a:prstGeom>
-              <a:solidFill>
-                <a:srgbClr val="F70F00"/>
-              </a:solidFill>
-              <a:ln w="25400" cap="flat" cmpd="sng" algn="ctr">
-                <a:noFill/>
-                <a:prstDash val="solid"/>
-              </a:ln>
-              <a:effectLst>
-                <a:outerShdw blurRad="50800" dist="38100" dir="2700000" algn="tl" rotWithShape="0">
-                  <a:prstClr val="black">
-                    <a:alpha val="10000"/>
-                  </a:prstClr>
-                </a:outerShdw>
-              </a:effectLst>
-            </p:spPr>
-            <p:txBody>
-              <a:bodyPr rtlCol="0" anchor="ctr"/>
-              <a:lstStyle/>
-              <a:p>
-                <a:pPr marL="0" marR="0" lvl="0" indent="0" algn="l" defTabSz="914400" rtl="0" eaLnBrk="1" fontAlgn="auto" latinLnBrk="0" hangingPunct="1">
-                  <a:lnSpc>
-                    <a:spcPct val="85000"/>
-                  </a:lnSpc>
-                  <a:spcBef>
-                    <a:spcPts val="0"/>
-                  </a:spcBef>
-                  <a:spcAft>
-                    <a:spcPts val="0"/>
-                  </a:spcAft>
-                  <a:buClrTx/>
-                  <a:buSzTx/>
-                  <a:buFontTx/>
-                  <a:buNone/>
-                  <a:tabLst/>
-                  <a:defRPr/>
-                </a:pPr>
-                <a:endParaRPr kumimoji="0" lang="en-GB" sz="1600" b="0" i="0" u="none" strike="noStrike" kern="0" cap="none" spc="0" normalizeH="0" baseline="0" noProof="0">
-                  <a:ln>
-                    <a:noFill/>
-                  </a:ln>
-                  <a:solidFill>
-                    <a:srgbClr val="FFFFFF"/>
-                  </a:solidFill>
-                  <a:effectLst/>
-                  <a:uLnTx/>
-                  <a:uFillTx/>
-                  <a:latin typeface="Adobe Clean ExtraBold"/>
-                  <a:ea typeface="+mn-ea"/>
-                  <a:cs typeface="+mn-cs"/>
-                </a:endParaRPr>
-              </a:p>
-            </p:txBody>
-          </p:sp>
-          <p:sp>
-            <p:nvSpPr>
-              <p:cNvPr id="79" name="Rectangle: Rounded Corners 78">
-                <a:extLst>
-                  <a:ext uri="{FF2B5EF4-FFF2-40B4-BE49-F238E27FC236}">
-                    <a16:creationId xmlns:a16="http://schemas.microsoft.com/office/drawing/2014/main" id="{F2C87CDD-6400-46B4-9AED-59F99536A904}"/>
-                  </a:ext>
-                </a:extLst>
-              </p:cNvPr>
-              <p:cNvSpPr/>
-              <p:nvPr/>
-            </p:nvSpPr>
-            <p:spPr>
-              <a:xfrm>
-                <a:off x="4052475" y="1888546"/>
-                <a:ext cx="898603" cy="2664807"/>
-              </a:xfrm>
-              <a:prstGeom prst="roundRect">
-                <a:avLst>
-                  <a:gd name="adj" fmla="val 50000"/>
-                </a:avLst>
-              </a:prstGeom>
-              <a:solidFill>
-                <a:srgbClr val="F4F6F8">
-                  <a:alpha val="10000"/>
-                </a:srgbClr>
-              </a:solidFill>
-              <a:ln w="25400" cap="flat" cmpd="sng" algn="ctr">
-                <a:noFill/>
-                <a:prstDash val="solid"/>
-              </a:ln>
-              <a:effectLst>
-                <a:outerShdw blurRad="50800" dist="38100" dir="2700000" algn="tl" rotWithShape="0">
-                  <a:prstClr val="black">
-                    <a:alpha val="10000"/>
-                  </a:prstClr>
-                </a:outerShdw>
-              </a:effectLst>
-              <a:scene3d>
-                <a:camera prst="orthographicFront"/>
-                <a:lightRig rig="threePt" dir="t"/>
-              </a:scene3d>
-              <a:sp3d>
-                <a:bevelT w="152400" h="50800" prst="softRound"/>
-              </a:sp3d>
-            </p:spPr>
-            <p:txBody>
-              <a:bodyPr rtlCol="0" anchor="ctr"/>
-              <a:lstStyle/>
-              <a:p>
-                <a:pPr marL="0" marR="0" lvl="0" indent="0" algn="ctr" defTabSz="913578" rtl="0" eaLnBrk="1" fontAlgn="auto" latinLnBrk="0" hangingPunct="1">
-                  <a:lnSpc>
-                    <a:spcPct val="100000"/>
-                  </a:lnSpc>
-                  <a:spcBef>
-                    <a:spcPts val="0"/>
-                  </a:spcBef>
-                  <a:spcAft>
-                    <a:spcPts val="0"/>
-                  </a:spcAft>
-                  <a:buClrTx/>
-                  <a:buSzTx/>
-                  <a:buFontTx/>
-                  <a:buNone/>
-                  <a:tabLst/>
-                  <a:defRPr/>
-                </a:pPr>
-                <a:r>
-                  <a:rPr kumimoji="0" lang="en-US" sz="2000" b="0" i="0" u="none" strike="noStrike" kern="1200" cap="none" spc="0" normalizeH="0" baseline="0" noProof="0">
-                    <a:ln>
-                      <a:noFill/>
-                    </a:ln>
-                    <a:solidFill>
-                      <a:srgbClr val="FFFFFF"/>
-                    </a:solidFill>
-                    <a:effectLst/>
-                    <a:uLnTx/>
-                    <a:uFillTx/>
-                    <a:latin typeface="Adobe Clean ExtraBold" panose="020B0903020404020204" pitchFamily="34" charset="0"/>
-                    <a:ea typeface="+mn-ea"/>
-                    <a:cs typeface="+mn-cs"/>
-                  </a:rPr>
-                  <a:t>DIGITAL PRIORITIES</a:t>
-                </a:r>
-              </a:p>
-            </p:txBody>
-          </p:sp>
-        </p:grpSp>
-      </p:grpSp>
-      <p:grpSp>
-        <p:nvGrpSpPr>
-          <p:cNvPr id="59" name="Group 58">
-            <a:extLst>
-              <a:ext uri="{FF2B5EF4-FFF2-40B4-BE49-F238E27FC236}">
-                <a16:creationId xmlns:a16="http://schemas.microsoft.com/office/drawing/2014/main" id="{3C6C81B7-6746-41B1-A3DA-66B461DB777A}"/>
-              </a:ext>
-            </a:extLst>
-          </p:cNvPr>
-          <p:cNvGrpSpPr/>
-          <p:nvPr/>
-        </p:nvGrpSpPr>
-        <p:grpSpPr>
-          <a:xfrm rot="5400000">
-            <a:off x="4854998" y="-3552810"/>
-            <a:ext cx="2482004" cy="11369861"/>
-            <a:chOff x="4000500" y="1895754"/>
-            <a:chExt cx="1000125" cy="2664807"/>
-          </a:xfrm>
-        </p:grpSpPr>
-        <p:sp>
-          <p:nvSpPr>
-            <p:cNvPr id="60" name="Rectangle: Rounded Corners 59">
-              <a:extLst>
-                <a:ext uri="{FF2B5EF4-FFF2-40B4-BE49-F238E27FC236}">
-                  <a16:creationId xmlns:a16="http://schemas.microsoft.com/office/drawing/2014/main" id="{16B3F84E-A95D-40C9-B38D-1C8C68F39B45}"/>
-                </a:ext>
-              </a:extLst>
-            </p:cNvPr>
-            <p:cNvSpPr/>
-            <p:nvPr/>
-          </p:nvSpPr>
-          <p:spPr>
-            <a:xfrm>
-              <a:off x="4000500" y="1895754"/>
-              <a:ext cx="1000125" cy="2664807"/>
-            </a:xfrm>
-            <a:prstGeom prst="roundRect">
-              <a:avLst>
-                <a:gd name="adj" fmla="val 50000"/>
-              </a:avLst>
-            </a:prstGeom>
-            <a:solidFill>
-              <a:srgbClr val="F4F6F8"/>
-            </a:solidFill>
-            <a:ln>
-              <a:noFill/>
-            </a:ln>
-            <a:effectLst>
-              <a:outerShdw blurRad="50800" dist="38100" dir="2700000" algn="tl" rotWithShape="0">
-                <a:prstClr val="black">
-                  <a:alpha val="10000"/>
-                </a:prstClr>
-              </a:outerShdw>
-            </a:effectLst>
-          </p:spPr>
-          <p:style>
-            <a:lnRef idx="2">
-              <a:schemeClr val="accent1">
-                <a:shade val="50000"/>
-              </a:schemeClr>
-            </a:lnRef>
-            <a:fillRef idx="1">
-              <a:schemeClr val="accent1"/>
-            </a:fillRef>
-            <a:effectRef idx="0">
-              <a:schemeClr val="accent1"/>
-            </a:effectRef>
-            <a:fontRef idx="minor">
-              <a:schemeClr val="lt1"/>
-            </a:fontRef>
-          </p:style>
-          <p:txBody>
-            <a:bodyPr rtlCol="0" anchor="ctr"/>
-            <a:lstStyle/>
-            <a:p>
-              <a:pPr marL="0" marR="0" lvl="0" indent="0" algn="ctr" defTabSz="914400" rtl="0" eaLnBrk="1" fontAlgn="auto" latinLnBrk="0" hangingPunct="1">
-                <a:lnSpc>
-                  <a:spcPct val="100000"/>
-                </a:lnSpc>
-                <a:spcBef>
-                  <a:spcPts val="0"/>
-                </a:spcBef>
-                <a:spcAft>
-                  <a:spcPts val="0"/>
-                </a:spcAft>
-                <a:buClrTx/>
-                <a:buSzTx/>
-                <a:buFontTx/>
-                <a:buNone/>
-                <a:tabLst/>
-                <a:defRPr/>
-              </a:pPr>
-              <a:endParaRPr kumimoji="0" lang="en-GB" sz="1800" b="0" i="0" u="none" strike="noStrike" kern="1200" cap="none" spc="0" normalizeH="0" baseline="0" noProof="0">
-                <a:ln>
-                  <a:noFill/>
-                </a:ln>
-                <a:solidFill>
-                  <a:srgbClr val="FFFFFF"/>
-                </a:solidFill>
-                <a:effectLst/>
-                <a:uLnTx/>
-                <a:uFillTx/>
-                <a:latin typeface="Adobe Clean SemiLight" panose="020B0403020404020204" pitchFamily="34" charset="0"/>
-                <a:ea typeface="+mn-ea"/>
-                <a:cs typeface="+mn-cs"/>
-              </a:endParaRPr>
-            </a:p>
-          </p:txBody>
-        </p:sp>
-        <p:sp>
-          <p:nvSpPr>
-            <p:cNvPr id="61" name="Rectangle: Rounded Corners 60">
-              <a:extLst>
-                <a:ext uri="{FF2B5EF4-FFF2-40B4-BE49-F238E27FC236}">
-                  <a16:creationId xmlns:a16="http://schemas.microsoft.com/office/drawing/2014/main" id="{570AFCD7-EF57-40AC-8735-5C2CDB289CFD}"/>
-                </a:ext>
-              </a:extLst>
-            </p:cNvPr>
-            <p:cNvSpPr/>
-            <p:nvPr/>
-          </p:nvSpPr>
-          <p:spPr>
-            <a:xfrm>
-              <a:off x="4000500" y="1895754"/>
-              <a:ext cx="1000125" cy="2664807"/>
-            </a:xfrm>
-            <a:prstGeom prst="roundRect">
-              <a:avLst>
-                <a:gd name="adj" fmla="val 50000"/>
-              </a:avLst>
-            </a:prstGeom>
-            <a:solidFill>
-              <a:srgbClr val="F4F6F8">
-                <a:alpha val="10000"/>
-              </a:srgbClr>
-            </a:solidFill>
-            <a:ln>
-              <a:noFill/>
-            </a:ln>
-            <a:effectLst>
-              <a:outerShdw blurRad="50800" dist="38100" dir="2700000" algn="tl" rotWithShape="0">
-                <a:prstClr val="black">
-                  <a:alpha val="10000"/>
-                </a:prstClr>
-              </a:outerShdw>
-            </a:effectLst>
-            <a:scene3d>
-              <a:camera prst="orthographicFront"/>
-              <a:lightRig rig="threePt" dir="t"/>
-            </a:scene3d>
-            <a:sp3d>
-              <a:bevelT w="152400" h="50800" prst="softRound"/>
-            </a:sp3d>
-          </p:spPr>
-          <p:style>
-            <a:lnRef idx="2">
-              <a:schemeClr val="accent1">
-                <a:shade val="50000"/>
-              </a:schemeClr>
-            </a:lnRef>
-            <a:fillRef idx="1">
-              <a:schemeClr val="accent1"/>
-            </a:fillRef>
-            <a:effectRef idx="0">
-              <a:schemeClr val="accent1"/>
-            </a:effectRef>
-            <a:fontRef idx="minor">
-              <a:schemeClr val="lt1"/>
-            </a:fontRef>
-          </p:style>
-          <p:txBody>
-            <a:bodyPr rtlCol="0" anchor="ctr"/>
-            <a:lstStyle/>
-            <a:p>
-              <a:pPr marL="0" marR="0" lvl="0" indent="0" algn="ctr" defTabSz="914400" rtl="0" eaLnBrk="1" fontAlgn="auto" latinLnBrk="0" hangingPunct="1">
-                <a:lnSpc>
-                  <a:spcPct val="100000"/>
-                </a:lnSpc>
-                <a:spcBef>
-                  <a:spcPts val="0"/>
-                </a:spcBef>
-                <a:spcAft>
-                  <a:spcPts val="0"/>
-                </a:spcAft>
-                <a:buClrTx/>
-                <a:buSzTx/>
-                <a:buFontTx/>
-                <a:buNone/>
-                <a:tabLst/>
-                <a:defRPr/>
-              </a:pPr>
-              <a:endParaRPr kumimoji="0" lang="en-GB" sz="1800" b="0" i="0" u="none" strike="noStrike" kern="1200" cap="none" spc="0" normalizeH="0" baseline="0" noProof="0">
-                <a:ln>
-                  <a:noFill/>
-                </a:ln>
-                <a:solidFill>
-                  <a:srgbClr val="FFFFFF"/>
-                </a:solidFill>
-                <a:effectLst/>
-                <a:uLnTx/>
-                <a:uFillTx/>
-                <a:latin typeface="Adobe Clean SemiLight" panose="020B0403020404020204" pitchFamily="34" charset="0"/>
-                <a:ea typeface="+mn-ea"/>
-                <a:cs typeface="+mn-cs"/>
-              </a:endParaRPr>
-            </a:p>
-          </p:txBody>
-        </p:sp>
-      </p:grpSp>
-      <p:grpSp>
-        <p:nvGrpSpPr>
-          <p:cNvPr id="62" name="Group 61">
-            <a:extLst>
-              <a:ext uri="{FF2B5EF4-FFF2-40B4-BE49-F238E27FC236}">
-                <a16:creationId xmlns:a16="http://schemas.microsoft.com/office/drawing/2014/main" id="{9B04E2A7-982D-4478-9440-B094ECCC4104}"/>
-              </a:ext>
-            </a:extLst>
-          </p:cNvPr>
-          <p:cNvGrpSpPr/>
-          <p:nvPr/>
-        </p:nvGrpSpPr>
-        <p:grpSpPr>
-          <a:xfrm>
-            <a:off x="4521235" y="665325"/>
-            <a:ext cx="3149530" cy="489795"/>
-            <a:chOff x="4000500" y="1895754"/>
-            <a:chExt cx="1000125" cy="2664807"/>
-          </a:xfrm>
-        </p:grpSpPr>
-        <p:sp>
-          <p:nvSpPr>
-            <p:cNvPr id="63" name="Rectangle: Rounded Corners 62">
-              <a:extLst>
-                <a:ext uri="{FF2B5EF4-FFF2-40B4-BE49-F238E27FC236}">
-                  <a16:creationId xmlns:a16="http://schemas.microsoft.com/office/drawing/2014/main" id="{6393D24E-7925-4336-9904-ECBDD862D11E}"/>
-                </a:ext>
-              </a:extLst>
-            </p:cNvPr>
-            <p:cNvSpPr/>
-            <p:nvPr/>
-          </p:nvSpPr>
-          <p:spPr>
-            <a:xfrm>
-              <a:off x="4000500" y="1895754"/>
-              <a:ext cx="1000125" cy="2664807"/>
-            </a:xfrm>
-            <a:prstGeom prst="roundRect">
-              <a:avLst>
-                <a:gd name="adj" fmla="val 50000"/>
-              </a:avLst>
-            </a:prstGeom>
-            <a:solidFill>
-              <a:schemeClr val="tx2"/>
-            </a:solidFill>
-            <a:ln w="25400" cap="flat" cmpd="sng" algn="ctr">
-              <a:noFill/>
-              <a:prstDash val="solid"/>
-            </a:ln>
-            <a:effectLst>
-              <a:outerShdw blurRad="50800" dist="38100" dir="2700000" algn="tl" rotWithShape="0">
-                <a:prstClr val="black">
-                  <a:alpha val="10000"/>
-                </a:prstClr>
-              </a:outerShdw>
-            </a:effectLst>
-          </p:spPr>
-          <p:txBody>
-            <a:bodyPr rtlCol="0" anchor="ctr"/>
-            <a:lstStyle/>
-            <a:p>
-              <a:pPr marL="0" marR="0" lvl="0" indent="0" algn="l" defTabSz="914400" rtl="0" eaLnBrk="1" fontAlgn="auto" latinLnBrk="0" hangingPunct="1">
-                <a:lnSpc>
-                  <a:spcPct val="85000"/>
-                </a:lnSpc>
-                <a:spcBef>
-                  <a:spcPts val="0"/>
-                </a:spcBef>
-                <a:spcAft>
-                  <a:spcPts val="0"/>
-                </a:spcAft>
-                <a:buClrTx/>
-                <a:buSzTx/>
-                <a:buFontTx/>
-                <a:buNone/>
-                <a:tabLst/>
-                <a:defRPr/>
-              </a:pPr>
-              <a:endParaRPr kumimoji="0" lang="en-GB" sz="1600" b="0" i="0" u="none" strike="noStrike" kern="0" cap="none" spc="0" normalizeH="0" baseline="0" noProof="0">
-                <a:ln>
-                  <a:noFill/>
-                </a:ln>
-                <a:solidFill>
-                  <a:srgbClr val="FFFFFF"/>
-                </a:solidFill>
-                <a:effectLst/>
-                <a:uLnTx/>
-                <a:uFillTx/>
-                <a:latin typeface="Adobe Clean ExtraBold"/>
-                <a:ea typeface="+mn-ea"/>
-                <a:cs typeface="+mn-cs"/>
-              </a:endParaRPr>
-            </a:p>
-          </p:txBody>
-        </p:sp>
-        <p:sp>
-          <p:nvSpPr>
-            <p:cNvPr id="64" name="Rectangle: Rounded Corners 63">
-              <a:extLst>
-                <a:ext uri="{FF2B5EF4-FFF2-40B4-BE49-F238E27FC236}">
-                  <a16:creationId xmlns:a16="http://schemas.microsoft.com/office/drawing/2014/main" id="{6851116B-2FCB-4588-BDEA-25276BC9EA8B}"/>
-                </a:ext>
-              </a:extLst>
-            </p:cNvPr>
-            <p:cNvSpPr/>
-            <p:nvPr/>
-          </p:nvSpPr>
-          <p:spPr>
-            <a:xfrm>
-              <a:off x="4000500" y="1895754"/>
-              <a:ext cx="1000125" cy="2664807"/>
-            </a:xfrm>
-            <a:prstGeom prst="roundRect">
-              <a:avLst>
-                <a:gd name="adj" fmla="val 50000"/>
-              </a:avLst>
-            </a:prstGeom>
-            <a:solidFill>
-              <a:srgbClr val="F4F6F8">
-                <a:alpha val="10000"/>
-              </a:srgbClr>
-            </a:solidFill>
-            <a:ln w="25400" cap="flat" cmpd="sng" algn="ctr">
-              <a:noFill/>
-              <a:prstDash val="solid"/>
-            </a:ln>
-            <a:effectLst>
-              <a:outerShdw blurRad="50800" dist="38100" dir="2700000" algn="tl" rotWithShape="0">
-                <a:prstClr val="black">
-                  <a:alpha val="10000"/>
-                </a:prstClr>
-              </a:outerShdw>
-            </a:effectLst>
-            <a:scene3d>
-              <a:camera prst="orthographicFront"/>
-              <a:lightRig rig="threePt" dir="t"/>
-            </a:scene3d>
-            <a:sp3d>
-              <a:bevelT w="152400" h="50800" prst="softRound"/>
-            </a:sp3d>
-          </p:spPr>
-          <p:txBody>
-            <a:bodyPr rtlCol="0" anchor="ctr"/>
-            <a:lstStyle/>
-            <a:p>
-              <a:pPr marL="0" marR="0" lvl="0" indent="0" algn="ctr" defTabSz="913578" rtl="0" eaLnBrk="1" fontAlgn="auto" latinLnBrk="0" hangingPunct="1">
-                <a:lnSpc>
-                  <a:spcPct val="100000"/>
-                </a:lnSpc>
-                <a:spcBef>
-                  <a:spcPts val="0"/>
-                </a:spcBef>
-                <a:spcAft>
-                  <a:spcPts val="0"/>
-                </a:spcAft>
-                <a:buClrTx/>
-                <a:buSzTx/>
-                <a:buFontTx/>
-                <a:buNone/>
-                <a:tabLst/>
-                <a:defRPr/>
-              </a:pPr>
-              <a:r>
-                <a:rPr kumimoji="0" lang="en-US" sz="2000" b="0" i="0" u="none" strike="noStrike" kern="1200" cap="none" spc="0" normalizeH="0" baseline="0" noProof="0">
-                  <a:ln>
-                    <a:noFill/>
-                  </a:ln>
-                  <a:solidFill>
-                    <a:srgbClr val="FFFFFF"/>
-                  </a:solidFill>
-                  <a:effectLst/>
-                  <a:uLnTx/>
-                  <a:uFillTx/>
-                  <a:latin typeface="Adobe Clean ExtraBold" panose="020B0903020404020204" pitchFamily="34" charset="0"/>
-                  <a:ea typeface="+mn-ea"/>
-                  <a:cs typeface="+mn-cs"/>
-                </a:rPr>
-                <a:t>BUSINESS OBJECTIVES</a:t>
-              </a:r>
-            </a:p>
-          </p:txBody>
-        </p:sp>
-      </p:grpSp>
-      <p:grpSp>
-        <p:nvGrpSpPr>
-          <p:cNvPr id="103" name="Group 102">
-            <a:extLst>
-              <a:ext uri="{FF2B5EF4-FFF2-40B4-BE49-F238E27FC236}">
-                <a16:creationId xmlns:a16="http://schemas.microsoft.com/office/drawing/2014/main" id="{9802A548-68A2-4969-86CC-209DF0C01873}"/>
-              </a:ext>
-            </a:extLst>
-          </p:cNvPr>
-          <p:cNvGrpSpPr/>
-          <p:nvPr/>
-        </p:nvGrpSpPr>
-        <p:grpSpPr>
-          <a:xfrm rot="5400000">
-            <a:off x="3632432" y="3386844"/>
-            <a:ext cx="489795" cy="489795"/>
-            <a:chOff x="2156577" y="7997604"/>
-            <a:chExt cx="1551988" cy="1551988"/>
-          </a:xfrm>
-        </p:grpSpPr>
-        <p:sp>
-          <p:nvSpPr>
-            <p:cNvPr id="104" name="Freeform: Shape 103">
-              <a:extLst>
-                <a:ext uri="{FF2B5EF4-FFF2-40B4-BE49-F238E27FC236}">
-                  <a16:creationId xmlns:a16="http://schemas.microsoft.com/office/drawing/2014/main" id="{38F40B20-72F9-418D-B7EE-2A48CC47E7DF}"/>
-                </a:ext>
-              </a:extLst>
-            </p:cNvPr>
-            <p:cNvSpPr/>
-            <p:nvPr/>
-          </p:nvSpPr>
-          <p:spPr>
-            <a:xfrm>
-              <a:off x="2156577" y="7997604"/>
-              <a:ext cx="1551988" cy="1551988"/>
-            </a:xfrm>
-            <a:custGeom>
-              <a:avLst/>
-              <a:gdLst>
-                <a:gd name="connsiteX0" fmla="*/ 612031 w 1551988"/>
-                <a:gd name="connsiteY0" fmla="*/ 331050 h 1551988"/>
-                <a:gd name="connsiteX1" fmla="*/ 580837 w 1551988"/>
-                <a:gd name="connsiteY1" fmla="*/ 337120 h 1551988"/>
-                <a:gd name="connsiteX2" fmla="*/ 553414 w 1551988"/>
-                <a:gd name="connsiteY2" fmla="*/ 355331 h 1551988"/>
-                <a:gd name="connsiteX3" fmla="*/ 535203 w 1551988"/>
-                <a:gd name="connsiteY3" fmla="*/ 382754 h 1551988"/>
-                <a:gd name="connsiteX4" fmla="*/ 553414 w 1551988"/>
-                <a:gd name="connsiteY4" fmla="*/ 472566 h 1551988"/>
-                <a:gd name="connsiteX5" fmla="*/ 856839 w 1551988"/>
-                <a:gd name="connsiteY5" fmla="*/ 775994 h 1551988"/>
-                <a:gd name="connsiteX6" fmla="*/ 553414 w 1551988"/>
-                <a:gd name="connsiteY6" fmla="*/ 1079420 h 1551988"/>
-                <a:gd name="connsiteX7" fmla="*/ 535203 w 1551988"/>
-                <a:gd name="connsiteY7" fmla="*/ 1169233 h 1551988"/>
-                <a:gd name="connsiteX8" fmla="*/ 553414 w 1551988"/>
-                <a:gd name="connsiteY8" fmla="*/ 1196656 h 1551988"/>
-                <a:gd name="connsiteX9" fmla="*/ 580837 w 1551988"/>
-                <a:gd name="connsiteY9" fmla="*/ 1214866 h 1551988"/>
-                <a:gd name="connsiteX10" fmla="*/ 670650 w 1551988"/>
-                <a:gd name="connsiteY10" fmla="*/ 1196656 h 1551988"/>
-                <a:gd name="connsiteX11" fmla="*/ 1031612 w 1551988"/>
-                <a:gd name="connsiteY11" fmla="*/ 835695 h 1551988"/>
-                <a:gd name="connsiteX12" fmla="*/ 1055894 w 1551988"/>
-                <a:gd name="connsiteY12" fmla="*/ 777076 h 1551988"/>
-                <a:gd name="connsiteX13" fmla="*/ 1055682 w 1551988"/>
-                <a:gd name="connsiteY13" fmla="*/ 775994 h 1551988"/>
-                <a:gd name="connsiteX14" fmla="*/ 1055893 w 1551988"/>
-                <a:gd name="connsiteY14" fmla="*/ 774912 h 1551988"/>
-                <a:gd name="connsiteX15" fmla="*/ 1031611 w 1551988"/>
-                <a:gd name="connsiteY15" fmla="*/ 716293 h 1551988"/>
-                <a:gd name="connsiteX16" fmla="*/ 670649 w 1551988"/>
-                <a:gd name="connsiteY16" fmla="*/ 355331 h 1551988"/>
-                <a:gd name="connsiteX17" fmla="*/ 612031 w 1551988"/>
-                <a:gd name="connsiteY17" fmla="*/ 331050 h 1551988"/>
-                <a:gd name="connsiteX18" fmla="*/ 150714 w 1551988"/>
-                <a:gd name="connsiteY18" fmla="*/ 0 h 1551988"/>
-                <a:gd name="connsiteX19" fmla="*/ 1401274 w 1551988"/>
-                <a:gd name="connsiteY19" fmla="*/ 0 h 1551988"/>
-                <a:gd name="connsiteX20" fmla="*/ 1551988 w 1551988"/>
-                <a:gd name="connsiteY20" fmla="*/ 150714 h 1551988"/>
-                <a:gd name="connsiteX21" fmla="*/ 1551988 w 1551988"/>
-                <a:gd name="connsiteY21" fmla="*/ 1401274 h 1551988"/>
-                <a:gd name="connsiteX22" fmla="*/ 1401274 w 1551988"/>
-                <a:gd name="connsiteY22" fmla="*/ 1551988 h 1551988"/>
-                <a:gd name="connsiteX23" fmla="*/ 150714 w 1551988"/>
-                <a:gd name="connsiteY23" fmla="*/ 1551988 h 1551988"/>
-                <a:gd name="connsiteX24" fmla="*/ 0 w 1551988"/>
-                <a:gd name="connsiteY24" fmla="*/ 1401274 h 1551988"/>
-                <a:gd name="connsiteX25" fmla="*/ 0 w 1551988"/>
-                <a:gd name="connsiteY25" fmla="*/ 150714 h 1551988"/>
-                <a:gd name="connsiteX26" fmla="*/ 150714 w 1551988"/>
-                <a:gd name="connsiteY26" fmla="*/ 0 h 1551988"/>
-              </a:gdLst>
-              <a:ahLst/>
-              <a:cxnLst>
-                <a:cxn ang="0">
-                  <a:pos x="connsiteX0" y="connsiteY0"/>
-                </a:cxn>
-                <a:cxn ang="0">
-                  <a:pos x="connsiteX1" y="connsiteY1"/>
-                </a:cxn>
-                <a:cxn ang="0">
-                  <a:pos x="connsiteX2" y="connsiteY2"/>
-                </a:cxn>
-                <a:cxn ang="0">
-                  <a:pos x="connsiteX3" y="connsiteY3"/>
-                </a:cxn>
-                <a:cxn ang="0">
-                  <a:pos x="connsiteX4" y="connsiteY4"/>
-                </a:cxn>
-                <a:cxn ang="0">
-                  <a:pos x="connsiteX5" y="connsiteY5"/>
-                </a:cxn>
-                <a:cxn ang="0">
-                  <a:pos x="connsiteX6" y="connsiteY6"/>
-                </a:cxn>
-                <a:cxn ang="0">
-                  <a:pos x="connsiteX7" y="connsiteY7"/>
-                </a:cxn>
-                <a:cxn ang="0">
-                  <a:pos x="connsiteX8" y="connsiteY8"/>
-                </a:cxn>
-                <a:cxn ang="0">
-                  <a:pos x="connsiteX9" y="connsiteY9"/>
-                </a:cxn>
-                <a:cxn ang="0">
-                  <a:pos x="connsiteX10" y="connsiteY10"/>
-                </a:cxn>
-                <a:cxn ang="0">
-                  <a:pos x="connsiteX11" y="connsiteY11"/>
-                </a:cxn>
-                <a:cxn ang="0">
-                  <a:pos x="connsiteX12" y="connsiteY12"/>
-                </a:cxn>
-                <a:cxn ang="0">
-                  <a:pos x="connsiteX13" y="connsiteY13"/>
-                </a:cxn>
-                <a:cxn ang="0">
-                  <a:pos x="connsiteX14" y="connsiteY14"/>
-                </a:cxn>
-                <a:cxn ang="0">
-                  <a:pos x="connsiteX15" y="connsiteY15"/>
-                </a:cxn>
-                <a:cxn ang="0">
-                  <a:pos x="connsiteX16" y="connsiteY16"/>
-                </a:cxn>
-                <a:cxn ang="0">
-                  <a:pos x="connsiteX17" y="connsiteY17"/>
-                </a:cxn>
-                <a:cxn ang="0">
-                  <a:pos x="connsiteX18" y="connsiteY18"/>
-                </a:cxn>
-                <a:cxn ang="0">
-                  <a:pos x="connsiteX19" y="connsiteY19"/>
-                </a:cxn>
-                <a:cxn ang="0">
-                  <a:pos x="connsiteX20" y="connsiteY20"/>
-                </a:cxn>
-                <a:cxn ang="0">
-                  <a:pos x="connsiteX21" y="connsiteY21"/>
-                </a:cxn>
-                <a:cxn ang="0">
-                  <a:pos x="connsiteX22" y="connsiteY22"/>
-                </a:cxn>
-                <a:cxn ang="0">
-                  <a:pos x="connsiteX23" y="connsiteY23"/>
-                </a:cxn>
-                <a:cxn ang="0">
-                  <a:pos x="connsiteX24" y="connsiteY24"/>
-                </a:cxn>
-                <a:cxn ang="0">
-                  <a:pos x="connsiteX25" y="connsiteY25"/>
-                </a:cxn>
-                <a:cxn ang="0">
-                  <a:pos x="connsiteX26" y="connsiteY26"/>
-                </a:cxn>
-              </a:cxnLst>
-              <a:rect l="l" t="t" r="r" b="b"/>
-              <a:pathLst>
-                <a:path w="1551988" h="1551988">
-                  <a:moveTo>
-                    <a:pt x="612031" y="331050"/>
-                  </a:moveTo>
-                  <a:cubicBezTo>
-                    <a:pt x="601423" y="331050"/>
-                    <a:pt x="590815" y="333074"/>
-                    <a:pt x="580837" y="337120"/>
-                  </a:cubicBezTo>
-                  <a:lnTo>
-                    <a:pt x="553414" y="355331"/>
-                  </a:lnTo>
-                  <a:lnTo>
-                    <a:pt x="535203" y="382754"/>
-                  </a:lnTo>
-                  <a:cubicBezTo>
-                    <a:pt x="523063" y="412691"/>
-                    <a:pt x="529133" y="448286"/>
-                    <a:pt x="553414" y="472566"/>
-                  </a:cubicBezTo>
-                  <a:lnTo>
-                    <a:pt x="856839" y="775994"/>
-                  </a:lnTo>
-                  <a:lnTo>
-                    <a:pt x="553414" y="1079420"/>
-                  </a:lnTo>
-                  <a:cubicBezTo>
-                    <a:pt x="529133" y="1103700"/>
-                    <a:pt x="523062" y="1139295"/>
-                    <a:pt x="535203" y="1169233"/>
-                  </a:cubicBezTo>
-                  <a:lnTo>
-                    <a:pt x="553414" y="1196656"/>
-                  </a:lnTo>
-                  <a:lnTo>
-                    <a:pt x="580837" y="1214866"/>
-                  </a:lnTo>
-                  <a:cubicBezTo>
-                    <a:pt x="610774" y="1227007"/>
-                    <a:pt x="646369" y="1220936"/>
-                    <a:pt x="670650" y="1196656"/>
-                  </a:cubicBezTo>
-                  <a:lnTo>
-                    <a:pt x="1031612" y="835695"/>
-                  </a:lnTo>
-                  <a:cubicBezTo>
-                    <a:pt x="1047799" y="819508"/>
-                    <a:pt x="1055893" y="798292"/>
-                    <a:pt x="1055894" y="777076"/>
-                  </a:cubicBezTo>
-                  <a:lnTo>
-                    <a:pt x="1055682" y="775994"/>
-                  </a:lnTo>
-                  <a:lnTo>
-                    <a:pt x="1055893" y="774912"/>
-                  </a:lnTo>
-                  <a:cubicBezTo>
-                    <a:pt x="1055893" y="753696"/>
-                    <a:pt x="1047800" y="732480"/>
-                    <a:pt x="1031611" y="716293"/>
-                  </a:cubicBezTo>
-                  <a:lnTo>
-                    <a:pt x="670649" y="355331"/>
-                  </a:lnTo>
-                  <a:cubicBezTo>
-                    <a:pt x="654462" y="339144"/>
-                    <a:pt x="633247" y="331050"/>
-                    <a:pt x="612031" y="331050"/>
-                  </a:cubicBezTo>
-                  <a:close/>
-                  <a:moveTo>
-                    <a:pt x="150714" y="0"/>
-                  </a:moveTo>
-                  <a:lnTo>
-                    <a:pt x="1401274" y="0"/>
-                  </a:lnTo>
-                  <a:cubicBezTo>
-                    <a:pt x="1484511" y="0"/>
-                    <a:pt x="1551988" y="67477"/>
-                    <a:pt x="1551988" y="150714"/>
-                  </a:cubicBezTo>
-                  <a:lnTo>
-                    <a:pt x="1551988" y="1401274"/>
-                  </a:lnTo>
-                  <a:cubicBezTo>
-                    <a:pt x="1551988" y="1484511"/>
-                    <a:pt x="1484511" y="1551988"/>
-                    <a:pt x="1401274" y="1551988"/>
-                  </a:cubicBezTo>
-                  <a:lnTo>
-                    <a:pt x="150714" y="1551988"/>
-                  </a:lnTo>
-                  <a:cubicBezTo>
-                    <a:pt x="67477" y="1551988"/>
-                    <a:pt x="0" y="1484511"/>
-                    <a:pt x="0" y="1401274"/>
-                  </a:cubicBezTo>
-                  <a:lnTo>
-                    <a:pt x="0" y="150714"/>
-                  </a:lnTo>
-                  <a:cubicBezTo>
-                    <a:pt x="0" y="67477"/>
-                    <a:pt x="67477" y="0"/>
-                    <a:pt x="150714" y="0"/>
-                  </a:cubicBezTo>
-                  <a:close/>
-                </a:path>
-              </a:pathLst>
-            </a:custGeom>
-            <a:solidFill>
-              <a:srgbClr val="0D0D0D"/>
-            </a:solidFill>
-            <a:ln w="25400" cap="flat" cmpd="sng" algn="ctr">
-              <a:noFill/>
-              <a:prstDash val="solid"/>
-            </a:ln>
-            <a:effectLst>
-              <a:outerShdw blurRad="50800" dist="38100" dir="2700000" algn="tl" rotWithShape="0">
-                <a:prstClr val="black">
-                  <a:alpha val="16000"/>
-                </a:prstClr>
-              </a:outerShdw>
-            </a:effectLst>
-          </p:spPr>
-          <p:txBody>
-            <a:bodyPr wrap="square" rtlCol="0" anchor="ctr">
-              <a:noAutofit/>
-            </a:bodyPr>
-            <a:lstStyle/>
-            <a:p>
-              <a:pPr marL="0" marR="0" lvl="0" indent="0" algn="ctr" defTabSz="914400" rtl="0" eaLnBrk="1" fontAlgn="auto" latinLnBrk="0" hangingPunct="1">
-                <a:lnSpc>
-                  <a:spcPct val="100000"/>
-                </a:lnSpc>
-                <a:spcBef>
-                  <a:spcPts val="0"/>
-                </a:spcBef>
-                <a:spcAft>
-                  <a:spcPts val="0"/>
-                </a:spcAft>
-                <a:buClrTx/>
-                <a:buSzTx/>
-                <a:buFontTx/>
-                <a:buNone/>
-                <a:tabLst/>
-                <a:defRPr/>
-              </a:pPr>
-              <a:endParaRPr kumimoji="0" lang="en-GB" sz="1800" b="0" i="0" u="none" strike="noStrike" kern="0" cap="none" spc="0" normalizeH="0" baseline="0" noProof="0">
-                <a:ln>
-                  <a:noFill/>
-                </a:ln>
-                <a:solidFill>
-                  <a:srgbClr val="FFFFFF"/>
-                </a:solidFill>
-                <a:effectLst/>
-                <a:uLnTx/>
-                <a:uFillTx/>
-                <a:latin typeface="Adobe Clean SemiLight" panose="020B0403020404020204" pitchFamily="34" charset="0"/>
-                <a:ea typeface="+mn-ea"/>
-                <a:cs typeface="+mn-cs"/>
-              </a:endParaRPr>
-            </a:p>
-          </p:txBody>
-        </p:sp>
-        <p:sp>
-          <p:nvSpPr>
-            <p:cNvPr id="105" name="Freeform: Shape 104">
-              <a:extLst>
-                <a:ext uri="{FF2B5EF4-FFF2-40B4-BE49-F238E27FC236}">
-                  <a16:creationId xmlns:a16="http://schemas.microsoft.com/office/drawing/2014/main" id="{3EE1ED75-BF37-4B95-B908-B5F1EEA370FB}"/>
-                </a:ext>
-              </a:extLst>
-            </p:cNvPr>
-            <p:cNvSpPr/>
-            <p:nvPr/>
-          </p:nvSpPr>
-          <p:spPr>
-            <a:xfrm>
-              <a:off x="2156577" y="7997604"/>
-              <a:ext cx="1551988" cy="1551988"/>
-            </a:xfrm>
-            <a:custGeom>
-              <a:avLst/>
-              <a:gdLst>
-                <a:gd name="connsiteX0" fmla="*/ 612031 w 1551988"/>
-                <a:gd name="connsiteY0" fmla="*/ 331050 h 1551988"/>
-                <a:gd name="connsiteX1" fmla="*/ 580837 w 1551988"/>
-                <a:gd name="connsiteY1" fmla="*/ 337120 h 1551988"/>
-                <a:gd name="connsiteX2" fmla="*/ 553414 w 1551988"/>
-                <a:gd name="connsiteY2" fmla="*/ 355331 h 1551988"/>
-                <a:gd name="connsiteX3" fmla="*/ 535203 w 1551988"/>
-                <a:gd name="connsiteY3" fmla="*/ 382754 h 1551988"/>
-                <a:gd name="connsiteX4" fmla="*/ 553414 w 1551988"/>
-                <a:gd name="connsiteY4" fmla="*/ 472566 h 1551988"/>
-                <a:gd name="connsiteX5" fmla="*/ 856839 w 1551988"/>
-                <a:gd name="connsiteY5" fmla="*/ 775994 h 1551988"/>
-                <a:gd name="connsiteX6" fmla="*/ 553414 w 1551988"/>
-                <a:gd name="connsiteY6" fmla="*/ 1079420 h 1551988"/>
-                <a:gd name="connsiteX7" fmla="*/ 535203 w 1551988"/>
-                <a:gd name="connsiteY7" fmla="*/ 1169233 h 1551988"/>
-                <a:gd name="connsiteX8" fmla="*/ 553414 w 1551988"/>
-                <a:gd name="connsiteY8" fmla="*/ 1196656 h 1551988"/>
-                <a:gd name="connsiteX9" fmla="*/ 580837 w 1551988"/>
-                <a:gd name="connsiteY9" fmla="*/ 1214866 h 1551988"/>
-                <a:gd name="connsiteX10" fmla="*/ 670650 w 1551988"/>
-                <a:gd name="connsiteY10" fmla="*/ 1196656 h 1551988"/>
-                <a:gd name="connsiteX11" fmla="*/ 1031612 w 1551988"/>
-                <a:gd name="connsiteY11" fmla="*/ 835695 h 1551988"/>
-                <a:gd name="connsiteX12" fmla="*/ 1055894 w 1551988"/>
-                <a:gd name="connsiteY12" fmla="*/ 777076 h 1551988"/>
-                <a:gd name="connsiteX13" fmla="*/ 1055682 w 1551988"/>
-                <a:gd name="connsiteY13" fmla="*/ 775994 h 1551988"/>
-                <a:gd name="connsiteX14" fmla="*/ 1055893 w 1551988"/>
-                <a:gd name="connsiteY14" fmla="*/ 774912 h 1551988"/>
-                <a:gd name="connsiteX15" fmla="*/ 1031611 w 1551988"/>
-                <a:gd name="connsiteY15" fmla="*/ 716293 h 1551988"/>
-                <a:gd name="connsiteX16" fmla="*/ 670649 w 1551988"/>
-                <a:gd name="connsiteY16" fmla="*/ 355331 h 1551988"/>
-                <a:gd name="connsiteX17" fmla="*/ 612031 w 1551988"/>
-                <a:gd name="connsiteY17" fmla="*/ 331050 h 1551988"/>
-                <a:gd name="connsiteX18" fmla="*/ 150714 w 1551988"/>
-                <a:gd name="connsiteY18" fmla="*/ 0 h 1551988"/>
-                <a:gd name="connsiteX19" fmla="*/ 1401274 w 1551988"/>
-                <a:gd name="connsiteY19" fmla="*/ 0 h 1551988"/>
-                <a:gd name="connsiteX20" fmla="*/ 1551988 w 1551988"/>
-                <a:gd name="connsiteY20" fmla="*/ 150714 h 1551988"/>
-                <a:gd name="connsiteX21" fmla="*/ 1551988 w 1551988"/>
-                <a:gd name="connsiteY21" fmla="*/ 1401274 h 1551988"/>
-                <a:gd name="connsiteX22" fmla="*/ 1401274 w 1551988"/>
-                <a:gd name="connsiteY22" fmla="*/ 1551988 h 1551988"/>
-                <a:gd name="connsiteX23" fmla="*/ 150714 w 1551988"/>
-                <a:gd name="connsiteY23" fmla="*/ 1551988 h 1551988"/>
-                <a:gd name="connsiteX24" fmla="*/ 0 w 1551988"/>
-                <a:gd name="connsiteY24" fmla="*/ 1401274 h 1551988"/>
-                <a:gd name="connsiteX25" fmla="*/ 0 w 1551988"/>
-                <a:gd name="connsiteY25" fmla="*/ 150714 h 1551988"/>
-                <a:gd name="connsiteX26" fmla="*/ 150714 w 1551988"/>
-                <a:gd name="connsiteY26" fmla="*/ 0 h 1551988"/>
-              </a:gdLst>
-              <a:ahLst/>
-              <a:cxnLst>
-                <a:cxn ang="0">
-                  <a:pos x="connsiteX0" y="connsiteY0"/>
-                </a:cxn>
-                <a:cxn ang="0">
-                  <a:pos x="connsiteX1" y="connsiteY1"/>
-                </a:cxn>
-                <a:cxn ang="0">
-                  <a:pos x="connsiteX2" y="connsiteY2"/>
-                </a:cxn>
-                <a:cxn ang="0">
-                  <a:pos x="connsiteX3" y="connsiteY3"/>
-                </a:cxn>
-                <a:cxn ang="0">
-                  <a:pos x="connsiteX4" y="connsiteY4"/>
-                </a:cxn>
-                <a:cxn ang="0">
-                  <a:pos x="connsiteX5" y="connsiteY5"/>
-                </a:cxn>
-                <a:cxn ang="0">
-                  <a:pos x="connsiteX6" y="connsiteY6"/>
-                </a:cxn>
-                <a:cxn ang="0">
-                  <a:pos x="connsiteX7" y="connsiteY7"/>
-                </a:cxn>
-                <a:cxn ang="0">
-                  <a:pos x="connsiteX8" y="connsiteY8"/>
-                </a:cxn>
-                <a:cxn ang="0">
-                  <a:pos x="connsiteX9" y="connsiteY9"/>
-                </a:cxn>
-                <a:cxn ang="0">
-                  <a:pos x="connsiteX10" y="connsiteY10"/>
-                </a:cxn>
-                <a:cxn ang="0">
-                  <a:pos x="connsiteX11" y="connsiteY11"/>
-                </a:cxn>
-                <a:cxn ang="0">
-                  <a:pos x="connsiteX12" y="connsiteY12"/>
-                </a:cxn>
-                <a:cxn ang="0">
-                  <a:pos x="connsiteX13" y="connsiteY13"/>
-                </a:cxn>
-                <a:cxn ang="0">
-                  <a:pos x="connsiteX14" y="connsiteY14"/>
-                </a:cxn>
-                <a:cxn ang="0">
-                  <a:pos x="connsiteX15" y="connsiteY15"/>
-                </a:cxn>
-                <a:cxn ang="0">
-                  <a:pos x="connsiteX16" y="connsiteY16"/>
-                </a:cxn>
-                <a:cxn ang="0">
-                  <a:pos x="connsiteX17" y="connsiteY17"/>
-                </a:cxn>
-                <a:cxn ang="0">
-                  <a:pos x="connsiteX18" y="connsiteY18"/>
-                </a:cxn>
-                <a:cxn ang="0">
-                  <a:pos x="connsiteX19" y="connsiteY19"/>
-                </a:cxn>
-                <a:cxn ang="0">
-                  <a:pos x="connsiteX20" y="connsiteY20"/>
-                </a:cxn>
-                <a:cxn ang="0">
-                  <a:pos x="connsiteX21" y="connsiteY21"/>
-                </a:cxn>
-                <a:cxn ang="0">
-                  <a:pos x="connsiteX22" y="connsiteY22"/>
-                </a:cxn>
-                <a:cxn ang="0">
-                  <a:pos x="connsiteX23" y="connsiteY23"/>
-                </a:cxn>
-                <a:cxn ang="0">
-                  <a:pos x="connsiteX24" y="connsiteY24"/>
-                </a:cxn>
-                <a:cxn ang="0">
-                  <a:pos x="connsiteX25" y="connsiteY25"/>
-                </a:cxn>
-                <a:cxn ang="0">
-                  <a:pos x="connsiteX26" y="connsiteY26"/>
-                </a:cxn>
-              </a:cxnLst>
-              <a:rect l="l" t="t" r="r" b="b"/>
-              <a:pathLst>
-                <a:path w="1551988" h="1551988">
-                  <a:moveTo>
-                    <a:pt x="612031" y="331050"/>
-                  </a:moveTo>
-                  <a:cubicBezTo>
-                    <a:pt x="601423" y="331050"/>
-                    <a:pt x="590815" y="333074"/>
-                    <a:pt x="580837" y="337120"/>
-                  </a:cubicBezTo>
-                  <a:lnTo>
-                    <a:pt x="553414" y="355331"/>
-                  </a:lnTo>
-                  <a:lnTo>
-                    <a:pt x="535203" y="382754"/>
-                  </a:lnTo>
-                  <a:cubicBezTo>
-                    <a:pt x="523063" y="412691"/>
-                    <a:pt x="529133" y="448286"/>
-                    <a:pt x="553414" y="472566"/>
-                  </a:cubicBezTo>
-                  <a:lnTo>
-                    <a:pt x="856839" y="775994"/>
-                  </a:lnTo>
-                  <a:lnTo>
-                    <a:pt x="553414" y="1079420"/>
-                  </a:lnTo>
-                  <a:cubicBezTo>
-                    <a:pt x="529133" y="1103700"/>
-                    <a:pt x="523062" y="1139295"/>
-                    <a:pt x="535203" y="1169233"/>
-                  </a:cubicBezTo>
-                  <a:lnTo>
-                    <a:pt x="553414" y="1196656"/>
-                  </a:lnTo>
-                  <a:lnTo>
-                    <a:pt x="580837" y="1214866"/>
-                  </a:lnTo>
-                  <a:cubicBezTo>
-                    <a:pt x="610774" y="1227007"/>
-                    <a:pt x="646369" y="1220936"/>
-                    <a:pt x="670650" y="1196656"/>
-                  </a:cubicBezTo>
-                  <a:lnTo>
-                    <a:pt x="1031612" y="835695"/>
-                  </a:lnTo>
-                  <a:cubicBezTo>
-                    <a:pt x="1047799" y="819508"/>
-                    <a:pt x="1055893" y="798292"/>
-                    <a:pt x="1055894" y="777076"/>
-                  </a:cubicBezTo>
-                  <a:lnTo>
-                    <a:pt x="1055682" y="775994"/>
-                  </a:lnTo>
-                  <a:lnTo>
-                    <a:pt x="1055893" y="774912"/>
-                  </a:lnTo>
-                  <a:cubicBezTo>
-                    <a:pt x="1055893" y="753696"/>
-                    <a:pt x="1047800" y="732480"/>
-                    <a:pt x="1031611" y="716293"/>
-                  </a:cubicBezTo>
-                  <a:lnTo>
-                    <a:pt x="670649" y="355331"/>
-                  </a:lnTo>
-                  <a:cubicBezTo>
-                    <a:pt x="654462" y="339144"/>
-                    <a:pt x="633247" y="331050"/>
-                    <a:pt x="612031" y="331050"/>
-                  </a:cubicBezTo>
-                  <a:close/>
-                  <a:moveTo>
-                    <a:pt x="150714" y="0"/>
-                  </a:moveTo>
-                  <a:lnTo>
-                    <a:pt x="1401274" y="0"/>
-                  </a:lnTo>
-                  <a:cubicBezTo>
-                    <a:pt x="1484511" y="0"/>
-                    <a:pt x="1551988" y="67477"/>
-                    <a:pt x="1551988" y="150714"/>
-                  </a:cubicBezTo>
-                  <a:lnTo>
-                    <a:pt x="1551988" y="1401274"/>
-                  </a:lnTo>
-                  <a:cubicBezTo>
-                    <a:pt x="1551988" y="1484511"/>
-                    <a:pt x="1484511" y="1551988"/>
-                    <a:pt x="1401274" y="1551988"/>
-                  </a:cubicBezTo>
-                  <a:lnTo>
-                    <a:pt x="150714" y="1551988"/>
-                  </a:lnTo>
-                  <a:cubicBezTo>
-                    <a:pt x="67477" y="1551988"/>
-                    <a:pt x="0" y="1484511"/>
-                    <a:pt x="0" y="1401274"/>
-                  </a:cubicBezTo>
-                  <a:lnTo>
-                    <a:pt x="0" y="150714"/>
-                  </a:lnTo>
-                  <a:cubicBezTo>
-                    <a:pt x="0" y="67477"/>
-                    <a:pt x="67477" y="0"/>
-                    <a:pt x="150714" y="0"/>
-                  </a:cubicBezTo>
-                  <a:close/>
-                </a:path>
-              </a:pathLst>
-            </a:custGeom>
-            <a:solidFill>
-              <a:srgbClr val="F4F6F8">
-                <a:alpha val="10000"/>
-              </a:srgbClr>
-            </a:solidFill>
-            <a:ln w="25400" cap="flat" cmpd="sng" algn="ctr">
-              <a:noFill/>
-              <a:prstDash val="solid"/>
-            </a:ln>
-            <a:effectLst>
-              <a:outerShdw blurRad="50800" dist="38100" dir="2700000" algn="tl" rotWithShape="0">
-                <a:prstClr val="black">
-                  <a:alpha val="0"/>
-                </a:prstClr>
-              </a:outerShdw>
-            </a:effectLst>
-            <a:scene3d>
-              <a:camera prst="orthographicFront"/>
-              <a:lightRig rig="threePt" dir="t"/>
-            </a:scene3d>
-            <a:sp3d>
-              <a:bevelT w="50800" h="12700" prst="softRound"/>
-            </a:sp3d>
-          </p:spPr>
-          <p:txBody>
-            <a:bodyPr rtlCol="0" anchor="ctr"/>
-            <a:lstStyle/>
-            <a:p>
-              <a:pPr marL="0" marR="0" lvl="0" indent="0" algn="ctr" defTabSz="914400" rtl="0" eaLnBrk="1" fontAlgn="auto" latinLnBrk="0" hangingPunct="1">
-                <a:lnSpc>
-                  <a:spcPct val="100000"/>
-                </a:lnSpc>
-                <a:spcBef>
-                  <a:spcPts val="0"/>
-                </a:spcBef>
-                <a:spcAft>
-                  <a:spcPts val="0"/>
-                </a:spcAft>
-                <a:buClrTx/>
-                <a:buSzTx/>
-                <a:buFontTx/>
-                <a:buNone/>
-                <a:tabLst/>
-                <a:defRPr/>
-              </a:pPr>
-              <a:endParaRPr kumimoji="0" lang="en-GB" sz="1800" b="0" i="0" u="none" strike="noStrike" kern="0" cap="none" spc="0" normalizeH="0" baseline="0" noProof="0">
-                <a:ln>
-                  <a:noFill/>
-                </a:ln>
-                <a:solidFill>
-                  <a:srgbClr val="FFFFFF"/>
-                </a:solidFill>
-                <a:effectLst/>
-                <a:uLnTx/>
-                <a:uFillTx/>
-                <a:latin typeface="Adobe Clean SemiLight" panose="020B0403020404020204" pitchFamily="34" charset="0"/>
-                <a:ea typeface="+mn-ea"/>
-                <a:cs typeface="+mn-cs"/>
-              </a:endParaRPr>
-            </a:p>
-          </p:txBody>
-        </p:sp>
-      </p:grpSp>
-      <p:grpSp>
-        <p:nvGrpSpPr>
-          <p:cNvPr id="107" name="Group 106">
-            <a:extLst>
-              <a:ext uri="{FF2B5EF4-FFF2-40B4-BE49-F238E27FC236}">
-                <a16:creationId xmlns:a16="http://schemas.microsoft.com/office/drawing/2014/main" id="{C8369ED9-BAF2-4E2D-8EB9-2EBD08D33914}"/>
-              </a:ext>
-            </a:extLst>
-          </p:cNvPr>
-          <p:cNvGrpSpPr/>
-          <p:nvPr/>
-        </p:nvGrpSpPr>
-        <p:grpSpPr>
-          <a:xfrm rot="5400000">
-            <a:off x="8053621" y="3386844"/>
-            <a:ext cx="489795" cy="489795"/>
-            <a:chOff x="2156577" y="7997604"/>
-            <a:chExt cx="1551988" cy="1551988"/>
-          </a:xfrm>
-        </p:grpSpPr>
-        <p:sp>
-          <p:nvSpPr>
-            <p:cNvPr id="108" name="Freeform: Shape 107">
-              <a:extLst>
-                <a:ext uri="{FF2B5EF4-FFF2-40B4-BE49-F238E27FC236}">
-                  <a16:creationId xmlns:a16="http://schemas.microsoft.com/office/drawing/2014/main" id="{C0DF2B76-2756-42FD-867A-72917BF7969A}"/>
-                </a:ext>
-              </a:extLst>
-            </p:cNvPr>
-            <p:cNvSpPr/>
-            <p:nvPr/>
-          </p:nvSpPr>
-          <p:spPr>
-            <a:xfrm>
-              <a:off x="2156577" y="7997604"/>
-              <a:ext cx="1551988" cy="1551988"/>
-            </a:xfrm>
-            <a:custGeom>
-              <a:avLst/>
-              <a:gdLst>
-                <a:gd name="connsiteX0" fmla="*/ 612031 w 1551988"/>
-                <a:gd name="connsiteY0" fmla="*/ 331050 h 1551988"/>
-                <a:gd name="connsiteX1" fmla="*/ 580837 w 1551988"/>
-                <a:gd name="connsiteY1" fmla="*/ 337120 h 1551988"/>
-                <a:gd name="connsiteX2" fmla="*/ 553414 w 1551988"/>
-                <a:gd name="connsiteY2" fmla="*/ 355331 h 1551988"/>
-                <a:gd name="connsiteX3" fmla="*/ 535203 w 1551988"/>
-                <a:gd name="connsiteY3" fmla="*/ 382754 h 1551988"/>
-                <a:gd name="connsiteX4" fmla="*/ 553414 w 1551988"/>
-                <a:gd name="connsiteY4" fmla="*/ 472566 h 1551988"/>
-                <a:gd name="connsiteX5" fmla="*/ 856839 w 1551988"/>
-                <a:gd name="connsiteY5" fmla="*/ 775994 h 1551988"/>
-                <a:gd name="connsiteX6" fmla="*/ 553414 w 1551988"/>
-                <a:gd name="connsiteY6" fmla="*/ 1079420 h 1551988"/>
-                <a:gd name="connsiteX7" fmla="*/ 535203 w 1551988"/>
-                <a:gd name="connsiteY7" fmla="*/ 1169233 h 1551988"/>
-                <a:gd name="connsiteX8" fmla="*/ 553414 w 1551988"/>
-                <a:gd name="connsiteY8" fmla="*/ 1196656 h 1551988"/>
-                <a:gd name="connsiteX9" fmla="*/ 580837 w 1551988"/>
-                <a:gd name="connsiteY9" fmla="*/ 1214866 h 1551988"/>
-                <a:gd name="connsiteX10" fmla="*/ 670650 w 1551988"/>
-                <a:gd name="connsiteY10" fmla="*/ 1196656 h 1551988"/>
-                <a:gd name="connsiteX11" fmla="*/ 1031612 w 1551988"/>
-                <a:gd name="connsiteY11" fmla="*/ 835695 h 1551988"/>
-                <a:gd name="connsiteX12" fmla="*/ 1055894 w 1551988"/>
-                <a:gd name="connsiteY12" fmla="*/ 777076 h 1551988"/>
-                <a:gd name="connsiteX13" fmla="*/ 1055682 w 1551988"/>
-                <a:gd name="connsiteY13" fmla="*/ 775994 h 1551988"/>
-                <a:gd name="connsiteX14" fmla="*/ 1055893 w 1551988"/>
-                <a:gd name="connsiteY14" fmla="*/ 774912 h 1551988"/>
-                <a:gd name="connsiteX15" fmla="*/ 1031611 w 1551988"/>
-                <a:gd name="connsiteY15" fmla="*/ 716293 h 1551988"/>
-                <a:gd name="connsiteX16" fmla="*/ 670649 w 1551988"/>
-                <a:gd name="connsiteY16" fmla="*/ 355331 h 1551988"/>
-                <a:gd name="connsiteX17" fmla="*/ 612031 w 1551988"/>
-                <a:gd name="connsiteY17" fmla="*/ 331050 h 1551988"/>
-                <a:gd name="connsiteX18" fmla="*/ 150714 w 1551988"/>
-                <a:gd name="connsiteY18" fmla="*/ 0 h 1551988"/>
-                <a:gd name="connsiteX19" fmla="*/ 1401274 w 1551988"/>
-                <a:gd name="connsiteY19" fmla="*/ 0 h 1551988"/>
-                <a:gd name="connsiteX20" fmla="*/ 1551988 w 1551988"/>
-                <a:gd name="connsiteY20" fmla="*/ 150714 h 1551988"/>
-                <a:gd name="connsiteX21" fmla="*/ 1551988 w 1551988"/>
-                <a:gd name="connsiteY21" fmla="*/ 1401274 h 1551988"/>
-                <a:gd name="connsiteX22" fmla="*/ 1401274 w 1551988"/>
-                <a:gd name="connsiteY22" fmla="*/ 1551988 h 1551988"/>
-                <a:gd name="connsiteX23" fmla="*/ 150714 w 1551988"/>
-                <a:gd name="connsiteY23" fmla="*/ 1551988 h 1551988"/>
-                <a:gd name="connsiteX24" fmla="*/ 0 w 1551988"/>
-                <a:gd name="connsiteY24" fmla="*/ 1401274 h 1551988"/>
-                <a:gd name="connsiteX25" fmla="*/ 0 w 1551988"/>
-                <a:gd name="connsiteY25" fmla="*/ 150714 h 1551988"/>
-                <a:gd name="connsiteX26" fmla="*/ 150714 w 1551988"/>
-                <a:gd name="connsiteY26" fmla="*/ 0 h 1551988"/>
-              </a:gdLst>
-              <a:ahLst/>
-              <a:cxnLst>
-                <a:cxn ang="0">
-                  <a:pos x="connsiteX0" y="connsiteY0"/>
-                </a:cxn>
-                <a:cxn ang="0">
-                  <a:pos x="connsiteX1" y="connsiteY1"/>
-                </a:cxn>
-                <a:cxn ang="0">
-                  <a:pos x="connsiteX2" y="connsiteY2"/>
-                </a:cxn>
-                <a:cxn ang="0">
-                  <a:pos x="connsiteX3" y="connsiteY3"/>
-                </a:cxn>
-                <a:cxn ang="0">
-                  <a:pos x="connsiteX4" y="connsiteY4"/>
-                </a:cxn>
-                <a:cxn ang="0">
-                  <a:pos x="connsiteX5" y="connsiteY5"/>
-                </a:cxn>
-                <a:cxn ang="0">
-                  <a:pos x="connsiteX6" y="connsiteY6"/>
-                </a:cxn>
-                <a:cxn ang="0">
-                  <a:pos x="connsiteX7" y="connsiteY7"/>
-                </a:cxn>
-                <a:cxn ang="0">
-                  <a:pos x="connsiteX8" y="connsiteY8"/>
-                </a:cxn>
-                <a:cxn ang="0">
-                  <a:pos x="connsiteX9" y="connsiteY9"/>
-                </a:cxn>
-                <a:cxn ang="0">
-                  <a:pos x="connsiteX10" y="connsiteY10"/>
-                </a:cxn>
-                <a:cxn ang="0">
-                  <a:pos x="connsiteX11" y="connsiteY11"/>
-                </a:cxn>
-                <a:cxn ang="0">
-                  <a:pos x="connsiteX12" y="connsiteY12"/>
-                </a:cxn>
-                <a:cxn ang="0">
-                  <a:pos x="connsiteX13" y="connsiteY13"/>
-                </a:cxn>
-                <a:cxn ang="0">
-                  <a:pos x="connsiteX14" y="connsiteY14"/>
-                </a:cxn>
-                <a:cxn ang="0">
-                  <a:pos x="connsiteX15" y="connsiteY15"/>
-                </a:cxn>
-                <a:cxn ang="0">
-                  <a:pos x="connsiteX16" y="connsiteY16"/>
-                </a:cxn>
-                <a:cxn ang="0">
-                  <a:pos x="connsiteX17" y="connsiteY17"/>
-                </a:cxn>
-                <a:cxn ang="0">
-                  <a:pos x="connsiteX18" y="connsiteY18"/>
-                </a:cxn>
-                <a:cxn ang="0">
-                  <a:pos x="connsiteX19" y="connsiteY19"/>
-                </a:cxn>
-                <a:cxn ang="0">
-                  <a:pos x="connsiteX20" y="connsiteY20"/>
-                </a:cxn>
-                <a:cxn ang="0">
-                  <a:pos x="connsiteX21" y="connsiteY21"/>
-                </a:cxn>
-                <a:cxn ang="0">
-                  <a:pos x="connsiteX22" y="connsiteY22"/>
-                </a:cxn>
-                <a:cxn ang="0">
-                  <a:pos x="connsiteX23" y="connsiteY23"/>
-                </a:cxn>
-                <a:cxn ang="0">
-                  <a:pos x="connsiteX24" y="connsiteY24"/>
-                </a:cxn>
-                <a:cxn ang="0">
-                  <a:pos x="connsiteX25" y="connsiteY25"/>
-                </a:cxn>
-                <a:cxn ang="0">
-                  <a:pos x="connsiteX26" y="connsiteY26"/>
-                </a:cxn>
-              </a:cxnLst>
-              <a:rect l="l" t="t" r="r" b="b"/>
-              <a:pathLst>
-                <a:path w="1551988" h="1551988">
-                  <a:moveTo>
-                    <a:pt x="612031" y="331050"/>
-                  </a:moveTo>
-                  <a:cubicBezTo>
-                    <a:pt x="601423" y="331050"/>
-                    <a:pt x="590815" y="333074"/>
-                    <a:pt x="580837" y="337120"/>
-                  </a:cubicBezTo>
-                  <a:lnTo>
-                    <a:pt x="553414" y="355331"/>
-                  </a:lnTo>
-                  <a:lnTo>
-                    <a:pt x="535203" y="382754"/>
-                  </a:lnTo>
-                  <a:cubicBezTo>
-                    <a:pt x="523063" y="412691"/>
-                    <a:pt x="529133" y="448286"/>
-                    <a:pt x="553414" y="472566"/>
-                  </a:cubicBezTo>
-                  <a:lnTo>
-                    <a:pt x="856839" y="775994"/>
-                  </a:lnTo>
-                  <a:lnTo>
-                    <a:pt x="553414" y="1079420"/>
-                  </a:lnTo>
-                  <a:cubicBezTo>
-                    <a:pt x="529133" y="1103700"/>
-                    <a:pt x="523062" y="1139295"/>
-                    <a:pt x="535203" y="1169233"/>
-                  </a:cubicBezTo>
-                  <a:lnTo>
-                    <a:pt x="553414" y="1196656"/>
-                  </a:lnTo>
-                  <a:lnTo>
-                    <a:pt x="580837" y="1214866"/>
-                  </a:lnTo>
-                  <a:cubicBezTo>
-                    <a:pt x="610774" y="1227007"/>
-                    <a:pt x="646369" y="1220936"/>
-                    <a:pt x="670650" y="1196656"/>
-                  </a:cubicBezTo>
-                  <a:lnTo>
-                    <a:pt x="1031612" y="835695"/>
-                  </a:lnTo>
-                  <a:cubicBezTo>
-                    <a:pt x="1047799" y="819508"/>
-                    <a:pt x="1055893" y="798292"/>
-                    <a:pt x="1055894" y="777076"/>
-                  </a:cubicBezTo>
-                  <a:lnTo>
-                    <a:pt x="1055682" y="775994"/>
-                  </a:lnTo>
-                  <a:lnTo>
-                    <a:pt x="1055893" y="774912"/>
-                  </a:lnTo>
-                  <a:cubicBezTo>
-                    <a:pt x="1055893" y="753696"/>
-                    <a:pt x="1047800" y="732480"/>
-                    <a:pt x="1031611" y="716293"/>
-                  </a:cubicBezTo>
-                  <a:lnTo>
-                    <a:pt x="670649" y="355331"/>
-                  </a:lnTo>
-                  <a:cubicBezTo>
-                    <a:pt x="654462" y="339144"/>
-                    <a:pt x="633247" y="331050"/>
-                    <a:pt x="612031" y="331050"/>
-                  </a:cubicBezTo>
-                  <a:close/>
-                  <a:moveTo>
-                    <a:pt x="150714" y="0"/>
-                  </a:moveTo>
-                  <a:lnTo>
-                    <a:pt x="1401274" y="0"/>
-                  </a:lnTo>
-                  <a:cubicBezTo>
-                    <a:pt x="1484511" y="0"/>
-                    <a:pt x="1551988" y="67477"/>
-                    <a:pt x="1551988" y="150714"/>
-                  </a:cubicBezTo>
-                  <a:lnTo>
-                    <a:pt x="1551988" y="1401274"/>
-                  </a:lnTo>
-                  <a:cubicBezTo>
-                    <a:pt x="1551988" y="1484511"/>
-                    <a:pt x="1484511" y="1551988"/>
-                    <a:pt x="1401274" y="1551988"/>
-                  </a:cubicBezTo>
-                  <a:lnTo>
-                    <a:pt x="150714" y="1551988"/>
-                  </a:lnTo>
-                  <a:cubicBezTo>
-                    <a:pt x="67477" y="1551988"/>
-                    <a:pt x="0" y="1484511"/>
-                    <a:pt x="0" y="1401274"/>
-                  </a:cubicBezTo>
-                  <a:lnTo>
-                    <a:pt x="0" y="150714"/>
-                  </a:lnTo>
-                  <a:cubicBezTo>
-                    <a:pt x="0" y="67477"/>
-                    <a:pt x="67477" y="0"/>
-                    <a:pt x="150714" y="0"/>
-                  </a:cubicBezTo>
-                  <a:close/>
-                </a:path>
-              </a:pathLst>
-            </a:custGeom>
-            <a:solidFill>
-              <a:srgbClr val="0D0D0D"/>
-            </a:solidFill>
-            <a:ln w="25400" cap="flat" cmpd="sng" algn="ctr">
-              <a:noFill/>
-              <a:prstDash val="solid"/>
-            </a:ln>
-            <a:effectLst>
-              <a:outerShdw blurRad="50800" dist="38100" dir="2700000" algn="tl" rotWithShape="0">
-                <a:prstClr val="black">
-                  <a:alpha val="16000"/>
-                </a:prstClr>
-              </a:outerShdw>
-            </a:effectLst>
-          </p:spPr>
-          <p:txBody>
-            <a:bodyPr wrap="square" rtlCol="0" anchor="ctr">
-              <a:noAutofit/>
-            </a:bodyPr>
-            <a:lstStyle/>
-            <a:p>
-              <a:pPr marL="0" marR="0" lvl="0" indent="0" algn="ctr" defTabSz="914400" rtl="0" eaLnBrk="1" fontAlgn="auto" latinLnBrk="0" hangingPunct="1">
-                <a:lnSpc>
-                  <a:spcPct val="100000"/>
-                </a:lnSpc>
-                <a:spcBef>
-                  <a:spcPts val="0"/>
-                </a:spcBef>
-                <a:spcAft>
-                  <a:spcPts val="0"/>
-                </a:spcAft>
-                <a:buClrTx/>
-                <a:buSzTx/>
-                <a:buFontTx/>
-                <a:buNone/>
-                <a:tabLst/>
-                <a:defRPr/>
-              </a:pPr>
-              <a:endParaRPr kumimoji="0" lang="en-GB" sz="1800" b="0" i="0" u="none" strike="noStrike" kern="0" cap="none" spc="0" normalizeH="0" baseline="0" noProof="0">
-                <a:ln>
-                  <a:noFill/>
-                </a:ln>
-                <a:solidFill>
-                  <a:srgbClr val="FFFFFF"/>
-                </a:solidFill>
-                <a:effectLst/>
-                <a:uLnTx/>
-                <a:uFillTx/>
-                <a:latin typeface="Adobe Clean SemiLight" panose="020B0403020404020204" pitchFamily="34" charset="0"/>
-                <a:ea typeface="+mn-ea"/>
-                <a:cs typeface="+mn-cs"/>
-              </a:endParaRPr>
-            </a:p>
-          </p:txBody>
-        </p:sp>
-        <p:sp>
-          <p:nvSpPr>
-            <p:cNvPr id="109" name="Freeform: Shape 108">
-              <a:extLst>
-                <a:ext uri="{FF2B5EF4-FFF2-40B4-BE49-F238E27FC236}">
-                  <a16:creationId xmlns:a16="http://schemas.microsoft.com/office/drawing/2014/main" id="{2771AFEC-7557-41C2-B9F9-2831544496EC}"/>
-                </a:ext>
-              </a:extLst>
-            </p:cNvPr>
-            <p:cNvSpPr/>
-            <p:nvPr/>
-          </p:nvSpPr>
-          <p:spPr>
-            <a:xfrm>
-              <a:off x="2156577" y="7997604"/>
-              <a:ext cx="1551988" cy="1551988"/>
-            </a:xfrm>
-            <a:custGeom>
-              <a:avLst/>
-              <a:gdLst>
-                <a:gd name="connsiteX0" fmla="*/ 612031 w 1551988"/>
-                <a:gd name="connsiteY0" fmla="*/ 331050 h 1551988"/>
-                <a:gd name="connsiteX1" fmla="*/ 580837 w 1551988"/>
-                <a:gd name="connsiteY1" fmla="*/ 337120 h 1551988"/>
-                <a:gd name="connsiteX2" fmla="*/ 553414 w 1551988"/>
-                <a:gd name="connsiteY2" fmla="*/ 355331 h 1551988"/>
-                <a:gd name="connsiteX3" fmla="*/ 535203 w 1551988"/>
-                <a:gd name="connsiteY3" fmla="*/ 382754 h 1551988"/>
-                <a:gd name="connsiteX4" fmla="*/ 553414 w 1551988"/>
-                <a:gd name="connsiteY4" fmla="*/ 472566 h 1551988"/>
-                <a:gd name="connsiteX5" fmla="*/ 856839 w 1551988"/>
-                <a:gd name="connsiteY5" fmla="*/ 775994 h 1551988"/>
-                <a:gd name="connsiteX6" fmla="*/ 553414 w 1551988"/>
-                <a:gd name="connsiteY6" fmla="*/ 1079420 h 1551988"/>
-                <a:gd name="connsiteX7" fmla="*/ 535203 w 1551988"/>
-                <a:gd name="connsiteY7" fmla="*/ 1169233 h 1551988"/>
-                <a:gd name="connsiteX8" fmla="*/ 553414 w 1551988"/>
-                <a:gd name="connsiteY8" fmla="*/ 1196656 h 1551988"/>
-                <a:gd name="connsiteX9" fmla="*/ 580837 w 1551988"/>
-                <a:gd name="connsiteY9" fmla="*/ 1214866 h 1551988"/>
-                <a:gd name="connsiteX10" fmla="*/ 670650 w 1551988"/>
-                <a:gd name="connsiteY10" fmla="*/ 1196656 h 1551988"/>
-                <a:gd name="connsiteX11" fmla="*/ 1031612 w 1551988"/>
-                <a:gd name="connsiteY11" fmla="*/ 835695 h 1551988"/>
-                <a:gd name="connsiteX12" fmla="*/ 1055894 w 1551988"/>
-                <a:gd name="connsiteY12" fmla="*/ 777076 h 1551988"/>
-                <a:gd name="connsiteX13" fmla="*/ 1055682 w 1551988"/>
-                <a:gd name="connsiteY13" fmla="*/ 775994 h 1551988"/>
-                <a:gd name="connsiteX14" fmla="*/ 1055893 w 1551988"/>
-                <a:gd name="connsiteY14" fmla="*/ 774912 h 1551988"/>
-                <a:gd name="connsiteX15" fmla="*/ 1031611 w 1551988"/>
-                <a:gd name="connsiteY15" fmla="*/ 716293 h 1551988"/>
-                <a:gd name="connsiteX16" fmla="*/ 670649 w 1551988"/>
-                <a:gd name="connsiteY16" fmla="*/ 355331 h 1551988"/>
-                <a:gd name="connsiteX17" fmla="*/ 612031 w 1551988"/>
-                <a:gd name="connsiteY17" fmla="*/ 331050 h 1551988"/>
-                <a:gd name="connsiteX18" fmla="*/ 150714 w 1551988"/>
-                <a:gd name="connsiteY18" fmla="*/ 0 h 1551988"/>
-                <a:gd name="connsiteX19" fmla="*/ 1401274 w 1551988"/>
-                <a:gd name="connsiteY19" fmla="*/ 0 h 1551988"/>
-                <a:gd name="connsiteX20" fmla="*/ 1551988 w 1551988"/>
-                <a:gd name="connsiteY20" fmla="*/ 150714 h 1551988"/>
-                <a:gd name="connsiteX21" fmla="*/ 1551988 w 1551988"/>
-                <a:gd name="connsiteY21" fmla="*/ 1401274 h 1551988"/>
-                <a:gd name="connsiteX22" fmla="*/ 1401274 w 1551988"/>
-                <a:gd name="connsiteY22" fmla="*/ 1551988 h 1551988"/>
-                <a:gd name="connsiteX23" fmla="*/ 150714 w 1551988"/>
-                <a:gd name="connsiteY23" fmla="*/ 1551988 h 1551988"/>
-                <a:gd name="connsiteX24" fmla="*/ 0 w 1551988"/>
-                <a:gd name="connsiteY24" fmla="*/ 1401274 h 1551988"/>
-                <a:gd name="connsiteX25" fmla="*/ 0 w 1551988"/>
-                <a:gd name="connsiteY25" fmla="*/ 150714 h 1551988"/>
-                <a:gd name="connsiteX26" fmla="*/ 150714 w 1551988"/>
-                <a:gd name="connsiteY26" fmla="*/ 0 h 1551988"/>
-              </a:gdLst>
-              <a:ahLst/>
-              <a:cxnLst>
-                <a:cxn ang="0">
-                  <a:pos x="connsiteX0" y="connsiteY0"/>
-                </a:cxn>
-                <a:cxn ang="0">
-                  <a:pos x="connsiteX1" y="connsiteY1"/>
-                </a:cxn>
-                <a:cxn ang="0">
-                  <a:pos x="connsiteX2" y="connsiteY2"/>
-                </a:cxn>
-                <a:cxn ang="0">
-                  <a:pos x="connsiteX3" y="connsiteY3"/>
-                </a:cxn>
-                <a:cxn ang="0">
-                  <a:pos x="connsiteX4" y="connsiteY4"/>
-                </a:cxn>
-                <a:cxn ang="0">
-                  <a:pos x="connsiteX5" y="connsiteY5"/>
-                </a:cxn>
-                <a:cxn ang="0">
-                  <a:pos x="connsiteX6" y="connsiteY6"/>
-                </a:cxn>
-                <a:cxn ang="0">
-                  <a:pos x="connsiteX7" y="connsiteY7"/>
-                </a:cxn>
-                <a:cxn ang="0">
-                  <a:pos x="connsiteX8" y="connsiteY8"/>
-                </a:cxn>
-                <a:cxn ang="0">
-                  <a:pos x="connsiteX9" y="connsiteY9"/>
-                </a:cxn>
-                <a:cxn ang="0">
-                  <a:pos x="connsiteX10" y="connsiteY10"/>
-                </a:cxn>
-                <a:cxn ang="0">
-                  <a:pos x="connsiteX11" y="connsiteY11"/>
-                </a:cxn>
-                <a:cxn ang="0">
-                  <a:pos x="connsiteX12" y="connsiteY12"/>
-                </a:cxn>
-                <a:cxn ang="0">
-                  <a:pos x="connsiteX13" y="connsiteY13"/>
-                </a:cxn>
-                <a:cxn ang="0">
-                  <a:pos x="connsiteX14" y="connsiteY14"/>
-                </a:cxn>
-                <a:cxn ang="0">
-                  <a:pos x="connsiteX15" y="connsiteY15"/>
-                </a:cxn>
-                <a:cxn ang="0">
-                  <a:pos x="connsiteX16" y="connsiteY16"/>
-                </a:cxn>
-                <a:cxn ang="0">
-                  <a:pos x="connsiteX17" y="connsiteY17"/>
-                </a:cxn>
-                <a:cxn ang="0">
-                  <a:pos x="connsiteX18" y="connsiteY18"/>
-                </a:cxn>
-                <a:cxn ang="0">
-                  <a:pos x="connsiteX19" y="connsiteY19"/>
-                </a:cxn>
-                <a:cxn ang="0">
-                  <a:pos x="connsiteX20" y="connsiteY20"/>
-                </a:cxn>
-                <a:cxn ang="0">
-                  <a:pos x="connsiteX21" y="connsiteY21"/>
-                </a:cxn>
-                <a:cxn ang="0">
-                  <a:pos x="connsiteX22" y="connsiteY22"/>
-                </a:cxn>
-                <a:cxn ang="0">
-                  <a:pos x="connsiteX23" y="connsiteY23"/>
-                </a:cxn>
-                <a:cxn ang="0">
-                  <a:pos x="connsiteX24" y="connsiteY24"/>
-                </a:cxn>
-                <a:cxn ang="0">
-                  <a:pos x="connsiteX25" y="connsiteY25"/>
-                </a:cxn>
-                <a:cxn ang="0">
-                  <a:pos x="connsiteX26" y="connsiteY26"/>
-                </a:cxn>
-              </a:cxnLst>
-              <a:rect l="l" t="t" r="r" b="b"/>
-              <a:pathLst>
-                <a:path w="1551988" h="1551988">
-                  <a:moveTo>
-                    <a:pt x="612031" y="331050"/>
-                  </a:moveTo>
-                  <a:cubicBezTo>
-                    <a:pt x="601423" y="331050"/>
-                    <a:pt x="590815" y="333074"/>
-                    <a:pt x="580837" y="337120"/>
-                  </a:cubicBezTo>
-                  <a:lnTo>
-                    <a:pt x="553414" y="355331"/>
-                  </a:lnTo>
-                  <a:lnTo>
-                    <a:pt x="535203" y="382754"/>
-                  </a:lnTo>
-                  <a:cubicBezTo>
-                    <a:pt x="523063" y="412691"/>
-                    <a:pt x="529133" y="448286"/>
-                    <a:pt x="553414" y="472566"/>
-                  </a:cubicBezTo>
-                  <a:lnTo>
-                    <a:pt x="856839" y="775994"/>
-                  </a:lnTo>
-                  <a:lnTo>
-                    <a:pt x="553414" y="1079420"/>
-                  </a:lnTo>
-                  <a:cubicBezTo>
-                    <a:pt x="529133" y="1103700"/>
-                    <a:pt x="523062" y="1139295"/>
-                    <a:pt x="535203" y="1169233"/>
-                  </a:cubicBezTo>
-                  <a:lnTo>
-                    <a:pt x="553414" y="1196656"/>
-                  </a:lnTo>
-                  <a:lnTo>
-                    <a:pt x="580837" y="1214866"/>
-                  </a:lnTo>
-                  <a:cubicBezTo>
-                    <a:pt x="610774" y="1227007"/>
-                    <a:pt x="646369" y="1220936"/>
-                    <a:pt x="670650" y="1196656"/>
-                  </a:cubicBezTo>
-                  <a:lnTo>
-                    <a:pt x="1031612" y="835695"/>
-                  </a:lnTo>
-                  <a:cubicBezTo>
-                    <a:pt x="1047799" y="819508"/>
-                    <a:pt x="1055893" y="798292"/>
-                    <a:pt x="1055894" y="777076"/>
-                  </a:cubicBezTo>
-                  <a:lnTo>
-                    <a:pt x="1055682" y="775994"/>
-                  </a:lnTo>
-                  <a:lnTo>
-                    <a:pt x="1055893" y="774912"/>
-                  </a:lnTo>
-                  <a:cubicBezTo>
-                    <a:pt x="1055893" y="753696"/>
-                    <a:pt x="1047800" y="732480"/>
-                    <a:pt x="1031611" y="716293"/>
-                  </a:cubicBezTo>
-                  <a:lnTo>
-                    <a:pt x="670649" y="355331"/>
-                  </a:lnTo>
-                  <a:cubicBezTo>
-                    <a:pt x="654462" y="339144"/>
-                    <a:pt x="633247" y="331050"/>
-                    <a:pt x="612031" y="331050"/>
-                  </a:cubicBezTo>
-                  <a:close/>
-                  <a:moveTo>
-                    <a:pt x="150714" y="0"/>
-                  </a:moveTo>
-                  <a:lnTo>
-                    <a:pt x="1401274" y="0"/>
-                  </a:lnTo>
-                  <a:cubicBezTo>
-                    <a:pt x="1484511" y="0"/>
-                    <a:pt x="1551988" y="67477"/>
-                    <a:pt x="1551988" y="150714"/>
-                  </a:cubicBezTo>
-                  <a:lnTo>
-                    <a:pt x="1551988" y="1401274"/>
-                  </a:lnTo>
-                  <a:cubicBezTo>
-                    <a:pt x="1551988" y="1484511"/>
-                    <a:pt x="1484511" y="1551988"/>
-                    <a:pt x="1401274" y="1551988"/>
-                  </a:cubicBezTo>
-                  <a:lnTo>
-                    <a:pt x="150714" y="1551988"/>
-                  </a:lnTo>
-                  <a:cubicBezTo>
-                    <a:pt x="67477" y="1551988"/>
-                    <a:pt x="0" y="1484511"/>
-                    <a:pt x="0" y="1401274"/>
-                  </a:cubicBezTo>
-                  <a:lnTo>
-                    <a:pt x="0" y="150714"/>
-                  </a:lnTo>
-                  <a:cubicBezTo>
-                    <a:pt x="0" y="67477"/>
-                    <a:pt x="67477" y="0"/>
-                    <a:pt x="150714" y="0"/>
-                  </a:cubicBezTo>
-                  <a:close/>
-                </a:path>
-              </a:pathLst>
-            </a:custGeom>
-            <a:solidFill>
-              <a:srgbClr val="F4F6F8">
-                <a:alpha val="10000"/>
-              </a:srgbClr>
-            </a:solidFill>
-            <a:ln w="25400" cap="flat" cmpd="sng" algn="ctr">
-              <a:noFill/>
-              <a:prstDash val="solid"/>
-            </a:ln>
-            <a:effectLst>
-              <a:outerShdw blurRad="50800" dist="38100" dir="2700000" algn="tl" rotWithShape="0">
-                <a:prstClr val="black">
-                  <a:alpha val="0"/>
-                </a:prstClr>
-              </a:outerShdw>
-            </a:effectLst>
-            <a:scene3d>
-              <a:camera prst="orthographicFront"/>
-              <a:lightRig rig="threePt" dir="t"/>
-            </a:scene3d>
-            <a:sp3d>
-              <a:bevelT w="50800" h="12700" prst="softRound"/>
-            </a:sp3d>
-          </p:spPr>
-          <p:txBody>
-            <a:bodyPr rtlCol="0" anchor="ctr"/>
-            <a:lstStyle/>
-            <a:p>
-              <a:pPr marL="0" marR="0" lvl="0" indent="0" algn="ctr" defTabSz="914400" rtl="0" eaLnBrk="1" fontAlgn="auto" latinLnBrk="0" hangingPunct="1">
-                <a:lnSpc>
-                  <a:spcPct val="100000"/>
-                </a:lnSpc>
-                <a:spcBef>
-                  <a:spcPts val="0"/>
-                </a:spcBef>
-                <a:spcAft>
-                  <a:spcPts val="0"/>
-                </a:spcAft>
-                <a:buClrTx/>
-                <a:buSzTx/>
-                <a:buFontTx/>
-                <a:buNone/>
-                <a:tabLst/>
-                <a:defRPr/>
-              </a:pPr>
-              <a:endParaRPr kumimoji="0" lang="en-GB" sz="1800" b="0" i="0" u="none" strike="noStrike" kern="0" cap="none" spc="0" normalizeH="0" baseline="0" noProof="0">
-                <a:ln>
-                  <a:noFill/>
-                </a:ln>
-                <a:solidFill>
-                  <a:srgbClr val="FFFFFF"/>
-                </a:solidFill>
-                <a:effectLst/>
-                <a:uLnTx/>
-                <a:uFillTx/>
-                <a:latin typeface="Adobe Clean SemiLight" panose="020B0403020404020204" pitchFamily="34" charset="0"/>
-                <a:ea typeface="+mn-ea"/>
-                <a:cs typeface="+mn-cs"/>
-              </a:endParaRPr>
-            </a:p>
-          </p:txBody>
-        </p:sp>
-      </p:grpSp>
-      <p:sp>
-        <p:nvSpPr>
-          <p:cNvPr id="5" name="Content Placeholder 15">
-            <a:extLst>
-              <a:ext uri="{FF2B5EF4-FFF2-40B4-BE49-F238E27FC236}">
-                <a16:creationId xmlns:a16="http://schemas.microsoft.com/office/drawing/2014/main" id="{FF1BAAC7-95FB-4274-ADDD-90245A69061F}"/>
-              </a:ext>
-            </a:extLst>
-          </p:cNvPr>
-          <p:cNvSpPr txBox="1">
-            <a:spLocks/>
-          </p:cNvSpPr>
-          <p:nvPr/>
-        </p:nvSpPr>
-        <p:spPr>
-          <a:xfrm>
-            <a:off x="308829" y="256791"/>
-            <a:ext cx="2193122" cy="482388"/>
-          </a:xfrm>
-          <a:prstGeom prst="rect">
-            <a:avLst/>
-          </a:prstGeom>
-        </p:spPr>
-        <p:txBody>
-          <a:bodyPr vert="horz" lIns="45720" tIns="45720" rIns="45720" bIns="45720" rtlCol="0" anchor="t">
-            <a:noAutofit/>
-          </a:bodyPr>
-          <a:lstStyle>
-            <a:lvl1pPr marL="233363" indent="-233363" algn="l" defTabSz="914400" rtl="0" eaLnBrk="1" latinLnBrk="0" hangingPunct="1">
-              <a:lnSpc>
-                <a:spcPct val="100000"/>
-              </a:lnSpc>
-              <a:spcBef>
-                <a:spcPts val="1800"/>
-              </a:spcBef>
-              <a:buSzPct val="70000"/>
-              <a:buFont typeface="Arial" panose="020B0604020202020204" pitchFamily="34" charset="0"/>
-              <a:buChar char="•"/>
-              <a:defRPr sz="1600" b="0" i="0" kern="1200">
-                <a:solidFill>
-                  <a:srgbClr val="2C2C2C"/>
-                </a:solidFill>
-                <a:latin typeface="Adobe Clean SemiLight" panose="020B0403020404020204" pitchFamily="34" charset="0"/>
-                <a:ea typeface="+mn-ea"/>
-                <a:cs typeface="+mn-cs"/>
-              </a:defRPr>
-            </a:lvl1pPr>
-            <a:lvl2pPr marL="690563" indent="-233363" algn="l" defTabSz="914400" rtl="0" eaLnBrk="1" latinLnBrk="0" hangingPunct="1">
-              <a:lnSpc>
-                <a:spcPct val="100000"/>
-              </a:lnSpc>
-              <a:spcBef>
-                <a:spcPts val="1800"/>
-              </a:spcBef>
-              <a:buSzPct val="70000"/>
-              <a:buFont typeface="Arial" panose="020B0604020202020204" pitchFamily="34" charset="0"/>
-              <a:buChar char="•"/>
-              <a:defRPr sz="2000" b="0" i="0" kern="1200">
-                <a:solidFill>
-                  <a:schemeClr val="tx1"/>
-                </a:solidFill>
-                <a:latin typeface="Adobe Clean SemiLight" panose="020B0403020404020204" pitchFamily="34" charset="0"/>
-                <a:ea typeface="+mn-ea"/>
-                <a:cs typeface="+mn-cs"/>
-              </a:defRPr>
-            </a:lvl2pPr>
-            <a:lvl3pPr marL="1147763" indent="-233363" algn="l" defTabSz="914400" rtl="0" eaLnBrk="1" latinLnBrk="0" hangingPunct="1">
-              <a:lnSpc>
-                <a:spcPct val="100000"/>
-              </a:lnSpc>
-              <a:spcBef>
-                <a:spcPts val="1800"/>
-              </a:spcBef>
-              <a:buSzPct val="70000"/>
-              <a:buFont typeface="Arial" panose="020B0604020202020204" pitchFamily="34" charset="0"/>
-              <a:buChar char="•"/>
-              <a:defRPr sz="1800" b="0" i="0" kern="1200">
-                <a:solidFill>
-                  <a:schemeClr val="tx1"/>
-                </a:solidFill>
-                <a:latin typeface="Adobe Clean SemiLight" panose="020B0403020404020204" pitchFamily="34" charset="0"/>
-                <a:ea typeface="+mn-ea"/>
-                <a:cs typeface="+mn-cs"/>
-              </a:defRPr>
-            </a:lvl3pPr>
-            <a:lvl4pPr marL="1604963" indent="-233363" algn="l" defTabSz="914400" rtl="0" eaLnBrk="1" latinLnBrk="0" hangingPunct="1">
-              <a:lnSpc>
-                <a:spcPct val="100000"/>
-              </a:lnSpc>
-              <a:spcBef>
-                <a:spcPts val="1800"/>
-              </a:spcBef>
-              <a:buSzPct val="70000"/>
-              <a:buFont typeface="Arial" panose="020B0604020202020204" pitchFamily="34" charset="0"/>
-              <a:buChar char="•"/>
-              <a:defRPr sz="1600" b="0" i="0" kern="1200">
-                <a:solidFill>
-                  <a:schemeClr val="tx1"/>
-                </a:solidFill>
-                <a:latin typeface="Adobe Clean SemiLight" panose="020B0403020404020204" pitchFamily="34" charset="0"/>
-                <a:ea typeface="+mn-ea"/>
-                <a:cs typeface="+mn-cs"/>
-              </a:defRPr>
-            </a:lvl4pPr>
-            <a:lvl5pPr marL="2062163" indent="-233363" algn="l" defTabSz="914400" rtl="0" eaLnBrk="1" latinLnBrk="0" hangingPunct="1">
-              <a:lnSpc>
-                <a:spcPct val="100000"/>
-              </a:lnSpc>
-              <a:spcBef>
-                <a:spcPts val="1800"/>
-              </a:spcBef>
-              <a:buSzPct val="70000"/>
-              <a:buFont typeface="Arial" panose="020B0604020202020204" pitchFamily="34" charset="0"/>
-              <a:buChar char="•"/>
-              <a:defRPr sz="1400" b="0" i="0" kern="1200">
-                <a:solidFill>
-                  <a:schemeClr val="tx1"/>
-                </a:solidFill>
-                <a:latin typeface="Adobe Clean SemiLight" panose="020B0403020404020204" pitchFamily="34" charset="0"/>
-                <a:ea typeface="+mn-ea"/>
-                <a:cs typeface="+mn-cs"/>
-              </a:defRPr>
-            </a:lvl5pPr>
-            <a:lvl6pPr marL="2514600" indent="-228600" algn="l" defTabSz="914400" rtl="0" eaLnBrk="1" latinLnBrk="0" hangingPunct="1">
-              <a:lnSpc>
-                <a:spcPct val="90000"/>
-              </a:lnSpc>
-              <a:spcBef>
-                <a:spcPts val="500"/>
-              </a:spcBef>
-              <a:buFont typeface="Arial" panose="020B0604020202020204" pitchFamily="34" charset="0"/>
-              <a:buChar char="•"/>
-              <a:defRPr sz="1800" kern="1200">
-                <a:solidFill>
-                  <a:schemeClr val="tx1"/>
-                </a:solidFill>
-                <a:latin typeface="+mn-lt"/>
-                <a:ea typeface="+mn-ea"/>
-                <a:cs typeface="+mn-cs"/>
-              </a:defRPr>
-            </a:lvl6pPr>
-            <a:lvl7pPr marL="2971800" indent="-228600" algn="l" defTabSz="914400" rtl="0" eaLnBrk="1" latinLnBrk="0" hangingPunct="1">
-              <a:lnSpc>
-                <a:spcPct val="90000"/>
-              </a:lnSpc>
-              <a:spcBef>
-                <a:spcPts val="500"/>
-              </a:spcBef>
-              <a:buFont typeface="Arial" panose="020B0604020202020204" pitchFamily="34" charset="0"/>
-              <a:buChar char="•"/>
-              <a:defRPr sz="1800" kern="1200">
-                <a:solidFill>
-                  <a:schemeClr val="tx1"/>
-                </a:solidFill>
-                <a:latin typeface="+mn-lt"/>
-                <a:ea typeface="+mn-ea"/>
-                <a:cs typeface="+mn-cs"/>
-              </a:defRPr>
-            </a:lvl7pPr>
-            <a:lvl8pPr marL="3429000" indent="-228600" algn="l" defTabSz="914400" rtl="0" eaLnBrk="1" latinLnBrk="0" hangingPunct="1">
-              <a:lnSpc>
-                <a:spcPct val="90000"/>
-              </a:lnSpc>
-              <a:spcBef>
-                <a:spcPts val="500"/>
-              </a:spcBef>
-              <a:buFont typeface="Arial" panose="020B0604020202020204" pitchFamily="34" charset="0"/>
-              <a:buChar char="•"/>
-              <a:defRPr sz="1800" kern="1200">
-                <a:solidFill>
-                  <a:schemeClr val="tx1"/>
-                </a:solidFill>
-                <a:latin typeface="+mn-lt"/>
-                <a:ea typeface="+mn-ea"/>
-                <a:cs typeface="+mn-cs"/>
-              </a:defRPr>
-            </a:lvl8pPr>
-            <a:lvl9pPr marL="3886200" indent="-228600" algn="l" defTabSz="914400" rtl="0" eaLnBrk="1" latinLnBrk="0" hangingPunct="1">
-              <a:lnSpc>
-                <a:spcPct val="90000"/>
-              </a:lnSpc>
-              <a:spcBef>
-                <a:spcPts val="500"/>
-              </a:spcBef>
-              <a:buFont typeface="Arial" panose="020B0604020202020204" pitchFamily="34" charset="0"/>
-              <a:buChar char="•"/>
-              <a:defRPr sz="1800" kern="1200">
-                <a:solidFill>
-                  <a:schemeClr val="tx1"/>
-                </a:solidFill>
-                <a:latin typeface="+mn-lt"/>
-                <a:ea typeface="+mn-ea"/>
-                <a:cs typeface="+mn-cs"/>
-              </a:defRPr>
-            </a:lvl9pPr>
-          </a:lstStyle>
-          <a:p>
-            <a:pPr marL="0" marR="0" lvl="0" indent="0" algn="ctr" defTabSz="914400" rtl="0" eaLnBrk="1" fontAlgn="auto" latinLnBrk="0" hangingPunct="1">
-              <a:lnSpc>
-                <a:spcPct val="100000"/>
-              </a:lnSpc>
-              <a:spcBef>
-                <a:spcPts val="1800"/>
-              </a:spcBef>
-              <a:spcAft>
-                <a:spcPts val="0"/>
-              </a:spcAft>
-              <a:buClrTx/>
-              <a:buSzPct val="70000"/>
-              <a:buFont typeface="Arial" panose="020B0604020202020204" pitchFamily="34" charset="0"/>
-              <a:buNone/>
-              <a:tabLst/>
-              <a:defRPr/>
-            </a:pPr>
-            <a:r>
-              <a:rPr kumimoji="0" lang="en-US" sz="2000" b="0" i="0" u="none" strike="noStrike" kern="1200" cap="none" spc="0" normalizeH="0" baseline="0" noProof="0" dirty="0">
-                <a:ln>
-                  <a:noFill/>
-                </a:ln>
-                <a:solidFill>
-                  <a:srgbClr val="414141"/>
-                </a:solidFill>
-                <a:effectLst/>
-                <a:uLnTx/>
-                <a:uFillTx/>
-                <a:latin typeface="Adobe Clean ExtraBold"/>
-                <a:ea typeface="+mn-ea"/>
-                <a:cs typeface="+mn-cs"/>
-              </a:rPr>
-              <a:t>[Company Logo]</a:t>
-            </a:r>
-          </a:p>
-        </p:txBody>
-      </p:sp>
-      <p:sp>
-        <p:nvSpPr>
-          <p:cNvPr id="82" name="Rounded Rectangle 81">
-            <a:extLst>
-              <a:ext uri="{FF2B5EF4-FFF2-40B4-BE49-F238E27FC236}">
-                <a16:creationId xmlns:a16="http://schemas.microsoft.com/office/drawing/2014/main" id="{93D19BAA-325C-0A40-9CBD-057DA8D19418}"/>
-              </a:ext>
-            </a:extLst>
-          </p:cNvPr>
-          <p:cNvSpPr/>
-          <p:nvPr/>
-        </p:nvSpPr>
-        <p:spPr>
-          <a:xfrm>
-            <a:off x="-2544901" y="2102679"/>
-            <a:ext cx="2286000" cy="785037"/>
-          </a:xfrm>
-          <a:prstGeom prst="roundRect">
-            <a:avLst/>
-          </a:prstGeom>
-          <a:solidFill>
-            <a:srgbClr val="F2F5F7"/>
-          </a:solidFill>
-          <a:ln w="12700" cap="flat" cmpd="sng" algn="ctr">
-            <a:noFill/>
-            <a:prstDash val="solid"/>
-            <a:miter lim="800000"/>
-          </a:ln>
-          <a:effectLst/>
-        </p:spPr>
-        <p:txBody>
-          <a:bodyPr rtlCol="0" anchor="ctr"/>
-          <a:lstStyle/>
-          <a:p>
-            <a:pPr marL="0" marR="0" lvl="0" indent="0" algn="ctr" defTabSz="685577" rtl="0" eaLnBrk="1" fontAlgn="auto" latinLnBrk="0" hangingPunct="1">
-              <a:lnSpc>
-                <a:spcPct val="100000"/>
-              </a:lnSpc>
-              <a:spcBef>
-                <a:spcPts val="0"/>
-              </a:spcBef>
-              <a:spcAft>
-                <a:spcPts val="0"/>
-              </a:spcAft>
-              <a:buClr>
-                <a:srgbClr val="00B050"/>
-              </a:buClr>
-              <a:buSzTx/>
-              <a:buFontTx/>
-              <a:buNone/>
-              <a:tabLst/>
-              <a:defRPr/>
-            </a:pPr>
-            <a:r>
-              <a:rPr kumimoji="0" lang="en-US" sz="1600" b="0" i="0" u="none" strike="noStrike" kern="0" cap="none" spc="0" normalizeH="0" baseline="0" noProof="0">
-                <a:ln>
-                  <a:noFill/>
-                </a:ln>
-                <a:solidFill>
-                  <a:srgbClr val="000000"/>
-                </a:solidFill>
-                <a:effectLst/>
-                <a:uLnTx/>
-                <a:uFillTx/>
-                <a:latin typeface="Adobe Clean SemiLight" panose="020B0403020404020204" pitchFamily="34" charset="0"/>
-                <a:ea typeface="+mn-ea"/>
-                <a:cs typeface="+mn-cs"/>
-              </a:rPr>
-              <a:t>Drive Efficiencies to unlock cost savings</a:t>
-            </a:r>
-          </a:p>
-        </p:txBody>
-      </p:sp>
-      <p:sp>
-        <p:nvSpPr>
-          <p:cNvPr id="83" name="Rounded Rectangle 6">
-            <a:extLst>
-              <a:ext uri="{FF2B5EF4-FFF2-40B4-BE49-F238E27FC236}">
-                <a16:creationId xmlns:a16="http://schemas.microsoft.com/office/drawing/2014/main" id="{D22B34E4-54E9-8246-80FB-AAAA7F86CCC7}"/>
-              </a:ext>
-            </a:extLst>
-          </p:cNvPr>
-          <p:cNvSpPr/>
-          <p:nvPr/>
-        </p:nvSpPr>
-        <p:spPr>
-          <a:xfrm>
-            <a:off x="-2585803" y="1177396"/>
-            <a:ext cx="2286000" cy="785037"/>
-          </a:xfrm>
-          <a:prstGeom prst="roundRect">
-            <a:avLst/>
-          </a:prstGeom>
-          <a:solidFill>
-            <a:srgbClr val="F2F5F7"/>
-          </a:solidFill>
-          <a:ln w="12700" cap="flat" cmpd="sng" algn="ctr">
-            <a:noFill/>
-            <a:prstDash val="solid"/>
-            <a:miter lim="800000"/>
-          </a:ln>
-          <a:effectLst/>
-        </p:spPr>
-        <p:txBody>
-          <a:bodyPr rtlCol="0" anchor="ctr"/>
-          <a:lstStyle/>
-          <a:p>
-            <a:pPr marL="0" marR="0" lvl="0" indent="0" algn="ctr" defTabSz="685577" rtl="0" eaLnBrk="1" fontAlgn="auto" latinLnBrk="0" hangingPunct="1">
-              <a:lnSpc>
-                <a:spcPct val="100000"/>
-              </a:lnSpc>
-              <a:spcBef>
-                <a:spcPts val="0"/>
-              </a:spcBef>
-              <a:spcAft>
-                <a:spcPts val="0"/>
-              </a:spcAft>
-              <a:buClr>
-                <a:srgbClr val="00B050"/>
-              </a:buClr>
-              <a:buSzTx/>
-              <a:buFontTx/>
-              <a:buNone/>
-              <a:tabLst/>
-              <a:defRPr/>
-            </a:pPr>
-            <a:r>
-              <a:rPr kumimoji="0" lang="en-US" sz="1600" b="0" i="0" u="none" strike="noStrike" kern="0" cap="none" spc="0" normalizeH="0" baseline="0" noProof="0">
-                <a:ln>
-                  <a:noFill/>
-                </a:ln>
-                <a:solidFill>
-                  <a:srgbClr val="000000"/>
-                </a:solidFill>
-                <a:effectLst/>
-                <a:uLnTx/>
-                <a:uFillTx/>
-                <a:latin typeface="Adobe Clean SemiLight" panose="020B0403020404020204" pitchFamily="34" charset="0"/>
-                <a:ea typeface="+mn-ea"/>
-                <a:cs typeface="+mn-cs"/>
-              </a:rPr>
-              <a:t>Drive Growth via acquisition and engagement</a:t>
-            </a:r>
-          </a:p>
-        </p:txBody>
-      </p:sp>
-      <p:sp>
-        <p:nvSpPr>
-          <p:cNvPr id="84" name="Rounded Rectangle 6">
-            <a:extLst>
-              <a:ext uri="{FF2B5EF4-FFF2-40B4-BE49-F238E27FC236}">
-                <a16:creationId xmlns:a16="http://schemas.microsoft.com/office/drawing/2014/main" id="{D2C94847-4B90-A44D-87AB-5A83C3B709E8}"/>
-              </a:ext>
-            </a:extLst>
-          </p:cNvPr>
-          <p:cNvSpPr/>
-          <p:nvPr/>
-        </p:nvSpPr>
-        <p:spPr>
-          <a:xfrm>
-            <a:off x="-2544901" y="3900259"/>
-            <a:ext cx="2286000" cy="785037"/>
-          </a:xfrm>
-          <a:prstGeom prst="roundRect">
-            <a:avLst/>
-          </a:prstGeom>
-          <a:solidFill>
-            <a:srgbClr val="F2F5F7"/>
-          </a:solidFill>
-          <a:ln w="12700" cap="flat" cmpd="sng" algn="ctr">
-            <a:noFill/>
-            <a:prstDash val="solid"/>
-            <a:miter lim="800000"/>
-          </a:ln>
-          <a:effectLst/>
-        </p:spPr>
-        <p:txBody>
-          <a:bodyPr rtlCol="0" anchor="ctr"/>
-          <a:lstStyle/>
-          <a:p>
-            <a:pPr marL="0" marR="0" lvl="0" indent="0" algn="ctr" defTabSz="685577" rtl="0" eaLnBrk="1" fontAlgn="auto" latinLnBrk="0" hangingPunct="1">
-              <a:lnSpc>
-                <a:spcPct val="100000"/>
-              </a:lnSpc>
-              <a:spcBef>
-                <a:spcPts val="0"/>
-              </a:spcBef>
-              <a:spcAft>
-                <a:spcPts val="0"/>
-              </a:spcAft>
-              <a:buClr>
-                <a:srgbClr val="00B050"/>
-              </a:buClr>
-              <a:buSzTx/>
-              <a:buFontTx/>
-              <a:buNone/>
-              <a:tabLst/>
-              <a:defRPr/>
-            </a:pPr>
-            <a:r>
-              <a:rPr kumimoji="0" lang="en-US" sz="1600" b="0" i="0" u="none" strike="noStrike" kern="0" cap="none" spc="0" normalizeH="0" baseline="0" noProof="0">
-                <a:ln>
-                  <a:noFill/>
-                </a:ln>
-                <a:solidFill>
-                  <a:srgbClr val="000000"/>
-                </a:solidFill>
-                <a:effectLst/>
-                <a:uLnTx/>
-                <a:uFillTx/>
-                <a:latin typeface="Adobe Clean SemiLight" panose="020B0403020404020204" pitchFamily="34" charset="0"/>
-                <a:ea typeface="+mn-ea"/>
-                <a:cs typeface="+mn-cs"/>
-              </a:rPr>
-              <a:t>Gather deeper insights to customer action </a:t>
-            </a:r>
-          </a:p>
-        </p:txBody>
-      </p:sp>
-      <p:sp>
-        <p:nvSpPr>
-          <p:cNvPr id="85" name="Rounded Rectangle 84">
-            <a:extLst>
-              <a:ext uri="{FF2B5EF4-FFF2-40B4-BE49-F238E27FC236}">
-                <a16:creationId xmlns:a16="http://schemas.microsoft.com/office/drawing/2014/main" id="{0212DC12-11DB-4F4E-8219-7B3767C8F0C3}"/>
-              </a:ext>
-            </a:extLst>
-          </p:cNvPr>
-          <p:cNvSpPr/>
-          <p:nvPr/>
-        </p:nvSpPr>
-        <p:spPr>
-          <a:xfrm>
-            <a:off x="-2544901" y="3006694"/>
-            <a:ext cx="2286000" cy="785037"/>
-          </a:xfrm>
-          <a:prstGeom prst="roundRect">
-            <a:avLst/>
-          </a:prstGeom>
-          <a:solidFill>
-            <a:srgbClr val="F2F5F7"/>
-          </a:solidFill>
-          <a:ln w="12700" cap="flat" cmpd="sng" algn="ctr">
-            <a:noFill/>
-            <a:prstDash val="solid"/>
-            <a:miter lim="800000"/>
-          </a:ln>
-          <a:effectLst/>
-        </p:spPr>
-        <p:txBody>
-          <a:bodyPr rtlCol="0" anchor="ctr"/>
-          <a:lstStyle/>
-          <a:p>
-            <a:pPr marL="0" marR="0" lvl="0" indent="0" algn="ctr" defTabSz="685577" rtl="0" eaLnBrk="1" fontAlgn="auto" latinLnBrk="0" hangingPunct="1">
-              <a:lnSpc>
-                <a:spcPct val="100000"/>
-              </a:lnSpc>
-              <a:spcBef>
-                <a:spcPts val="0"/>
-              </a:spcBef>
-              <a:spcAft>
-                <a:spcPts val="0"/>
-              </a:spcAft>
-              <a:buClr>
-                <a:srgbClr val="00B050"/>
-              </a:buClr>
-              <a:buSzTx/>
-              <a:buFontTx/>
-              <a:buNone/>
-              <a:tabLst/>
-              <a:defRPr/>
-            </a:pPr>
-            <a:r>
-              <a:rPr kumimoji="0" lang="en-US" sz="1600" b="0" i="0" u="none" strike="noStrike" kern="0" cap="none" spc="0" normalizeH="0" baseline="0" noProof="0">
-                <a:ln>
-                  <a:noFill/>
-                </a:ln>
-                <a:solidFill>
-                  <a:srgbClr val="000000"/>
-                </a:solidFill>
-                <a:effectLst/>
-                <a:uLnTx/>
-                <a:uFillTx/>
-                <a:latin typeface="Adobe Clean SemiLight" panose="020B0403020404020204" pitchFamily="34" charset="0"/>
-                <a:ea typeface="+mn-ea"/>
-                <a:cs typeface="+mn-cs"/>
-              </a:rPr>
-              <a:t>Deepen existing relationships</a:t>
-            </a:r>
-          </a:p>
-        </p:txBody>
-      </p:sp>
-      <p:sp>
-        <p:nvSpPr>
-          <p:cNvPr id="86" name="Rounded Rectangle 6">
-            <a:extLst>
-              <a:ext uri="{FF2B5EF4-FFF2-40B4-BE49-F238E27FC236}">
-                <a16:creationId xmlns:a16="http://schemas.microsoft.com/office/drawing/2014/main" id="{C79BC57D-7D50-374E-8232-4B03D3F54234}"/>
-              </a:ext>
-            </a:extLst>
-          </p:cNvPr>
-          <p:cNvSpPr/>
-          <p:nvPr/>
-        </p:nvSpPr>
-        <p:spPr>
-          <a:xfrm>
-            <a:off x="-2544901" y="305099"/>
-            <a:ext cx="2286000" cy="785037"/>
-          </a:xfrm>
-          <a:prstGeom prst="roundRect">
-            <a:avLst/>
-          </a:prstGeom>
-          <a:solidFill>
-            <a:srgbClr val="F2F5F7"/>
-          </a:solidFill>
-          <a:ln w="12700" cap="flat" cmpd="sng" algn="ctr">
-            <a:noFill/>
-            <a:prstDash val="solid"/>
-            <a:miter lim="800000"/>
-          </a:ln>
-          <a:effectLst/>
-        </p:spPr>
-        <p:txBody>
-          <a:bodyPr rtlCol="0" anchor="ctr"/>
-          <a:lstStyle/>
-          <a:p>
-            <a:pPr marL="0" marR="0" lvl="0" indent="0" algn="ctr" defTabSz="685577" rtl="0" eaLnBrk="1" fontAlgn="auto" latinLnBrk="0" hangingPunct="1">
-              <a:lnSpc>
-                <a:spcPct val="100000"/>
-              </a:lnSpc>
-              <a:spcBef>
-                <a:spcPts val="0"/>
-              </a:spcBef>
-              <a:spcAft>
-                <a:spcPts val="0"/>
-              </a:spcAft>
-              <a:buClr>
-                <a:srgbClr val="00B050"/>
-              </a:buClr>
-              <a:buSzTx/>
-              <a:buFontTx/>
-              <a:buNone/>
-              <a:tabLst/>
-              <a:defRPr/>
-            </a:pPr>
-            <a:r>
-              <a:rPr kumimoji="0" lang="en-US" sz="1600" b="0" i="0" u="none" strike="noStrike" kern="0" cap="none" spc="0" normalizeH="0" baseline="0" noProof="0">
-                <a:ln>
-                  <a:noFill/>
-                </a:ln>
-                <a:solidFill>
-                  <a:srgbClr val="000000"/>
-                </a:solidFill>
-                <a:effectLst/>
-                <a:uLnTx/>
-                <a:uFillTx/>
-                <a:latin typeface="Adobe Clean SemiLight" panose="020B0403020404020204" pitchFamily="34" charset="0"/>
-                <a:ea typeface="+mn-ea"/>
-                <a:cs typeface="+mn-cs"/>
-              </a:rPr>
-              <a:t>See alternative Business Objectives below</a:t>
-            </a:r>
-          </a:p>
-        </p:txBody>
-      </p:sp>
-      <p:sp>
-        <p:nvSpPr>
-          <p:cNvPr id="87" name="Rounded Rectangle 86">
-            <a:extLst>
-              <a:ext uri="{FF2B5EF4-FFF2-40B4-BE49-F238E27FC236}">
-                <a16:creationId xmlns:a16="http://schemas.microsoft.com/office/drawing/2014/main" id="{37CDD4C1-E231-5642-B979-42DB9E40987D}"/>
-              </a:ext>
-            </a:extLst>
-          </p:cNvPr>
-          <p:cNvSpPr/>
-          <p:nvPr/>
-        </p:nvSpPr>
-        <p:spPr>
-          <a:xfrm>
-            <a:off x="12381287" y="2250774"/>
-            <a:ext cx="2872117" cy="1010796"/>
-          </a:xfrm>
-          <a:prstGeom prst="roundRect">
-            <a:avLst/>
-          </a:prstGeom>
-          <a:solidFill>
-            <a:srgbClr val="F2F5F7"/>
-          </a:solidFill>
-          <a:ln w="12700" cap="flat" cmpd="sng" algn="ctr">
-            <a:noFill/>
-            <a:prstDash val="solid"/>
-            <a:miter lim="800000"/>
-          </a:ln>
-          <a:effectLst/>
-        </p:spPr>
-        <p:txBody>
-          <a:bodyPr rtlCol="0" anchor="ctr"/>
-          <a:lstStyle/>
-          <a:p>
-            <a:pPr marL="0" marR="0" lvl="0" indent="0" algn="ctr" defTabSz="685577" rtl="0" eaLnBrk="1" fontAlgn="auto" latinLnBrk="0" hangingPunct="1">
-              <a:lnSpc>
-                <a:spcPct val="100000"/>
-              </a:lnSpc>
-              <a:spcBef>
-                <a:spcPts val="0"/>
-              </a:spcBef>
-              <a:spcAft>
-                <a:spcPts val="0"/>
-              </a:spcAft>
-              <a:buClr>
-                <a:srgbClr val="00B050"/>
-              </a:buClr>
-              <a:buSzTx/>
-              <a:buFontTx/>
-              <a:buNone/>
-              <a:tabLst/>
-              <a:defRPr/>
-            </a:pPr>
-            <a:r>
-              <a:rPr kumimoji="0" lang="en-US" sz="1600" b="0" i="0" u="none" strike="noStrike" kern="0" cap="none" spc="0" normalizeH="0" baseline="0" noProof="0">
-                <a:ln>
-                  <a:noFill/>
-                </a:ln>
-                <a:solidFill>
-                  <a:srgbClr val="000000"/>
-                </a:solidFill>
-                <a:effectLst/>
-                <a:uLnTx/>
-                <a:uFillTx/>
-                <a:latin typeface="Adobe Clean SemiLight" panose="020B0403020404020204" pitchFamily="34" charset="0"/>
-                <a:ea typeface="+mn-ea"/>
-                <a:cs typeface="+mn-cs"/>
-              </a:rPr>
-              <a:t>Synergize data and content tooling to provide optimal experience internally &amp; externally</a:t>
-            </a:r>
-          </a:p>
-        </p:txBody>
-      </p:sp>
-      <p:sp>
-        <p:nvSpPr>
-          <p:cNvPr id="88" name="Rounded Rectangle 87">
-            <a:extLst>
-              <a:ext uri="{FF2B5EF4-FFF2-40B4-BE49-F238E27FC236}">
-                <a16:creationId xmlns:a16="http://schemas.microsoft.com/office/drawing/2014/main" id="{9AEB1243-C28C-9941-8CB0-A6D7F8AED7DD}"/>
-              </a:ext>
-            </a:extLst>
-          </p:cNvPr>
-          <p:cNvSpPr/>
-          <p:nvPr/>
-        </p:nvSpPr>
-        <p:spPr>
-          <a:xfrm>
-            <a:off x="12396806" y="1357378"/>
-            <a:ext cx="2208906" cy="785037"/>
-          </a:xfrm>
-          <a:prstGeom prst="roundRect">
-            <a:avLst/>
-          </a:prstGeom>
-          <a:solidFill>
-            <a:srgbClr val="F2F5F7"/>
-          </a:solidFill>
-          <a:ln w="12700" cap="flat" cmpd="sng" algn="ctr">
-            <a:noFill/>
-            <a:prstDash val="solid"/>
-            <a:miter lim="800000"/>
-          </a:ln>
-          <a:effectLst/>
-        </p:spPr>
-        <p:txBody>
-          <a:bodyPr rtlCol="0" anchor="ctr"/>
-          <a:lstStyle/>
-          <a:p>
-            <a:pPr marL="0" marR="0" lvl="0" indent="0" algn="ctr" defTabSz="685577" rtl="0" eaLnBrk="1" fontAlgn="auto" latinLnBrk="0" hangingPunct="1">
-              <a:lnSpc>
-                <a:spcPct val="100000"/>
-              </a:lnSpc>
-              <a:spcBef>
-                <a:spcPts val="0"/>
-              </a:spcBef>
-              <a:spcAft>
-                <a:spcPts val="0"/>
-              </a:spcAft>
-              <a:buClr>
-                <a:srgbClr val="00B050"/>
-              </a:buClr>
-              <a:buSzTx/>
-              <a:buFontTx/>
-              <a:buNone/>
-              <a:tabLst/>
-              <a:defRPr/>
-            </a:pPr>
-            <a:r>
-              <a:rPr kumimoji="0" lang="en-US" sz="1600" b="0" i="0" u="none" strike="noStrike" kern="0" cap="none" spc="0" normalizeH="0" baseline="0" noProof="0">
-                <a:ln>
-                  <a:noFill/>
-                </a:ln>
-                <a:solidFill>
-                  <a:srgbClr val="000000"/>
-                </a:solidFill>
-                <a:effectLst/>
-                <a:uLnTx/>
-                <a:uFillTx/>
-                <a:latin typeface="Adobe Clean SemiLight" panose="020B0403020404020204" pitchFamily="34" charset="0"/>
-                <a:ea typeface="+mn-ea"/>
-                <a:cs typeface="+mn-cs"/>
-              </a:rPr>
-              <a:t>Achieve a Consolidated view of data across touchpoints</a:t>
-            </a:r>
-          </a:p>
-        </p:txBody>
-      </p:sp>
-      <p:sp>
-        <p:nvSpPr>
-          <p:cNvPr id="89" name="Rounded Rectangle 88">
-            <a:extLst>
-              <a:ext uri="{FF2B5EF4-FFF2-40B4-BE49-F238E27FC236}">
-                <a16:creationId xmlns:a16="http://schemas.microsoft.com/office/drawing/2014/main" id="{E137C889-89AE-B245-BCD5-BDC7FF805A6A}"/>
-              </a:ext>
-            </a:extLst>
-          </p:cNvPr>
-          <p:cNvSpPr/>
-          <p:nvPr/>
-        </p:nvSpPr>
-        <p:spPr>
-          <a:xfrm>
-            <a:off x="12396806" y="4266572"/>
-            <a:ext cx="2475074" cy="785037"/>
-          </a:xfrm>
-          <a:prstGeom prst="roundRect">
-            <a:avLst/>
-          </a:prstGeom>
-          <a:solidFill>
-            <a:srgbClr val="F2F5F7"/>
-          </a:solidFill>
-          <a:ln w="12700" cap="flat" cmpd="sng" algn="ctr">
-            <a:noFill/>
-            <a:prstDash val="solid"/>
-            <a:miter lim="800000"/>
-          </a:ln>
-          <a:effectLst/>
-        </p:spPr>
-        <p:txBody>
-          <a:bodyPr rtlCol="0" anchor="ctr"/>
-          <a:lstStyle/>
-          <a:p>
-            <a:pPr marL="0" marR="0" lvl="0" indent="0" algn="ctr" defTabSz="685577" rtl="0" eaLnBrk="1" fontAlgn="auto" latinLnBrk="0" hangingPunct="1">
-              <a:lnSpc>
-                <a:spcPct val="100000"/>
-              </a:lnSpc>
-              <a:spcBef>
-                <a:spcPts val="0"/>
-              </a:spcBef>
-              <a:spcAft>
-                <a:spcPts val="0"/>
-              </a:spcAft>
-              <a:buClr>
-                <a:srgbClr val="00B050"/>
-              </a:buClr>
-              <a:buSzTx/>
-              <a:buFontTx/>
-              <a:buNone/>
-              <a:tabLst/>
-              <a:defRPr/>
-            </a:pPr>
-            <a:r>
-              <a:rPr kumimoji="0" lang="en-US" sz="1600" b="0" i="0" u="none" strike="noStrike" kern="0" cap="none" spc="0" normalizeH="0" baseline="0" noProof="0">
-                <a:ln>
-                  <a:noFill/>
-                </a:ln>
-                <a:solidFill>
-                  <a:srgbClr val="000000"/>
-                </a:solidFill>
-                <a:effectLst/>
-                <a:uLnTx/>
-                <a:uFillTx/>
-                <a:latin typeface="Adobe Clean SemiLight" panose="020B0403020404020204" pitchFamily="34" charset="0"/>
-                <a:ea typeface="+mn-ea"/>
-                <a:cs typeface="+mn-cs"/>
-              </a:rPr>
-              <a:t>Optimize customer engagement through measurement and insights</a:t>
-            </a:r>
-          </a:p>
-        </p:txBody>
-      </p:sp>
-      <p:sp>
-        <p:nvSpPr>
-          <p:cNvPr id="90" name="Rounded Rectangle 89">
-            <a:extLst>
-              <a:ext uri="{FF2B5EF4-FFF2-40B4-BE49-F238E27FC236}">
-                <a16:creationId xmlns:a16="http://schemas.microsoft.com/office/drawing/2014/main" id="{3382FD17-19DC-4546-B371-5797CA495C1E}"/>
-              </a:ext>
-            </a:extLst>
-          </p:cNvPr>
-          <p:cNvSpPr/>
-          <p:nvPr/>
-        </p:nvSpPr>
-        <p:spPr>
-          <a:xfrm>
-            <a:off x="12381287" y="3373176"/>
-            <a:ext cx="2521452" cy="785037"/>
-          </a:xfrm>
-          <a:prstGeom prst="roundRect">
-            <a:avLst/>
-          </a:prstGeom>
-          <a:solidFill>
-            <a:srgbClr val="F2F5F7"/>
-          </a:solidFill>
-          <a:ln w="12700" cap="flat" cmpd="sng" algn="ctr">
-            <a:noFill/>
-            <a:prstDash val="solid"/>
-            <a:miter lim="800000"/>
-          </a:ln>
-          <a:effectLst/>
-        </p:spPr>
-        <p:txBody>
-          <a:bodyPr rtlCol="0" anchor="ctr"/>
-          <a:lstStyle/>
-          <a:p>
-            <a:pPr marL="0" marR="0" lvl="0" indent="0" algn="ctr" defTabSz="685577" rtl="0" eaLnBrk="1" fontAlgn="auto" latinLnBrk="0" hangingPunct="1">
-              <a:lnSpc>
-                <a:spcPct val="100000"/>
-              </a:lnSpc>
-              <a:spcBef>
-                <a:spcPts val="0"/>
-              </a:spcBef>
-              <a:spcAft>
-                <a:spcPts val="0"/>
-              </a:spcAft>
-              <a:buClr>
-                <a:srgbClr val="00B050"/>
-              </a:buClr>
-              <a:buSzTx/>
-              <a:buFontTx/>
-              <a:buNone/>
-              <a:tabLst/>
-              <a:defRPr/>
-            </a:pPr>
-            <a:r>
-              <a:rPr kumimoji="0" lang="en-US" sz="1600" b="0" i="0" u="none" strike="noStrike" kern="0" cap="none" spc="0" normalizeH="0" baseline="0" noProof="0">
-                <a:ln>
-                  <a:noFill/>
-                </a:ln>
-                <a:solidFill>
-                  <a:srgbClr val="000000"/>
-                </a:solidFill>
-                <a:effectLst/>
-                <a:uLnTx/>
-                <a:uFillTx/>
-                <a:latin typeface="Adobe Clean SemiLight" panose="020B0403020404020204" pitchFamily="34" charset="0"/>
-                <a:ea typeface="+mn-ea"/>
-                <a:cs typeface="+mn-cs"/>
-              </a:rPr>
-              <a:t>Deploy relevant experiences to the right user, at the right time</a:t>
-            </a:r>
-          </a:p>
-        </p:txBody>
-      </p:sp>
-      <p:sp>
-        <p:nvSpPr>
-          <p:cNvPr id="91" name="Rounded Rectangle 6">
-            <a:extLst>
-              <a:ext uri="{FF2B5EF4-FFF2-40B4-BE49-F238E27FC236}">
-                <a16:creationId xmlns:a16="http://schemas.microsoft.com/office/drawing/2014/main" id="{BE7D1AED-C85A-4844-935B-FE3B72DB1E4E}"/>
-              </a:ext>
-            </a:extLst>
-          </p:cNvPr>
-          <p:cNvSpPr/>
-          <p:nvPr/>
-        </p:nvSpPr>
-        <p:spPr>
-          <a:xfrm>
-            <a:off x="12396806" y="462662"/>
-            <a:ext cx="2286000" cy="785037"/>
-          </a:xfrm>
-          <a:prstGeom prst="roundRect">
-            <a:avLst/>
-          </a:prstGeom>
-          <a:solidFill>
-            <a:srgbClr val="F2F5F7"/>
-          </a:solidFill>
-          <a:ln w="12700" cap="flat" cmpd="sng" algn="ctr">
-            <a:noFill/>
-            <a:prstDash val="solid"/>
-            <a:miter lim="800000"/>
-          </a:ln>
-          <a:effectLst/>
-        </p:spPr>
-        <p:txBody>
-          <a:bodyPr rtlCol="0" anchor="ctr"/>
-          <a:lstStyle/>
-          <a:p>
-            <a:pPr marL="0" marR="0" lvl="0" indent="0" algn="ctr" defTabSz="685577" rtl="0" eaLnBrk="1" fontAlgn="auto" latinLnBrk="0" hangingPunct="1">
-              <a:lnSpc>
-                <a:spcPct val="100000"/>
-              </a:lnSpc>
-              <a:spcBef>
-                <a:spcPts val="0"/>
-              </a:spcBef>
-              <a:spcAft>
-                <a:spcPts val="0"/>
-              </a:spcAft>
-              <a:buClr>
-                <a:srgbClr val="00B050"/>
-              </a:buClr>
-              <a:buSzTx/>
-              <a:buFontTx/>
-              <a:buNone/>
-              <a:tabLst/>
-              <a:defRPr/>
-            </a:pPr>
-            <a:r>
-              <a:rPr kumimoji="0" lang="en-US" sz="1600" b="0" i="0" u="none" strike="noStrike" kern="0" cap="none" spc="0" normalizeH="0" baseline="0" noProof="0">
-                <a:ln>
-                  <a:noFill/>
-                </a:ln>
-                <a:solidFill>
-                  <a:srgbClr val="000000"/>
-                </a:solidFill>
-                <a:effectLst/>
-                <a:uLnTx/>
-                <a:uFillTx/>
-                <a:latin typeface="Adobe Clean SemiLight" panose="020B0403020404020204" pitchFamily="34" charset="0"/>
-                <a:ea typeface="+mn-ea"/>
-                <a:cs typeface="+mn-cs"/>
-              </a:rPr>
-              <a:t>See alternative Digital Priorities below</a:t>
-            </a:r>
-          </a:p>
-        </p:txBody>
-      </p:sp>
-      <p:sp>
-        <p:nvSpPr>
-          <p:cNvPr id="94" name="TextBox 93">
-            <a:extLst>
-              <a:ext uri="{FF2B5EF4-FFF2-40B4-BE49-F238E27FC236}">
-                <a16:creationId xmlns:a16="http://schemas.microsoft.com/office/drawing/2014/main" id="{BCE8DB10-0E5B-844E-B366-9A7031194C89}"/>
-              </a:ext>
-            </a:extLst>
-          </p:cNvPr>
-          <p:cNvSpPr txBox="1"/>
-          <p:nvPr/>
-        </p:nvSpPr>
-        <p:spPr>
-          <a:xfrm>
-            <a:off x="9219241" y="-525298"/>
-            <a:ext cx="3332060" cy="751145"/>
-          </a:xfrm>
-          <a:prstGeom prst="rect">
-            <a:avLst/>
-          </a:prstGeom>
-          <a:solidFill>
-            <a:schemeClr val="tx2">
-              <a:lumMod val="10000"/>
-              <a:lumOff val="90000"/>
-            </a:schemeClr>
-          </a:solidFill>
-          <a:ln>
-            <a:solidFill>
-              <a:schemeClr val="accent6"/>
-            </a:solidFill>
-          </a:ln>
-        </p:spPr>
-        <p:style>
-          <a:lnRef idx="2">
-            <a:schemeClr val="accent1">
-              <a:shade val="50000"/>
-            </a:schemeClr>
-          </a:lnRef>
-          <a:fillRef idx="1">
-            <a:schemeClr val="accent1"/>
-          </a:fillRef>
-          <a:effectRef idx="0">
-            <a:schemeClr val="accent1"/>
-          </a:effectRef>
-          <a:fontRef idx="minor">
-            <a:schemeClr val="lt1"/>
-          </a:fontRef>
-        </p:style>
-        <p:txBody>
-          <a:bodyPr rtlCol="0" anchor="ctr"/>
-          <a:lstStyle>
-            <a:defPPr>
-              <a:defRPr lang="en-US"/>
-            </a:defPPr>
-            <a:lvl1pPr algn="ctr">
-              <a:defRPr>
-                <a:solidFill>
-                  <a:schemeClr val="accent6"/>
-                </a:solidFill>
-              </a:defRPr>
-            </a:lvl1pPr>
-            <a:lvl2pPr>
-              <a:defRPr>
-                <a:solidFill>
-                  <a:schemeClr val="lt1"/>
-                </a:solidFill>
-              </a:defRPr>
-            </a:lvl2pPr>
-            <a:lvl3pPr>
-              <a:defRPr>
-                <a:solidFill>
-                  <a:schemeClr val="lt1"/>
-                </a:solidFill>
-              </a:defRPr>
-            </a:lvl3pPr>
-            <a:lvl4pPr>
-              <a:defRPr>
-                <a:solidFill>
-                  <a:schemeClr val="lt1"/>
-                </a:solidFill>
-              </a:defRPr>
-            </a:lvl4pPr>
-            <a:lvl5pPr>
-              <a:defRPr>
-                <a:solidFill>
-                  <a:schemeClr val="lt1"/>
-                </a:solidFill>
-              </a:defRPr>
-            </a:lvl5pPr>
-            <a:lvl6pPr>
-              <a:defRPr>
-                <a:solidFill>
-                  <a:schemeClr val="lt1"/>
-                </a:solidFill>
-              </a:defRPr>
-            </a:lvl6pPr>
-            <a:lvl7pPr>
-              <a:defRPr>
-                <a:solidFill>
-                  <a:schemeClr val="lt1"/>
-                </a:solidFill>
-              </a:defRPr>
-            </a:lvl7pPr>
-            <a:lvl8pPr>
-              <a:defRPr>
-                <a:solidFill>
-                  <a:schemeClr val="lt1"/>
-                </a:solidFill>
-              </a:defRPr>
-            </a:lvl8pPr>
-            <a:lvl9pPr>
-              <a:defRPr>
-                <a:solidFill>
-                  <a:schemeClr val="lt1"/>
-                </a:solidFill>
-              </a:defRPr>
-            </a:lvl9pPr>
-          </a:lstStyle>
-          <a:p>
-            <a:pPr marL="0" marR="0" lvl="0" indent="0" algn="ctr" defTabSz="914400" rtl="0" eaLnBrk="1" fontAlgn="auto" latinLnBrk="0" hangingPunct="1">
-              <a:lnSpc>
-                <a:spcPct val="100000"/>
-              </a:lnSpc>
-              <a:spcBef>
-                <a:spcPts val="0"/>
-              </a:spcBef>
-              <a:spcAft>
-                <a:spcPts val="0"/>
-              </a:spcAft>
-              <a:buClrTx/>
-              <a:buSzTx/>
-              <a:buFontTx/>
-              <a:buNone/>
-              <a:tabLst/>
-              <a:defRPr/>
-            </a:pPr>
-            <a:r>
-              <a:rPr kumimoji="0" lang="en-US" sz="1800" b="0" i="0" u="none" strike="noStrike" kern="1200" cap="none" spc="0" normalizeH="0" baseline="0" noProof="0">
-                <a:ln>
-                  <a:noFill/>
-                </a:ln>
-                <a:solidFill>
-                  <a:srgbClr val="FA0F00"/>
-                </a:solidFill>
-                <a:effectLst/>
-                <a:uLnTx/>
-                <a:uFillTx/>
-                <a:latin typeface="Adobe Clean SemiLight"/>
-                <a:ea typeface="+mn-ea"/>
-                <a:cs typeface="+mn-cs"/>
-              </a:rPr>
-              <a:t>[CUSTOMIZE TO CLIENT]</a:t>
-            </a:r>
-          </a:p>
-        </p:txBody>
-      </p:sp>
-      <p:grpSp>
-        <p:nvGrpSpPr>
-          <p:cNvPr id="92" name="Group 91">
-            <a:extLst>
-              <a:ext uri="{FF2B5EF4-FFF2-40B4-BE49-F238E27FC236}">
-                <a16:creationId xmlns:a16="http://schemas.microsoft.com/office/drawing/2014/main" id="{4917DD47-D8C4-4D6D-9B5C-B22E02B7BD88}"/>
-              </a:ext>
-            </a:extLst>
-          </p:cNvPr>
-          <p:cNvGrpSpPr/>
-          <p:nvPr/>
-        </p:nvGrpSpPr>
-        <p:grpSpPr>
-          <a:xfrm>
-            <a:off x="688166" y="4174762"/>
-            <a:ext cx="3217573" cy="1394740"/>
-            <a:chOff x="800889" y="4207541"/>
-            <a:chExt cx="3217573" cy="1394740"/>
-          </a:xfrm>
-        </p:grpSpPr>
-        <p:sp>
-          <p:nvSpPr>
-            <p:cNvPr id="93" name="Rectangle 92">
-              <a:extLst>
-                <a:ext uri="{FF2B5EF4-FFF2-40B4-BE49-F238E27FC236}">
-                  <a16:creationId xmlns:a16="http://schemas.microsoft.com/office/drawing/2014/main" id="{7374B064-2818-43A5-AE2C-69C2AE28FF19}"/>
-                </a:ext>
-              </a:extLst>
-            </p:cNvPr>
-            <p:cNvSpPr/>
-            <p:nvPr/>
-          </p:nvSpPr>
-          <p:spPr>
-            <a:xfrm>
-              <a:off x="800889" y="5233046"/>
-              <a:ext cx="3217573" cy="369235"/>
-            </a:xfrm>
-            <a:prstGeom prst="rect">
-              <a:avLst/>
-            </a:prstGeom>
-            <a:noFill/>
-          </p:spPr>
-          <p:txBody>
-            <a:bodyPr wrap="square" lIns="121824" tIns="60912" rIns="121824" bIns="60912">
-              <a:spAutoFit/>
-            </a:bodyPr>
-            <a:lstStyle/>
-            <a:p>
-              <a:pPr marL="0" marR="0" lvl="0" indent="0" algn="ctr" defTabSz="914400" rtl="0" eaLnBrk="1" fontAlgn="auto" latinLnBrk="0" hangingPunct="1">
-                <a:lnSpc>
-                  <a:spcPct val="100000"/>
-                </a:lnSpc>
-                <a:spcBef>
-                  <a:spcPts val="0"/>
-                </a:spcBef>
-                <a:spcAft>
-                  <a:spcPts val="0"/>
-                </a:spcAft>
-                <a:buClr>
-                  <a:srgbClr val="C30E2E"/>
-                </a:buClr>
-                <a:buSzTx/>
-                <a:buFontTx/>
-                <a:buNone/>
-                <a:tabLst/>
-                <a:defRPr/>
-              </a:pPr>
-              <a:r>
-                <a:rPr kumimoji="0" lang="en-US" sz="1600" b="0" i="0" u="none" strike="noStrike" kern="1200" cap="none" spc="0" normalizeH="0" baseline="0" noProof="0">
-                  <a:ln w="0"/>
-                  <a:solidFill>
-                    <a:srgbClr val="1B1B1B"/>
-                  </a:solidFill>
-                  <a:effectLst/>
-                  <a:uLnTx/>
-                  <a:uFillTx/>
-                  <a:latin typeface="Adobe Clean SemiLight" panose="020B0403020404020204" pitchFamily="34" charset="0"/>
-                  <a:ea typeface="+mn-ea"/>
-                  <a:cs typeface="+mn-cs"/>
-                </a:rPr>
-                <a:t>Increase digital sales</a:t>
-              </a:r>
-            </a:p>
-          </p:txBody>
-        </p:sp>
-        <p:grpSp>
-          <p:nvGrpSpPr>
-            <p:cNvPr id="95" name="Group 94">
-              <a:extLst>
-                <a:ext uri="{FF2B5EF4-FFF2-40B4-BE49-F238E27FC236}">
-                  <a16:creationId xmlns:a16="http://schemas.microsoft.com/office/drawing/2014/main" id="{00E070F6-0ABF-4F27-A1D4-0F231BB373FD}"/>
-                </a:ext>
-              </a:extLst>
-            </p:cNvPr>
-            <p:cNvGrpSpPr/>
-            <p:nvPr/>
-          </p:nvGrpSpPr>
-          <p:grpSpPr>
-            <a:xfrm>
-              <a:off x="1897922" y="4207541"/>
-              <a:ext cx="1012317" cy="1012317"/>
-              <a:chOff x="427395" y="1874316"/>
-              <a:chExt cx="1197417" cy="1197417"/>
-            </a:xfrm>
-          </p:grpSpPr>
-          <p:grpSp>
-            <p:nvGrpSpPr>
-              <p:cNvPr id="97" name="Group 96">
-                <a:extLst>
-                  <a:ext uri="{FF2B5EF4-FFF2-40B4-BE49-F238E27FC236}">
-                    <a16:creationId xmlns:a16="http://schemas.microsoft.com/office/drawing/2014/main" id="{35B5C741-F229-478E-9B57-D92098F099E4}"/>
-                  </a:ext>
-                </a:extLst>
-              </p:cNvPr>
-              <p:cNvGrpSpPr/>
-              <p:nvPr/>
-            </p:nvGrpSpPr>
-            <p:grpSpPr>
-              <a:xfrm>
-                <a:off x="427395" y="1874316"/>
-                <a:ext cx="1197417" cy="1197417"/>
-                <a:chOff x="5378677" y="2730500"/>
-                <a:chExt cx="2095500" cy="2095500"/>
-              </a:xfrm>
-            </p:grpSpPr>
-            <p:sp>
-              <p:nvSpPr>
-                <p:cNvPr id="99" name="Oval 98">
-                  <a:extLst>
-                    <a:ext uri="{FF2B5EF4-FFF2-40B4-BE49-F238E27FC236}">
-                      <a16:creationId xmlns:a16="http://schemas.microsoft.com/office/drawing/2014/main" id="{B3A7CAFB-738D-457C-B466-F84C2F5F7B31}"/>
-                    </a:ext>
-                  </a:extLst>
-                </p:cNvPr>
-                <p:cNvSpPr/>
-                <p:nvPr/>
-              </p:nvSpPr>
-              <p:spPr>
-                <a:xfrm>
-                  <a:off x="5378677" y="2730500"/>
-                  <a:ext cx="2095500" cy="2095500"/>
-                </a:xfrm>
-                <a:prstGeom prst="ellipse">
-                  <a:avLst/>
-                </a:prstGeom>
-                <a:solidFill>
-                  <a:srgbClr val="F4F6F8"/>
-                </a:solidFill>
-                <a:ln w="25400" cap="flat" cmpd="sng" algn="ctr">
-                  <a:noFill/>
-                  <a:prstDash val="solid"/>
-                </a:ln>
-                <a:effectLst>
-                  <a:outerShdw blurRad="88900" dist="38100" dir="2700000" algn="tl" rotWithShape="0">
-                    <a:prstClr val="black">
-                      <a:alpha val="15000"/>
-                    </a:prstClr>
-                  </a:outerShdw>
-                </a:effectLst>
-              </p:spPr>
-              <p:txBody>
-                <a:bodyPr rtlCol="0" anchor="ctr"/>
-                <a:lstStyle/>
-                <a:p>
-                  <a:pPr marL="0" marR="0" lvl="0" indent="0" algn="ctr" defTabSz="914126" rtl="0" eaLnBrk="1" fontAlgn="auto" latinLnBrk="0" hangingPunct="1">
-                    <a:lnSpc>
-                      <a:spcPct val="100000"/>
-                    </a:lnSpc>
-                    <a:spcBef>
-                      <a:spcPts val="0"/>
-                    </a:spcBef>
-                    <a:spcAft>
-                      <a:spcPts val="0"/>
-                    </a:spcAft>
-                    <a:buClrTx/>
-                    <a:buSzTx/>
-                    <a:buFontTx/>
-                    <a:buNone/>
-                    <a:tabLst/>
-                    <a:defRPr/>
-                  </a:pPr>
-                  <a:endParaRPr kumimoji="0" lang="en-GB" sz="1799" b="0" i="0" u="none" strike="noStrike" kern="0" cap="none" spc="0" normalizeH="0" baseline="0" noProof="0">
-                    <a:ln>
-                      <a:noFill/>
-                    </a:ln>
-                    <a:solidFill>
-                      <a:srgbClr val="1B1B1B"/>
-                    </a:solidFill>
-                    <a:effectLst/>
-                    <a:uLnTx/>
-                    <a:uFillTx/>
-                    <a:latin typeface="Adobe Clean SemiLight" panose="020B0403020404020204" pitchFamily="34" charset="0"/>
-                    <a:ea typeface="+mn-ea"/>
-                    <a:cs typeface="+mn-cs"/>
-                  </a:endParaRPr>
-                </a:p>
-              </p:txBody>
-            </p:sp>
-            <p:sp>
-              <p:nvSpPr>
-                <p:cNvPr id="119" name="Oval 118">
-                  <a:extLst>
-                    <a:ext uri="{FF2B5EF4-FFF2-40B4-BE49-F238E27FC236}">
-                      <a16:creationId xmlns:a16="http://schemas.microsoft.com/office/drawing/2014/main" id="{92C2EEA1-2974-4567-AB50-BDAE29790826}"/>
-                    </a:ext>
-                  </a:extLst>
-                </p:cNvPr>
-                <p:cNvSpPr/>
-                <p:nvPr/>
-              </p:nvSpPr>
-              <p:spPr>
-                <a:xfrm>
-                  <a:off x="5378677" y="2730500"/>
-                  <a:ext cx="2095500" cy="2095500"/>
-                </a:xfrm>
-                <a:prstGeom prst="ellipse">
-                  <a:avLst/>
-                </a:prstGeom>
-                <a:gradFill flip="none" rotWithShape="1">
-                  <a:gsLst>
-                    <a:gs pos="0">
-                      <a:srgbClr val="EEEEEE"/>
-                    </a:gs>
-                    <a:gs pos="56000">
-                      <a:srgbClr val="F4F6F8">
-                        <a:alpha val="0"/>
-                      </a:srgbClr>
-                    </a:gs>
-                  </a:gsLst>
-                  <a:lin ang="2700000" scaled="1"/>
-                  <a:tileRect/>
-                </a:gradFill>
-                <a:ln w="25400" cap="flat" cmpd="sng" algn="ctr">
-                  <a:noFill/>
-                  <a:prstDash val="solid"/>
-                </a:ln>
-                <a:effectLst>
-                  <a:innerShdw blurRad="63500" dist="50800" dir="13500000">
-                    <a:srgbClr val="FFFFFF">
-                      <a:lumMod val="85000"/>
-                      <a:alpha val="84000"/>
-                    </a:srgbClr>
-                  </a:innerShdw>
-                </a:effectLst>
-              </p:spPr>
-              <p:txBody>
-                <a:bodyPr rtlCol="0" anchor="ctr"/>
-                <a:lstStyle/>
-                <a:p>
-                  <a:pPr marL="0" marR="0" lvl="0" indent="0" algn="ctr" defTabSz="914126" rtl="0" eaLnBrk="1" fontAlgn="auto" latinLnBrk="0" hangingPunct="1">
-                    <a:lnSpc>
-                      <a:spcPct val="100000"/>
-                    </a:lnSpc>
-                    <a:spcBef>
-                      <a:spcPts val="0"/>
-                    </a:spcBef>
-                    <a:spcAft>
-                      <a:spcPts val="0"/>
-                    </a:spcAft>
-                    <a:buClrTx/>
-                    <a:buSzTx/>
-                    <a:buFontTx/>
-                    <a:buNone/>
-                    <a:tabLst/>
-                    <a:defRPr/>
-                  </a:pPr>
-                  <a:endParaRPr kumimoji="0" lang="en-GB" sz="1799" b="0" i="0" u="none" strike="noStrike" kern="0" cap="none" spc="0" normalizeH="0" baseline="0" noProof="0">
-                    <a:ln>
-                      <a:noFill/>
-                    </a:ln>
-                    <a:solidFill>
-                      <a:srgbClr val="1B1B1B"/>
-                    </a:solidFill>
-                    <a:effectLst/>
-                    <a:uLnTx/>
-                    <a:uFillTx/>
-                    <a:latin typeface="Adobe Clean SemiLight" panose="020B0403020404020204" pitchFamily="34" charset="0"/>
-                    <a:ea typeface="+mn-ea"/>
-                    <a:cs typeface="+mn-cs"/>
-                  </a:endParaRPr>
-                </a:p>
-              </p:txBody>
-            </p:sp>
-          </p:grpSp>
-          <p:sp>
-            <p:nvSpPr>
-              <p:cNvPr id="98" name="Oval 97">
-                <a:extLst>
-                  <a:ext uri="{FF2B5EF4-FFF2-40B4-BE49-F238E27FC236}">
-                    <a16:creationId xmlns:a16="http://schemas.microsoft.com/office/drawing/2014/main" id="{F25D1B49-9A09-4A39-AE5F-E040AE7E750B}"/>
-                  </a:ext>
-                </a:extLst>
-              </p:cNvPr>
-              <p:cNvSpPr/>
-              <p:nvPr/>
-            </p:nvSpPr>
-            <p:spPr>
-              <a:xfrm>
-                <a:off x="503993" y="1950914"/>
-                <a:ext cx="1044221" cy="1044221"/>
-              </a:xfrm>
-              <a:prstGeom prst="ellipse">
-                <a:avLst/>
-              </a:prstGeom>
-              <a:solidFill>
-                <a:srgbClr val="F70F00"/>
-              </a:solidFill>
-              <a:ln w="25400" cap="flat" cmpd="sng" algn="ctr">
-                <a:noFill/>
-                <a:prstDash val="solid"/>
-              </a:ln>
-              <a:effectLst>
-                <a:innerShdw blurRad="114300">
-                  <a:prstClr val="black">
-                    <a:alpha val="20000"/>
-                  </a:prstClr>
-                </a:innerShdw>
-              </a:effectLst>
-            </p:spPr>
-            <p:txBody>
-              <a:bodyPr rtlCol="0" anchor="ctr"/>
-              <a:lstStyle/>
-              <a:p>
-                <a:pPr marL="0" marR="0" lvl="0" indent="0" algn="ctr" defTabSz="914400" rtl="0" eaLnBrk="1" fontAlgn="auto" latinLnBrk="0" hangingPunct="1">
-                  <a:lnSpc>
-                    <a:spcPct val="100000"/>
-                  </a:lnSpc>
-                  <a:spcBef>
-                    <a:spcPts val="0"/>
-                  </a:spcBef>
-                  <a:spcAft>
-                    <a:spcPts val="0"/>
-                  </a:spcAft>
-                  <a:buClrTx/>
-                  <a:buSzTx/>
-                  <a:buFontTx/>
-                  <a:buNone/>
-                  <a:tabLst/>
-                  <a:defRPr/>
-                </a:pPr>
-                <a:endParaRPr kumimoji="0" lang="en-GB" sz="1800" b="0" i="0" u="none" strike="noStrike" kern="0" cap="none" spc="0" normalizeH="0" baseline="0" noProof="0">
-                  <a:ln>
-                    <a:noFill/>
-                  </a:ln>
-                  <a:solidFill>
-                    <a:srgbClr val="1B1B1B"/>
-                  </a:solidFill>
-                  <a:effectLst/>
-                  <a:uLnTx/>
-                  <a:uFillTx/>
-                  <a:latin typeface="Adobe Clean SemiLight" panose="020B0403020404020204" pitchFamily="34" charset="0"/>
-                  <a:ea typeface="+mn-ea"/>
-                  <a:cs typeface="+mn-cs"/>
-                </a:endParaRPr>
-              </a:p>
-            </p:txBody>
-          </p:sp>
-        </p:grpSp>
-        <p:pic>
-          <p:nvPicPr>
-            <p:cNvPr id="96" name="Graphic 95">
-              <a:extLst>
-                <a:ext uri="{FF2B5EF4-FFF2-40B4-BE49-F238E27FC236}">
-                  <a16:creationId xmlns:a16="http://schemas.microsoft.com/office/drawing/2014/main" id="{59BE2A3C-FDA6-4143-A4A1-B9A10694D956}"/>
-                </a:ext>
-              </a:extLst>
-            </p:cNvPr>
-            <p:cNvPicPr>
-              <a:picLocks noChangeAspect="1"/>
-            </p:cNvPicPr>
-            <p:nvPr/>
-          </p:nvPicPr>
-          <p:blipFill>
-            <a:blip r:embed="rId3" cstate="screen">
-              <a:extLst>
-                <a:ext uri="{28A0092B-C50C-407E-A947-70E740481C1C}">
-                  <a14:useLocalDpi xmlns:a14="http://schemas.microsoft.com/office/drawing/2010/main"/>
-                </a:ext>
-                <a:ext uri="{96DAC541-7B7A-43D3-8B79-37D633B846F1}">
-                  <asvg:svgBlip xmlns:asvg="http://schemas.microsoft.com/office/drawing/2016/SVG/main" r:embed="rId4"/>
-                </a:ext>
-              </a:extLst>
-            </a:blip>
-            <a:stretch>
-              <a:fillRect/>
-            </a:stretch>
-          </p:blipFill>
-          <p:spPr>
-            <a:xfrm>
-              <a:off x="2088925" y="4413933"/>
-              <a:ext cx="610101" cy="610101"/>
-            </a:xfrm>
-            <a:prstGeom prst="rect">
-              <a:avLst/>
-            </a:prstGeom>
-          </p:spPr>
-        </p:pic>
-      </p:grpSp>
-      <p:grpSp>
-        <p:nvGrpSpPr>
-          <p:cNvPr id="120" name="Group 119">
-            <a:extLst>
-              <a:ext uri="{FF2B5EF4-FFF2-40B4-BE49-F238E27FC236}">
-                <a16:creationId xmlns:a16="http://schemas.microsoft.com/office/drawing/2014/main" id="{E4990392-2049-4EA1-BA05-03C51AE3FAA7}"/>
-              </a:ext>
-            </a:extLst>
-          </p:cNvPr>
-          <p:cNvGrpSpPr/>
-          <p:nvPr/>
-        </p:nvGrpSpPr>
-        <p:grpSpPr>
-          <a:xfrm>
-            <a:off x="8286260" y="4174762"/>
-            <a:ext cx="3217573" cy="1874482"/>
-            <a:chOff x="6544993" y="4207541"/>
-            <a:chExt cx="3217573" cy="1874482"/>
-          </a:xfrm>
-        </p:grpSpPr>
-        <p:sp>
-          <p:nvSpPr>
-            <p:cNvPr id="121" name="Rectangle 120">
-              <a:extLst>
-                <a:ext uri="{FF2B5EF4-FFF2-40B4-BE49-F238E27FC236}">
-                  <a16:creationId xmlns:a16="http://schemas.microsoft.com/office/drawing/2014/main" id="{A81F78A9-0822-47EC-A521-1F28AA009FEE}"/>
-                </a:ext>
-              </a:extLst>
-            </p:cNvPr>
-            <p:cNvSpPr/>
-            <p:nvPr/>
-          </p:nvSpPr>
-          <p:spPr>
-            <a:xfrm>
-              <a:off x="6544993" y="5220346"/>
-              <a:ext cx="3217573" cy="861677"/>
-            </a:xfrm>
-            <a:prstGeom prst="rect">
-              <a:avLst/>
-            </a:prstGeom>
-            <a:noFill/>
-          </p:spPr>
-          <p:txBody>
-            <a:bodyPr wrap="square" lIns="121824" tIns="60912" rIns="121824" bIns="60912">
-              <a:spAutoFit/>
-            </a:bodyPr>
-            <a:lstStyle/>
-            <a:p>
-              <a:pPr marL="0" marR="0" lvl="0" indent="0" algn="ctr" defTabSz="914400" rtl="0" eaLnBrk="1" fontAlgn="auto" latinLnBrk="0" hangingPunct="1">
-                <a:lnSpc>
-                  <a:spcPct val="100000"/>
-                </a:lnSpc>
-                <a:spcBef>
-                  <a:spcPts val="0"/>
-                </a:spcBef>
-                <a:spcAft>
-                  <a:spcPts val="0"/>
-                </a:spcAft>
-                <a:buClr>
-                  <a:srgbClr val="C30E2E"/>
-                </a:buClr>
-                <a:buSzTx/>
-                <a:buFontTx/>
-                <a:buNone/>
-                <a:tabLst/>
-                <a:defRPr/>
-              </a:pPr>
-              <a:r>
-                <a:rPr kumimoji="0" lang="en-US" sz="1600" b="0" i="0" u="none" strike="noStrike" kern="1200" cap="none" spc="0" normalizeH="0" baseline="0" noProof="0">
-                  <a:ln w="0"/>
-                  <a:solidFill>
-                    <a:srgbClr val="1B1B1B"/>
-                  </a:solidFill>
-                  <a:effectLst/>
-                  <a:uLnTx/>
-                  <a:uFillTx/>
-                  <a:latin typeface="Adobe Clean SemiLight" panose="020B0403020404020204" pitchFamily="34" charset="0"/>
-                  <a:ea typeface="+mn-ea"/>
-                  <a:cs typeface="+mn-cs"/>
-                </a:rPr>
-                <a:t>Grow engagement </a:t>
-              </a:r>
-            </a:p>
-            <a:p>
-              <a:pPr marL="0" marR="0" lvl="0" indent="0" algn="ctr" defTabSz="914400" rtl="0" eaLnBrk="1" fontAlgn="auto" latinLnBrk="0" hangingPunct="1">
-                <a:lnSpc>
-                  <a:spcPct val="100000"/>
-                </a:lnSpc>
-                <a:spcBef>
-                  <a:spcPts val="0"/>
-                </a:spcBef>
-                <a:spcAft>
-                  <a:spcPts val="0"/>
-                </a:spcAft>
-                <a:buClr>
-                  <a:srgbClr val="C30E2E"/>
-                </a:buClr>
-                <a:buSzTx/>
-                <a:buFontTx/>
-                <a:buNone/>
-                <a:tabLst/>
-                <a:defRPr/>
-              </a:pPr>
-              <a:r>
-                <a:rPr kumimoji="0" lang="en-US" sz="1600" b="0" i="0" u="none" strike="noStrike" kern="1200" cap="none" spc="0" normalizeH="0" baseline="0" noProof="0">
-                  <a:ln w="0"/>
-                  <a:solidFill>
-                    <a:srgbClr val="1B1B1B"/>
-                  </a:solidFill>
-                  <a:effectLst/>
-                  <a:uLnTx/>
-                  <a:uFillTx/>
-                  <a:latin typeface="Adobe Clean SemiLight" panose="020B0403020404020204" pitchFamily="34" charset="0"/>
-                  <a:ea typeface="+mn-ea"/>
-                  <a:cs typeface="+mn-cs"/>
-                </a:rPr>
-                <a:t>on/between digital and </a:t>
-              </a:r>
-            </a:p>
-            <a:p>
-              <a:pPr marL="0" marR="0" lvl="0" indent="0" algn="ctr" defTabSz="914400" rtl="0" eaLnBrk="1" fontAlgn="auto" latinLnBrk="0" hangingPunct="1">
-                <a:lnSpc>
-                  <a:spcPct val="100000"/>
-                </a:lnSpc>
-                <a:spcBef>
-                  <a:spcPts val="0"/>
-                </a:spcBef>
-                <a:spcAft>
-                  <a:spcPts val="0"/>
-                </a:spcAft>
-                <a:buClr>
-                  <a:srgbClr val="C30E2E"/>
-                </a:buClr>
-                <a:buSzTx/>
-                <a:buFontTx/>
-                <a:buNone/>
-                <a:tabLst/>
-                <a:defRPr/>
-              </a:pPr>
-              <a:r>
-                <a:rPr kumimoji="0" lang="en-US" sz="1600" b="0" i="0" u="none" strike="noStrike" kern="1200" cap="none" spc="0" normalizeH="0" baseline="0" noProof="0">
-                  <a:ln w="0"/>
-                  <a:solidFill>
-                    <a:srgbClr val="1B1B1B"/>
-                  </a:solidFill>
-                  <a:effectLst/>
-                  <a:uLnTx/>
-                  <a:uFillTx/>
-                  <a:latin typeface="Adobe Clean SemiLight" panose="020B0403020404020204" pitchFamily="34" charset="0"/>
-                  <a:ea typeface="+mn-ea"/>
-                  <a:cs typeface="+mn-cs"/>
-                </a:rPr>
-                <a:t>in-person channels</a:t>
-              </a:r>
-            </a:p>
-          </p:txBody>
-        </p:sp>
-        <p:grpSp>
-          <p:nvGrpSpPr>
-            <p:cNvPr id="122" name="Group 121">
-              <a:extLst>
-                <a:ext uri="{FF2B5EF4-FFF2-40B4-BE49-F238E27FC236}">
-                  <a16:creationId xmlns:a16="http://schemas.microsoft.com/office/drawing/2014/main" id="{02E7644E-5218-4D6C-A017-40738F2017DF}"/>
-                </a:ext>
-              </a:extLst>
-            </p:cNvPr>
-            <p:cNvGrpSpPr/>
-            <p:nvPr/>
-          </p:nvGrpSpPr>
-          <p:grpSpPr>
-            <a:xfrm>
-              <a:off x="7593227" y="4207541"/>
-              <a:ext cx="1012317" cy="1012317"/>
-              <a:chOff x="427395" y="1874316"/>
-              <a:chExt cx="1197417" cy="1197417"/>
-            </a:xfrm>
-          </p:grpSpPr>
-          <p:grpSp>
-            <p:nvGrpSpPr>
-              <p:cNvPr id="124" name="Group 123">
-                <a:extLst>
-                  <a:ext uri="{FF2B5EF4-FFF2-40B4-BE49-F238E27FC236}">
-                    <a16:creationId xmlns:a16="http://schemas.microsoft.com/office/drawing/2014/main" id="{329137FC-CB47-410B-B21D-8C351F8CDAC3}"/>
-                  </a:ext>
-                </a:extLst>
-              </p:cNvPr>
-              <p:cNvGrpSpPr/>
-              <p:nvPr/>
-            </p:nvGrpSpPr>
-            <p:grpSpPr>
-              <a:xfrm>
-                <a:off x="427395" y="1874316"/>
-                <a:ext cx="1197417" cy="1197417"/>
-                <a:chOff x="5378677" y="2730500"/>
-                <a:chExt cx="2095500" cy="2095500"/>
-              </a:xfrm>
-            </p:grpSpPr>
-            <p:sp>
-              <p:nvSpPr>
-                <p:cNvPr id="144" name="Oval 143">
-                  <a:extLst>
-                    <a:ext uri="{FF2B5EF4-FFF2-40B4-BE49-F238E27FC236}">
-                      <a16:creationId xmlns:a16="http://schemas.microsoft.com/office/drawing/2014/main" id="{B6527B52-FAF6-4B7A-A8F7-9595EAB528EC}"/>
-                    </a:ext>
-                  </a:extLst>
-                </p:cNvPr>
-                <p:cNvSpPr/>
-                <p:nvPr/>
-              </p:nvSpPr>
-              <p:spPr>
-                <a:xfrm>
-                  <a:off x="5378677" y="2730500"/>
-                  <a:ext cx="2095500" cy="2095500"/>
-                </a:xfrm>
-                <a:prstGeom prst="ellipse">
-                  <a:avLst/>
-                </a:prstGeom>
-                <a:solidFill>
-                  <a:srgbClr val="F4F6F8"/>
-                </a:solidFill>
-                <a:ln w="25400" cap="flat" cmpd="sng" algn="ctr">
-                  <a:noFill/>
-                  <a:prstDash val="solid"/>
-                </a:ln>
-                <a:effectLst>
-                  <a:outerShdw blurRad="88900" dist="38100" dir="2700000" algn="tl" rotWithShape="0">
-                    <a:prstClr val="black">
-                      <a:alpha val="15000"/>
-                    </a:prstClr>
-                  </a:outerShdw>
-                </a:effectLst>
-              </p:spPr>
-              <p:txBody>
-                <a:bodyPr rtlCol="0" anchor="ctr"/>
-                <a:lstStyle/>
-                <a:p>
-                  <a:pPr marL="0" marR="0" lvl="0" indent="0" algn="ctr" defTabSz="914126" rtl="0" eaLnBrk="1" fontAlgn="auto" latinLnBrk="0" hangingPunct="1">
-                    <a:lnSpc>
-                      <a:spcPct val="100000"/>
-                    </a:lnSpc>
-                    <a:spcBef>
-                      <a:spcPts val="0"/>
-                    </a:spcBef>
-                    <a:spcAft>
-                      <a:spcPts val="0"/>
-                    </a:spcAft>
-                    <a:buClrTx/>
-                    <a:buSzTx/>
-                    <a:buFontTx/>
-                    <a:buNone/>
-                    <a:tabLst/>
-                    <a:defRPr/>
-                  </a:pPr>
-                  <a:endParaRPr kumimoji="0" lang="en-GB" sz="1799" b="0" i="0" u="none" strike="noStrike" kern="0" cap="none" spc="0" normalizeH="0" baseline="0" noProof="0">
-                    <a:ln>
-                      <a:noFill/>
-                    </a:ln>
-                    <a:solidFill>
-                      <a:srgbClr val="1B1B1B"/>
-                    </a:solidFill>
-                    <a:effectLst/>
-                    <a:uLnTx/>
-                    <a:uFillTx/>
-                    <a:latin typeface="Adobe Clean SemiLight" panose="020B0403020404020204" pitchFamily="34" charset="0"/>
-                    <a:ea typeface="+mn-ea"/>
-                    <a:cs typeface="+mn-cs"/>
-                  </a:endParaRPr>
-                </a:p>
-              </p:txBody>
-            </p:sp>
-            <p:sp>
-              <p:nvSpPr>
-                <p:cNvPr id="145" name="Oval 144">
-                  <a:extLst>
-                    <a:ext uri="{FF2B5EF4-FFF2-40B4-BE49-F238E27FC236}">
-                      <a16:creationId xmlns:a16="http://schemas.microsoft.com/office/drawing/2014/main" id="{E0E364D0-DC1E-41DC-9649-737624F57A9C}"/>
-                    </a:ext>
-                  </a:extLst>
-                </p:cNvPr>
-                <p:cNvSpPr/>
-                <p:nvPr/>
-              </p:nvSpPr>
-              <p:spPr>
-                <a:xfrm>
-                  <a:off x="5378677" y="2730500"/>
-                  <a:ext cx="2095500" cy="2095500"/>
-                </a:xfrm>
-                <a:prstGeom prst="ellipse">
-                  <a:avLst/>
-                </a:prstGeom>
-                <a:gradFill flip="none" rotWithShape="1">
-                  <a:gsLst>
-                    <a:gs pos="0">
-                      <a:srgbClr val="EEEEEE"/>
-                    </a:gs>
-                    <a:gs pos="56000">
-                      <a:srgbClr val="F4F6F8">
-                        <a:alpha val="0"/>
-                      </a:srgbClr>
-                    </a:gs>
-                  </a:gsLst>
-                  <a:lin ang="2700000" scaled="1"/>
-                  <a:tileRect/>
-                </a:gradFill>
-                <a:ln w="25400" cap="flat" cmpd="sng" algn="ctr">
-                  <a:noFill/>
-                  <a:prstDash val="solid"/>
-                </a:ln>
-                <a:effectLst>
-                  <a:innerShdw blurRad="63500" dist="50800" dir="13500000">
-                    <a:srgbClr val="FFFFFF">
-                      <a:lumMod val="85000"/>
-                      <a:alpha val="84000"/>
-                    </a:srgbClr>
-                  </a:innerShdw>
-                </a:effectLst>
-              </p:spPr>
-              <p:txBody>
-                <a:bodyPr rtlCol="0" anchor="ctr"/>
-                <a:lstStyle/>
-                <a:p>
-                  <a:pPr marL="0" marR="0" lvl="0" indent="0" algn="ctr" defTabSz="914126" rtl="0" eaLnBrk="1" fontAlgn="auto" latinLnBrk="0" hangingPunct="1">
-                    <a:lnSpc>
-                      <a:spcPct val="100000"/>
-                    </a:lnSpc>
-                    <a:spcBef>
-                      <a:spcPts val="0"/>
-                    </a:spcBef>
-                    <a:spcAft>
-                      <a:spcPts val="0"/>
-                    </a:spcAft>
-                    <a:buClrTx/>
-                    <a:buSzTx/>
-                    <a:buFontTx/>
-                    <a:buNone/>
-                    <a:tabLst/>
-                    <a:defRPr/>
-                  </a:pPr>
-                  <a:endParaRPr kumimoji="0" lang="en-GB" sz="1799" b="0" i="0" u="none" strike="noStrike" kern="0" cap="none" spc="0" normalizeH="0" baseline="0" noProof="0">
-                    <a:ln>
-                      <a:noFill/>
-                    </a:ln>
-                    <a:solidFill>
-                      <a:srgbClr val="1B1B1B"/>
-                    </a:solidFill>
-                    <a:effectLst/>
-                    <a:uLnTx/>
-                    <a:uFillTx/>
-                    <a:latin typeface="Adobe Clean SemiLight" panose="020B0403020404020204" pitchFamily="34" charset="0"/>
-                    <a:ea typeface="+mn-ea"/>
-                    <a:cs typeface="+mn-cs"/>
-                  </a:endParaRPr>
-                </a:p>
-              </p:txBody>
-            </p:sp>
-          </p:grpSp>
-          <p:sp>
-            <p:nvSpPr>
-              <p:cNvPr id="143" name="Oval 142">
-                <a:extLst>
-                  <a:ext uri="{FF2B5EF4-FFF2-40B4-BE49-F238E27FC236}">
-                    <a16:creationId xmlns:a16="http://schemas.microsoft.com/office/drawing/2014/main" id="{320254D6-49D5-4BCD-88A2-2912CB0172CD}"/>
-                  </a:ext>
-                </a:extLst>
-              </p:cNvPr>
-              <p:cNvSpPr/>
-              <p:nvPr/>
-            </p:nvSpPr>
-            <p:spPr>
-              <a:xfrm>
-                <a:off x="503993" y="1950914"/>
-                <a:ext cx="1044221" cy="1044221"/>
-              </a:xfrm>
-              <a:prstGeom prst="ellipse">
-                <a:avLst/>
-              </a:prstGeom>
-              <a:solidFill>
-                <a:srgbClr val="F70F00"/>
-              </a:solidFill>
-              <a:ln w="25400" cap="flat" cmpd="sng" algn="ctr">
-                <a:noFill/>
-                <a:prstDash val="solid"/>
-              </a:ln>
-              <a:effectLst>
-                <a:innerShdw blurRad="114300">
-                  <a:prstClr val="black">
-                    <a:alpha val="20000"/>
-                  </a:prstClr>
-                </a:innerShdw>
-              </a:effectLst>
-            </p:spPr>
-            <p:txBody>
-              <a:bodyPr rtlCol="0" anchor="ctr"/>
-              <a:lstStyle/>
-              <a:p>
-                <a:pPr marL="0" marR="0" lvl="0" indent="0" algn="ctr" defTabSz="914400" rtl="0" eaLnBrk="1" fontAlgn="auto" latinLnBrk="0" hangingPunct="1">
-                  <a:lnSpc>
-                    <a:spcPct val="100000"/>
-                  </a:lnSpc>
-                  <a:spcBef>
-                    <a:spcPts val="0"/>
-                  </a:spcBef>
-                  <a:spcAft>
-                    <a:spcPts val="0"/>
-                  </a:spcAft>
-                  <a:buClrTx/>
-                  <a:buSzTx/>
-                  <a:buFontTx/>
-                  <a:buNone/>
-                  <a:tabLst/>
-                  <a:defRPr/>
-                </a:pPr>
-                <a:endParaRPr kumimoji="0" lang="en-GB" sz="1800" b="0" i="0" u="none" strike="noStrike" kern="0" cap="none" spc="0" normalizeH="0" baseline="0" noProof="0">
-                  <a:ln>
-                    <a:noFill/>
-                  </a:ln>
-                  <a:solidFill>
-                    <a:srgbClr val="1B1B1B"/>
-                  </a:solidFill>
-                  <a:effectLst/>
-                  <a:uLnTx/>
-                  <a:uFillTx/>
-                  <a:latin typeface="Adobe Clean SemiLight" panose="020B0403020404020204" pitchFamily="34" charset="0"/>
-                  <a:ea typeface="+mn-ea"/>
-                  <a:cs typeface="+mn-cs"/>
-                </a:endParaRPr>
-              </a:p>
-            </p:txBody>
-          </p:sp>
-        </p:grpSp>
-        <p:pic>
-          <p:nvPicPr>
-            <p:cNvPr id="123" name="Graphic 122">
-              <a:extLst>
-                <a:ext uri="{FF2B5EF4-FFF2-40B4-BE49-F238E27FC236}">
-                  <a16:creationId xmlns:a16="http://schemas.microsoft.com/office/drawing/2014/main" id="{D3643B14-B5D6-4EF6-BD6F-A1C4830DE4B6}"/>
-                </a:ext>
-              </a:extLst>
-            </p:cNvPr>
-            <p:cNvPicPr>
-              <a:picLocks noChangeAspect="1"/>
-            </p:cNvPicPr>
-            <p:nvPr/>
-          </p:nvPicPr>
-          <p:blipFill>
-            <a:blip r:embed="rId5" cstate="screen">
-              <a:extLst>
-                <a:ext uri="{28A0092B-C50C-407E-A947-70E740481C1C}">
-                  <a14:useLocalDpi xmlns:a14="http://schemas.microsoft.com/office/drawing/2010/main"/>
-                </a:ext>
-                <a:ext uri="{96DAC541-7B7A-43D3-8B79-37D633B846F1}">
-                  <asvg:svgBlip xmlns:asvg="http://schemas.microsoft.com/office/drawing/2016/SVG/main" r:embed="rId6"/>
-                </a:ext>
-              </a:extLst>
-            </a:blip>
-            <a:stretch>
-              <a:fillRect/>
-            </a:stretch>
-          </p:blipFill>
-          <p:spPr>
-            <a:xfrm rot="10800000">
-              <a:off x="7759722" y="4369101"/>
-              <a:ext cx="681785" cy="689195"/>
-            </a:xfrm>
-            <a:prstGeom prst="rect">
-              <a:avLst/>
-            </a:prstGeom>
-          </p:spPr>
-        </p:pic>
-      </p:grpSp>
-      <p:grpSp>
-        <p:nvGrpSpPr>
-          <p:cNvPr id="146" name="Group 145">
-            <a:extLst>
-              <a:ext uri="{FF2B5EF4-FFF2-40B4-BE49-F238E27FC236}">
-                <a16:creationId xmlns:a16="http://schemas.microsoft.com/office/drawing/2014/main" id="{DB2A907D-13BC-4482-8A5F-0C939E489A6B}"/>
-              </a:ext>
-            </a:extLst>
-          </p:cNvPr>
-          <p:cNvGrpSpPr/>
-          <p:nvPr/>
-        </p:nvGrpSpPr>
-        <p:grpSpPr>
-          <a:xfrm>
-            <a:off x="4604162" y="4174762"/>
-            <a:ext cx="2983676" cy="1667134"/>
-            <a:chOff x="8504563" y="4207541"/>
-            <a:chExt cx="2983676" cy="1667134"/>
-          </a:xfrm>
-        </p:grpSpPr>
-        <p:sp>
-          <p:nvSpPr>
-            <p:cNvPr id="147" name="Rectangle 146">
-              <a:extLst>
-                <a:ext uri="{FF2B5EF4-FFF2-40B4-BE49-F238E27FC236}">
-                  <a16:creationId xmlns:a16="http://schemas.microsoft.com/office/drawing/2014/main" id="{F7BACD3B-5B6F-4742-B5DA-72F308FFD0F5}"/>
-                </a:ext>
-              </a:extLst>
-            </p:cNvPr>
-            <p:cNvSpPr/>
-            <p:nvPr/>
-          </p:nvSpPr>
-          <p:spPr>
-            <a:xfrm>
-              <a:off x="8504563" y="5259219"/>
-              <a:ext cx="2983676" cy="615456"/>
-            </a:xfrm>
-            <a:prstGeom prst="rect">
-              <a:avLst/>
-            </a:prstGeom>
-            <a:noFill/>
-          </p:spPr>
-          <p:txBody>
-            <a:bodyPr wrap="square" lIns="121824" tIns="60912" rIns="121824" bIns="60912">
-              <a:spAutoFit/>
-            </a:bodyPr>
-            <a:lstStyle/>
-            <a:p>
-              <a:pPr marL="0" marR="0" lvl="0" indent="0" algn="ctr" defTabSz="914400" rtl="0" eaLnBrk="1" fontAlgn="auto" latinLnBrk="0" hangingPunct="1">
-                <a:lnSpc>
-                  <a:spcPct val="100000"/>
-                </a:lnSpc>
-                <a:spcBef>
-                  <a:spcPts val="0"/>
-                </a:spcBef>
-                <a:spcAft>
-                  <a:spcPts val="0"/>
-                </a:spcAft>
-                <a:buClr>
-                  <a:srgbClr val="C30E2E"/>
-                </a:buClr>
-                <a:buSzTx/>
-                <a:buFontTx/>
-                <a:buNone/>
-                <a:tabLst/>
-                <a:defRPr/>
-              </a:pPr>
-              <a:r>
-                <a:rPr kumimoji="0" lang="en-US" sz="1600" b="0" i="0" u="none" strike="noStrike" kern="0" cap="none" spc="0" normalizeH="0" baseline="0" noProof="0">
-                  <a:ln>
-                    <a:noFill/>
-                  </a:ln>
-                  <a:solidFill>
-                    <a:srgbClr val="1B1B1B"/>
-                  </a:solidFill>
-                  <a:effectLst/>
-                  <a:uLnTx/>
-                  <a:uFillTx/>
-                  <a:latin typeface="Adobe Clean SemiLight" panose="020B0403020404020204" pitchFamily="34" charset="0"/>
-                  <a:ea typeface="+mn-ea"/>
-                  <a:cs typeface="+mn-cs"/>
-                </a:rPr>
-                <a:t>Create seamless personalized experiences across touchpoints</a:t>
-              </a:r>
-            </a:p>
-          </p:txBody>
-        </p:sp>
-        <p:grpSp>
-          <p:nvGrpSpPr>
-            <p:cNvPr id="148" name="Group 147">
-              <a:extLst>
-                <a:ext uri="{FF2B5EF4-FFF2-40B4-BE49-F238E27FC236}">
-                  <a16:creationId xmlns:a16="http://schemas.microsoft.com/office/drawing/2014/main" id="{71CBDA8E-1512-466B-B95F-1692B397BA68}"/>
-                </a:ext>
-              </a:extLst>
-            </p:cNvPr>
-            <p:cNvGrpSpPr/>
-            <p:nvPr/>
-          </p:nvGrpSpPr>
-          <p:grpSpPr>
-            <a:xfrm>
-              <a:off x="9490243" y="4207541"/>
-              <a:ext cx="1012317" cy="1012317"/>
-              <a:chOff x="427395" y="1874316"/>
-              <a:chExt cx="1197417" cy="1197417"/>
-            </a:xfrm>
-          </p:grpSpPr>
-          <p:grpSp>
-            <p:nvGrpSpPr>
-              <p:cNvPr id="150" name="Group 149">
-                <a:extLst>
-                  <a:ext uri="{FF2B5EF4-FFF2-40B4-BE49-F238E27FC236}">
-                    <a16:creationId xmlns:a16="http://schemas.microsoft.com/office/drawing/2014/main" id="{04F6A108-5471-41EF-8F6D-F7CC9FE77F10}"/>
-                  </a:ext>
-                </a:extLst>
-              </p:cNvPr>
-              <p:cNvGrpSpPr/>
-              <p:nvPr/>
-            </p:nvGrpSpPr>
-            <p:grpSpPr>
-              <a:xfrm>
-                <a:off x="427395" y="1874316"/>
-                <a:ext cx="1197417" cy="1197417"/>
-                <a:chOff x="5378677" y="2730500"/>
-                <a:chExt cx="2095500" cy="2095500"/>
-              </a:xfrm>
-            </p:grpSpPr>
-            <p:sp>
-              <p:nvSpPr>
-                <p:cNvPr id="152" name="Oval 151">
-                  <a:extLst>
-                    <a:ext uri="{FF2B5EF4-FFF2-40B4-BE49-F238E27FC236}">
-                      <a16:creationId xmlns:a16="http://schemas.microsoft.com/office/drawing/2014/main" id="{6C0ED5ED-CDD1-49E0-BA60-9F3A1CCAAE84}"/>
-                    </a:ext>
-                  </a:extLst>
-                </p:cNvPr>
-                <p:cNvSpPr/>
-                <p:nvPr/>
-              </p:nvSpPr>
-              <p:spPr>
-                <a:xfrm>
-                  <a:off x="5378677" y="2730500"/>
-                  <a:ext cx="2095500" cy="2095500"/>
-                </a:xfrm>
-                <a:prstGeom prst="ellipse">
-                  <a:avLst/>
-                </a:prstGeom>
-                <a:solidFill>
-                  <a:srgbClr val="F4F6F8"/>
-                </a:solidFill>
-                <a:ln w="25400" cap="flat" cmpd="sng" algn="ctr">
-                  <a:noFill/>
-                  <a:prstDash val="solid"/>
-                </a:ln>
-                <a:effectLst>
-                  <a:outerShdw blurRad="88900" dist="38100" dir="2700000" algn="tl" rotWithShape="0">
-                    <a:prstClr val="black">
-                      <a:alpha val="15000"/>
-                    </a:prstClr>
-                  </a:outerShdw>
-                </a:effectLst>
-              </p:spPr>
-              <p:txBody>
-                <a:bodyPr rtlCol="0" anchor="ctr"/>
-                <a:lstStyle/>
-                <a:p>
-                  <a:pPr marL="0" marR="0" lvl="0" indent="0" algn="ctr" defTabSz="914126" rtl="0" eaLnBrk="1" fontAlgn="auto" latinLnBrk="0" hangingPunct="1">
-                    <a:lnSpc>
-                      <a:spcPct val="100000"/>
-                    </a:lnSpc>
-                    <a:spcBef>
-                      <a:spcPts val="0"/>
-                    </a:spcBef>
-                    <a:spcAft>
-                      <a:spcPts val="0"/>
-                    </a:spcAft>
-                    <a:buClrTx/>
-                    <a:buSzTx/>
-                    <a:buFontTx/>
-                    <a:buNone/>
-                    <a:tabLst/>
-                    <a:defRPr/>
-                  </a:pPr>
-                  <a:endParaRPr kumimoji="0" lang="en-GB" sz="1799" b="0" i="0" u="none" strike="noStrike" kern="0" cap="none" spc="0" normalizeH="0" baseline="0" noProof="0">
-                    <a:ln>
-                      <a:noFill/>
-                    </a:ln>
-                    <a:solidFill>
-                      <a:srgbClr val="1B1B1B"/>
-                    </a:solidFill>
-                    <a:effectLst/>
-                    <a:uLnTx/>
-                    <a:uFillTx/>
-                    <a:latin typeface="Adobe Clean SemiLight" panose="020B0403020404020204" pitchFamily="34" charset="0"/>
-                    <a:ea typeface="+mn-ea"/>
-                    <a:cs typeface="+mn-cs"/>
-                  </a:endParaRPr>
-                </a:p>
-              </p:txBody>
-            </p:sp>
-            <p:sp>
-              <p:nvSpPr>
-                <p:cNvPr id="153" name="Oval 152">
-                  <a:extLst>
-                    <a:ext uri="{FF2B5EF4-FFF2-40B4-BE49-F238E27FC236}">
-                      <a16:creationId xmlns:a16="http://schemas.microsoft.com/office/drawing/2014/main" id="{F22CC4E7-3AFE-43F6-BF9D-08B9A0610B2F}"/>
-                    </a:ext>
-                  </a:extLst>
-                </p:cNvPr>
-                <p:cNvSpPr/>
-                <p:nvPr/>
-              </p:nvSpPr>
-              <p:spPr>
-                <a:xfrm>
-                  <a:off x="5378677" y="2730500"/>
-                  <a:ext cx="2095500" cy="2095500"/>
-                </a:xfrm>
-                <a:prstGeom prst="ellipse">
-                  <a:avLst/>
-                </a:prstGeom>
-                <a:gradFill flip="none" rotWithShape="1">
-                  <a:gsLst>
-                    <a:gs pos="0">
-                      <a:srgbClr val="EEEEEE"/>
-                    </a:gs>
-                    <a:gs pos="56000">
-                      <a:srgbClr val="F4F6F8">
-                        <a:alpha val="0"/>
-                      </a:srgbClr>
-                    </a:gs>
-                  </a:gsLst>
-                  <a:lin ang="2700000" scaled="1"/>
-                  <a:tileRect/>
-                </a:gradFill>
-                <a:ln w="25400" cap="flat" cmpd="sng" algn="ctr">
-                  <a:noFill/>
-                  <a:prstDash val="solid"/>
-                </a:ln>
-                <a:effectLst>
-                  <a:innerShdw blurRad="63500" dist="50800" dir="13500000">
-                    <a:srgbClr val="FFFFFF">
-                      <a:lumMod val="85000"/>
-                      <a:alpha val="84000"/>
-                    </a:srgbClr>
-                  </a:innerShdw>
-                </a:effectLst>
-              </p:spPr>
-              <p:txBody>
-                <a:bodyPr rtlCol="0" anchor="ctr"/>
-                <a:lstStyle/>
-                <a:p>
-                  <a:pPr marL="0" marR="0" lvl="0" indent="0" algn="ctr" defTabSz="914126" rtl="0" eaLnBrk="1" fontAlgn="auto" latinLnBrk="0" hangingPunct="1">
-                    <a:lnSpc>
-                      <a:spcPct val="100000"/>
-                    </a:lnSpc>
-                    <a:spcBef>
-                      <a:spcPts val="0"/>
-                    </a:spcBef>
-                    <a:spcAft>
-                      <a:spcPts val="0"/>
-                    </a:spcAft>
-                    <a:buClrTx/>
-                    <a:buSzTx/>
-                    <a:buFontTx/>
-                    <a:buNone/>
-                    <a:tabLst/>
-                    <a:defRPr/>
-                  </a:pPr>
-                  <a:endParaRPr kumimoji="0" lang="en-GB" sz="1799" b="0" i="0" u="none" strike="noStrike" kern="0" cap="none" spc="0" normalizeH="0" baseline="0" noProof="0">
-                    <a:ln>
-                      <a:noFill/>
-                    </a:ln>
-                    <a:solidFill>
-                      <a:srgbClr val="1B1B1B"/>
-                    </a:solidFill>
-                    <a:effectLst/>
-                    <a:uLnTx/>
-                    <a:uFillTx/>
-                    <a:latin typeface="Adobe Clean SemiLight" panose="020B0403020404020204" pitchFamily="34" charset="0"/>
-                    <a:ea typeface="+mn-ea"/>
-                    <a:cs typeface="+mn-cs"/>
-                  </a:endParaRPr>
-                </a:p>
-              </p:txBody>
-            </p:sp>
-          </p:grpSp>
-          <p:sp>
-            <p:nvSpPr>
-              <p:cNvPr id="151" name="Oval 150">
-                <a:extLst>
-                  <a:ext uri="{FF2B5EF4-FFF2-40B4-BE49-F238E27FC236}">
-                    <a16:creationId xmlns:a16="http://schemas.microsoft.com/office/drawing/2014/main" id="{5E5B6155-28FC-4DEC-B01E-8A25BE9BDC4A}"/>
-                  </a:ext>
-                </a:extLst>
-              </p:cNvPr>
-              <p:cNvSpPr/>
-              <p:nvPr/>
-            </p:nvSpPr>
-            <p:spPr>
-              <a:xfrm>
-                <a:off x="503993" y="1950914"/>
-                <a:ext cx="1044221" cy="1044221"/>
-              </a:xfrm>
-              <a:prstGeom prst="ellipse">
-                <a:avLst/>
-              </a:prstGeom>
-              <a:solidFill>
-                <a:srgbClr val="F70F00"/>
-              </a:solidFill>
-              <a:ln w="25400" cap="flat" cmpd="sng" algn="ctr">
-                <a:noFill/>
-                <a:prstDash val="solid"/>
-              </a:ln>
-              <a:effectLst>
-                <a:innerShdw blurRad="114300">
-                  <a:prstClr val="black">
-                    <a:alpha val="20000"/>
-                  </a:prstClr>
-                </a:innerShdw>
-              </a:effectLst>
-            </p:spPr>
-            <p:txBody>
-              <a:bodyPr rtlCol="0" anchor="ctr"/>
-              <a:lstStyle/>
-              <a:p>
-                <a:pPr marL="0" marR="0" lvl="0" indent="0" algn="ctr" defTabSz="914400" rtl="0" eaLnBrk="1" fontAlgn="auto" latinLnBrk="0" hangingPunct="1">
-                  <a:lnSpc>
-                    <a:spcPct val="100000"/>
-                  </a:lnSpc>
-                  <a:spcBef>
-                    <a:spcPts val="0"/>
-                  </a:spcBef>
-                  <a:spcAft>
-                    <a:spcPts val="0"/>
-                  </a:spcAft>
-                  <a:buClrTx/>
-                  <a:buSzTx/>
-                  <a:buFontTx/>
-                  <a:buNone/>
-                  <a:tabLst/>
-                  <a:defRPr/>
-                </a:pPr>
-                <a:endParaRPr kumimoji="0" lang="en-GB" sz="1800" b="0" i="0" u="none" strike="noStrike" kern="0" cap="none" spc="0" normalizeH="0" baseline="0" noProof="0">
-                  <a:ln>
-                    <a:noFill/>
-                  </a:ln>
-                  <a:solidFill>
-                    <a:srgbClr val="1B1B1B"/>
-                  </a:solidFill>
-                  <a:effectLst/>
-                  <a:uLnTx/>
-                  <a:uFillTx/>
-                  <a:latin typeface="Adobe Clean SemiLight" panose="020B0403020404020204" pitchFamily="34" charset="0"/>
-                  <a:ea typeface="+mn-ea"/>
-                  <a:cs typeface="+mn-cs"/>
-                </a:endParaRPr>
-              </a:p>
-            </p:txBody>
-          </p:sp>
-        </p:grpSp>
-        <p:pic>
-          <p:nvPicPr>
-            <p:cNvPr id="149" name="Graphic 148">
-              <a:extLst>
-                <a:ext uri="{FF2B5EF4-FFF2-40B4-BE49-F238E27FC236}">
-                  <a16:creationId xmlns:a16="http://schemas.microsoft.com/office/drawing/2014/main" id="{02187BB3-505E-4CEE-BE6F-D932FA1F685F}"/>
-                </a:ext>
-              </a:extLst>
-            </p:cNvPr>
-            <p:cNvPicPr>
-              <a:picLocks noChangeAspect="1"/>
-            </p:cNvPicPr>
-            <p:nvPr/>
-          </p:nvPicPr>
-          <p:blipFill>
-            <a:blip r:embed="rId7" cstate="screen">
-              <a:extLst>
-                <a:ext uri="{28A0092B-C50C-407E-A947-70E740481C1C}">
-                  <a14:useLocalDpi xmlns:a14="http://schemas.microsoft.com/office/drawing/2010/main"/>
-                </a:ext>
-                <a:ext uri="{96DAC541-7B7A-43D3-8B79-37D633B846F1}">
-                  <asvg:svgBlip xmlns:asvg="http://schemas.microsoft.com/office/drawing/2016/SVG/main" r:embed="rId8"/>
-                </a:ext>
-              </a:extLst>
-            </a:blip>
-            <a:stretch>
-              <a:fillRect/>
-            </a:stretch>
-          </p:blipFill>
-          <p:spPr>
-            <a:xfrm>
-              <a:off x="9674704" y="4413105"/>
-              <a:ext cx="671640" cy="601188"/>
-            </a:xfrm>
-            <a:prstGeom prst="rect">
-              <a:avLst/>
-            </a:prstGeom>
-          </p:spPr>
-        </p:pic>
-      </p:grpSp>
-      <p:grpSp>
-        <p:nvGrpSpPr>
-          <p:cNvPr id="154" name="Group 153">
-            <a:extLst>
-              <a:ext uri="{FF2B5EF4-FFF2-40B4-BE49-F238E27FC236}">
-                <a16:creationId xmlns:a16="http://schemas.microsoft.com/office/drawing/2014/main" id="{65EBE515-B175-4727-9130-F14569590FD3}"/>
-              </a:ext>
-            </a:extLst>
-          </p:cNvPr>
-          <p:cNvGrpSpPr/>
-          <p:nvPr/>
-        </p:nvGrpSpPr>
-        <p:grpSpPr>
-          <a:xfrm>
-            <a:off x="950705" y="1281686"/>
-            <a:ext cx="2652505" cy="1695816"/>
-            <a:chOff x="1115774" y="1262636"/>
-            <a:chExt cx="2652505" cy="1695816"/>
-          </a:xfrm>
-        </p:grpSpPr>
-        <p:sp>
-          <p:nvSpPr>
-            <p:cNvPr id="155" name="Rounded Rectangle 6">
-              <a:extLst>
-                <a:ext uri="{FF2B5EF4-FFF2-40B4-BE49-F238E27FC236}">
-                  <a16:creationId xmlns:a16="http://schemas.microsoft.com/office/drawing/2014/main" id="{6C041228-C5B3-4B5D-9CDC-E44E39A9BBC3}"/>
-                </a:ext>
-              </a:extLst>
-            </p:cNvPr>
-            <p:cNvSpPr/>
-            <p:nvPr/>
-          </p:nvSpPr>
-          <p:spPr>
-            <a:xfrm>
-              <a:off x="1115774" y="2173415"/>
-              <a:ext cx="2652505" cy="785037"/>
-            </a:xfrm>
-            <a:prstGeom prst="roundRect">
-              <a:avLst/>
-            </a:prstGeom>
-            <a:noFill/>
-            <a:ln>
-              <a:noFill/>
-            </a:ln>
-          </p:spPr>
-          <p:style>
-            <a:lnRef idx="2">
-              <a:schemeClr val="accent1">
-                <a:shade val="50000"/>
-              </a:schemeClr>
-            </a:lnRef>
-            <a:fillRef idx="1">
-              <a:schemeClr val="accent1"/>
-            </a:fillRef>
-            <a:effectRef idx="0">
-              <a:schemeClr val="accent1"/>
-            </a:effectRef>
-            <a:fontRef idx="minor">
-              <a:schemeClr val="lt1"/>
-            </a:fontRef>
-          </p:style>
-          <p:txBody>
-            <a:bodyPr rtlCol="0" anchor="ctr"/>
-            <a:lstStyle/>
-            <a:p>
-              <a:pPr marL="0" marR="0" lvl="0" indent="0" algn="ctr" defTabSz="685577" rtl="0" eaLnBrk="1" fontAlgn="auto" latinLnBrk="0" hangingPunct="1">
-                <a:lnSpc>
-                  <a:spcPct val="100000"/>
-                </a:lnSpc>
-                <a:spcBef>
-                  <a:spcPts val="0"/>
-                </a:spcBef>
-                <a:spcAft>
-                  <a:spcPts val="0"/>
-                </a:spcAft>
-                <a:buClr>
-                  <a:srgbClr val="716FB3"/>
-                </a:buClr>
-                <a:buSzTx/>
-                <a:buFontTx/>
-                <a:buNone/>
-                <a:tabLst/>
-                <a:defRPr/>
-              </a:pPr>
-              <a:r>
-                <a:rPr kumimoji="0" lang="en-US" sz="1600" b="0" i="0" u="none" strike="noStrike" kern="0" cap="none" spc="0" normalizeH="0" baseline="0" noProof="0">
-                  <a:ln>
-                    <a:noFill/>
-                  </a:ln>
-                  <a:solidFill>
-                    <a:srgbClr val="1B1B1B"/>
-                  </a:solidFill>
-                  <a:effectLst/>
-                  <a:uLnTx/>
-                  <a:uFillTx/>
-                  <a:latin typeface="Adobe Clean SemiLight"/>
-                  <a:ea typeface="Arial" charset="0"/>
-                  <a:cs typeface="Franklin Gothic Book"/>
-                </a:rPr>
-                <a:t>Grow revenue</a:t>
-              </a:r>
-            </a:p>
-          </p:txBody>
-        </p:sp>
-        <p:grpSp>
-          <p:nvGrpSpPr>
-            <p:cNvPr id="156" name="Group 155">
-              <a:extLst>
-                <a:ext uri="{FF2B5EF4-FFF2-40B4-BE49-F238E27FC236}">
-                  <a16:creationId xmlns:a16="http://schemas.microsoft.com/office/drawing/2014/main" id="{A1D47872-3DA8-4B60-9D67-BEEBBD7C5F3D}"/>
-                </a:ext>
-              </a:extLst>
-            </p:cNvPr>
-            <p:cNvGrpSpPr/>
-            <p:nvPr/>
-          </p:nvGrpSpPr>
-          <p:grpSpPr>
-            <a:xfrm>
-              <a:off x="1935868" y="1262636"/>
-              <a:ext cx="1012317" cy="1012317"/>
-              <a:chOff x="427395" y="1874316"/>
-              <a:chExt cx="1197417" cy="1197417"/>
-            </a:xfrm>
-          </p:grpSpPr>
-          <p:grpSp>
-            <p:nvGrpSpPr>
-              <p:cNvPr id="158" name="Group 157">
-                <a:extLst>
-                  <a:ext uri="{FF2B5EF4-FFF2-40B4-BE49-F238E27FC236}">
-                    <a16:creationId xmlns:a16="http://schemas.microsoft.com/office/drawing/2014/main" id="{4A1DB20B-0A76-44FB-AB37-4086327CD965}"/>
-                  </a:ext>
-                </a:extLst>
-              </p:cNvPr>
-              <p:cNvGrpSpPr/>
-              <p:nvPr/>
-            </p:nvGrpSpPr>
-            <p:grpSpPr>
-              <a:xfrm>
-                <a:off x="427395" y="1874316"/>
-                <a:ext cx="1197417" cy="1197417"/>
-                <a:chOff x="5378677" y="2730500"/>
-                <a:chExt cx="2095500" cy="2095500"/>
-              </a:xfrm>
-            </p:grpSpPr>
-            <p:sp>
-              <p:nvSpPr>
-                <p:cNvPr id="160" name="Oval 159">
-                  <a:extLst>
-                    <a:ext uri="{FF2B5EF4-FFF2-40B4-BE49-F238E27FC236}">
-                      <a16:creationId xmlns:a16="http://schemas.microsoft.com/office/drawing/2014/main" id="{FE0C9F56-52B3-4463-92FD-8AC27D352E7D}"/>
-                    </a:ext>
-                  </a:extLst>
-                </p:cNvPr>
-                <p:cNvSpPr/>
-                <p:nvPr/>
-              </p:nvSpPr>
-              <p:spPr>
-                <a:xfrm>
-                  <a:off x="5378677" y="2730500"/>
-                  <a:ext cx="2095500" cy="2095500"/>
-                </a:xfrm>
-                <a:prstGeom prst="ellipse">
-                  <a:avLst/>
-                </a:prstGeom>
-                <a:solidFill>
-                  <a:srgbClr val="F4F6F8"/>
-                </a:solidFill>
-                <a:ln w="25400" cap="flat" cmpd="sng" algn="ctr">
-                  <a:noFill/>
-                  <a:prstDash val="solid"/>
-                </a:ln>
-                <a:effectLst>
-                  <a:outerShdw blurRad="88900" dist="38100" dir="2700000" algn="tl" rotWithShape="0">
-                    <a:prstClr val="black">
-                      <a:alpha val="15000"/>
-                    </a:prstClr>
-                  </a:outerShdw>
-                </a:effectLst>
-              </p:spPr>
-              <p:txBody>
-                <a:bodyPr rtlCol="0" anchor="ctr"/>
-                <a:lstStyle/>
-                <a:p>
-                  <a:pPr marL="0" marR="0" lvl="0" indent="0" algn="ctr" defTabSz="914126" rtl="0" eaLnBrk="1" fontAlgn="auto" latinLnBrk="0" hangingPunct="1">
-                    <a:lnSpc>
-                      <a:spcPct val="100000"/>
-                    </a:lnSpc>
-                    <a:spcBef>
-                      <a:spcPts val="0"/>
-                    </a:spcBef>
-                    <a:spcAft>
-                      <a:spcPts val="0"/>
-                    </a:spcAft>
-                    <a:buClrTx/>
-                    <a:buSzTx/>
-                    <a:buFontTx/>
-                    <a:buNone/>
-                    <a:tabLst/>
-                    <a:defRPr/>
-                  </a:pPr>
-                  <a:endParaRPr kumimoji="0" lang="en-GB" sz="1799" b="0" i="0" u="none" strike="noStrike" kern="0" cap="none" spc="0" normalizeH="0" baseline="0" noProof="0">
-                    <a:ln>
-                      <a:noFill/>
-                    </a:ln>
-                    <a:solidFill>
-                      <a:srgbClr val="1B1B1B"/>
-                    </a:solidFill>
-                    <a:effectLst/>
-                    <a:uLnTx/>
-                    <a:uFillTx/>
-                    <a:latin typeface="Adobe Clean SemiLight" panose="020B0403020404020204" pitchFamily="34" charset="0"/>
-                    <a:ea typeface="+mn-ea"/>
-                    <a:cs typeface="+mn-cs"/>
-                  </a:endParaRPr>
-                </a:p>
-              </p:txBody>
-            </p:sp>
-            <p:sp>
-              <p:nvSpPr>
-                <p:cNvPr id="161" name="Oval 160">
-                  <a:extLst>
-                    <a:ext uri="{FF2B5EF4-FFF2-40B4-BE49-F238E27FC236}">
-                      <a16:creationId xmlns:a16="http://schemas.microsoft.com/office/drawing/2014/main" id="{A806AFA9-4690-423F-B788-B420A88F63A9}"/>
-                    </a:ext>
-                  </a:extLst>
-                </p:cNvPr>
-                <p:cNvSpPr/>
-                <p:nvPr/>
-              </p:nvSpPr>
-              <p:spPr>
-                <a:xfrm>
-                  <a:off x="5378677" y="2730500"/>
-                  <a:ext cx="2095500" cy="2095500"/>
-                </a:xfrm>
-                <a:prstGeom prst="ellipse">
-                  <a:avLst/>
-                </a:prstGeom>
-                <a:gradFill flip="none" rotWithShape="1">
-                  <a:gsLst>
-                    <a:gs pos="0">
-                      <a:srgbClr val="EEEEEE"/>
-                    </a:gs>
-                    <a:gs pos="56000">
-                      <a:srgbClr val="F4F6F8">
-                        <a:alpha val="0"/>
-                      </a:srgbClr>
-                    </a:gs>
-                  </a:gsLst>
-                  <a:lin ang="2700000" scaled="1"/>
-                  <a:tileRect/>
-                </a:gradFill>
-                <a:ln w="25400" cap="flat" cmpd="sng" algn="ctr">
-                  <a:noFill/>
-                  <a:prstDash val="solid"/>
-                </a:ln>
-                <a:effectLst>
-                  <a:innerShdw blurRad="63500" dist="50800" dir="13500000">
-                    <a:srgbClr val="FFFFFF">
-                      <a:lumMod val="85000"/>
-                      <a:alpha val="84000"/>
-                    </a:srgbClr>
-                  </a:innerShdw>
-                </a:effectLst>
-              </p:spPr>
-              <p:txBody>
-                <a:bodyPr rtlCol="0" anchor="ctr"/>
-                <a:lstStyle/>
-                <a:p>
-                  <a:pPr marL="0" marR="0" lvl="0" indent="0" algn="ctr" defTabSz="914126" rtl="0" eaLnBrk="1" fontAlgn="auto" latinLnBrk="0" hangingPunct="1">
-                    <a:lnSpc>
-                      <a:spcPct val="100000"/>
-                    </a:lnSpc>
-                    <a:spcBef>
-                      <a:spcPts val="0"/>
-                    </a:spcBef>
-                    <a:spcAft>
-                      <a:spcPts val="0"/>
-                    </a:spcAft>
-                    <a:buClrTx/>
-                    <a:buSzTx/>
-                    <a:buFontTx/>
-                    <a:buNone/>
-                    <a:tabLst/>
-                    <a:defRPr/>
-                  </a:pPr>
-                  <a:endParaRPr kumimoji="0" lang="en-GB" sz="1799" b="0" i="0" u="none" strike="noStrike" kern="0" cap="none" spc="0" normalizeH="0" baseline="0" noProof="0">
-                    <a:ln>
-                      <a:noFill/>
-                    </a:ln>
-                    <a:solidFill>
-                      <a:srgbClr val="1B1B1B"/>
-                    </a:solidFill>
-                    <a:effectLst/>
-                    <a:uLnTx/>
-                    <a:uFillTx/>
-                    <a:latin typeface="Adobe Clean SemiLight" panose="020B0403020404020204" pitchFamily="34" charset="0"/>
-                    <a:ea typeface="+mn-ea"/>
-                    <a:cs typeface="+mn-cs"/>
-                  </a:endParaRPr>
-                </a:p>
-              </p:txBody>
-            </p:sp>
-          </p:grpSp>
-          <p:sp>
-            <p:nvSpPr>
-              <p:cNvPr id="159" name="Oval 158">
-                <a:extLst>
-                  <a:ext uri="{FF2B5EF4-FFF2-40B4-BE49-F238E27FC236}">
-                    <a16:creationId xmlns:a16="http://schemas.microsoft.com/office/drawing/2014/main" id="{E8ADF120-DF51-4B96-885D-4F6A188E9CB9}"/>
-                  </a:ext>
-                </a:extLst>
-              </p:cNvPr>
-              <p:cNvSpPr/>
-              <p:nvPr/>
-            </p:nvSpPr>
-            <p:spPr>
-              <a:xfrm>
-                <a:off x="503993" y="1950914"/>
-                <a:ext cx="1044221" cy="1044221"/>
-              </a:xfrm>
-              <a:prstGeom prst="ellipse">
-                <a:avLst/>
-              </a:prstGeom>
-              <a:solidFill>
-                <a:srgbClr val="1B1B1B"/>
-              </a:solidFill>
-              <a:ln w="25400" cap="flat" cmpd="sng" algn="ctr">
-                <a:noFill/>
-                <a:prstDash val="solid"/>
-              </a:ln>
-              <a:effectLst>
-                <a:innerShdw blurRad="114300">
-                  <a:prstClr val="black">
-                    <a:alpha val="20000"/>
-                  </a:prstClr>
-                </a:innerShdw>
-              </a:effectLst>
-            </p:spPr>
-            <p:txBody>
-              <a:bodyPr rtlCol="0" anchor="ctr"/>
-              <a:lstStyle/>
-              <a:p>
-                <a:pPr marL="0" marR="0" lvl="0" indent="0" algn="ctr" defTabSz="914400" rtl="0" eaLnBrk="1" fontAlgn="auto" latinLnBrk="0" hangingPunct="1">
-                  <a:lnSpc>
-                    <a:spcPct val="100000"/>
-                  </a:lnSpc>
-                  <a:spcBef>
-                    <a:spcPts val="0"/>
-                  </a:spcBef>
-                  <a:spcAft>
-                    <a:spcPts val="0"/>
-                  </a:spcAft>
-                  <a:buClrTx/>
-                  <a:buSzTx/>
-                  <a:buFontTx/>
-                  <a:buNone/>
-                  <a:tabLst/>
-                  <a:defRPr/>
-                </a:pPr>
-                <a:endParaRPr kumimoji="0" lang="en-GB" sz="1800" b="0" i="0" u="none" strike="noStrike" kern="0" cap="none" spc="0" normalizeH="0" baseline="0" noProof="0">
-                  <a:ln>
-                    <a:noFill/>
-                  </a:ln>
-                  <a:solidFill>
-                    <a:srgbClr val="1B1B1B"/>
-                  </a:solidFill>
-                  <a:effectLst/>
-                  <a:uLnTx/>
-                  <a:uFillTx/>
-                  <a:latin typeface="Adobe Clean SemiLight" panose="020B0403020404020204" pitchFamily="34" charset="0"/>
-                  <a:ea typeface="+mn-ea"/>
-                  <a:cs typeface="+mn-cs"/>
-                </a:endParaRPr>
-              </a:p>
-            </p:txBody>
-          </p:sp>
-        </p:grpSp>
-        <p:pic>
-          <p:nvPicPr>
-            <p:cNvPr id="157" name="Graphic 156">
-              <a:extLst>
-                <a:ext uri="{FF2B5EF4-FFF2-40B4-BE49-F238E27FC236}">
-                  <a16:creationId xmlns:a16="http://schemas.microsoft.com/office/drawing/2014/main" id="{8072A69F-0734-458C-9F93-3989F826C876}"/>
-                </a:ext>
-              </a:extLst>
-            </p:cNvPr>
-            <p:cNvPicPr>
-              <a:picLocks noChangeAspect="1"/>
-            </p:cNvPicPr>
-            <p:nvPr/>
-          </p:nvPicPr>
-          <p:blipFill>
-            <a:blip r:embed="rId9">
-              <a:extLst>
-                <a:ext uri="{96DAC541-7B7A-43D3-8B79-37D633B846F1}">
-                  <asvg:svgBlip xmlns:asvg="http://schemas.microsoft.com/office/drawing/2016/SVG/main" r:embed="rId10"/>
-                </a:ext>
-              </a:extLst>
-            </a:blip>
-            <a:stretch>
-              <a:fillRect/>
-            </a:stretch>
-          </p:blipFill>
-          <p:spPr>
-            <a:xfrm>
-              <a:off x="2178425" y="1540032"/>
-              <a:ext cx="527202" cy="465178"/>
-            </a:xfrm>
-            <a:prstGeom prst="rect">
-              <a:avLst/>
-            </a:prstGeom>
-          </p:spPr>
-        </p:pic>
-      </p:grpSp>
-      <p:grpSp>
-        <p:nvGrpSpPr>
-          <p:cNvPr id="162" name="Group 161">
-            <a:extLst>
-              <a:ext uri="{FF2B5EF4-FFF2-40B4-BE49-F238E27FC236}">
-                <a16:creationId xmlns:a16="http://schemas.microsoft.com/office/drawing/2014/main" id="{36C575C8-9E20-41EF-8844-B67342577E92}"/>
-              </a:ext>
-            </a:extLst>
-          </p:cNvPr>
-          <p:cNvGrpSpPr/>
-          <p:nvPr/>
-        </p:nvGrpSpPr>
-        <p:grpSpPr>
-          <a:xfrm>
-            <a:off x="8421370" y="1281686"/>
-            <a:ext cx="2819925" cy="1695816"/>
-            <a:chOff x="8586439" y="1262636"/>
-            <a:chExt cx="2819925" cy="1695816"/>
-          </a:xfrm>
-        </p:grpSpPr>
-        <p:sp>
-          <p:nvSpPr>
-            <p:cNvPr id="163" name="Rounded Rectangle 6">
-              <a:extLst>
-                <a:ext uri="{FF2B5EF4-FFF2-40B4-BE49-F238E27FC236}">
-                  <a16:creationId xmlns:a16="http://schemas.microsoft.com/office/drawing/2014/main" id="{824D3708-8250-434E-A5C6-84A4ED2DC551}"/>
-                </a:ext>
-              </a:extLst>
-            </p:cNvPr>
-            <p:cNvSpPr/>
-            <p:nvPr/>
-          </p:nvSpPr>
-          <p:spPr>
-            <a:xfrm>
-              <a:off x="8586439" y="2173415"/>
-              <a:ext cx="2819925" cy="785037"/>
-            </a:xfrm>
-            <a:prstGeom prst="roundRect">
-              <a:avLst/>
-            </a:prstGeom>
-            <a:noFill/>
-            <a:ln>
-              <a:noFill/>
-            </a:ln>
-          </p:spPr>
-          <p:style>
-            <a:lnRef idx="2">
-              <a:schemeClr val="accent1">
-                <a:shade val="50000"/>
-              </a:schemeClr>
-            </a:lnRef>
-            <a:fillRef idx="1">
-              <a:schemeClr val="accent1"/>
-            </a:fillRef>
-            <a:effectRef idx="0">
-              <a:schemeClr val="accent1"/>
-            </a:effectRef>
-            <a:fontRef idx="minor">
-              <a:schemeClr val="lt1"/>
-            </a:fontRef>
-          </p:style>
-          <p:txBody>
-            <a:bodyPr rtlCol="0" anchor="ctr"/>
-            <a:lstStyle/>
-            <a:p>
-              <a:pPr marL="0" marR="0" lvl="0" indent="0" algn="ctr" defTabSz="685577" rtl="0" eaLnBrk="1" fontAlgn="auto" latinLnBrk="0" hangingPunct="1">
-                <a:lnSpc>
-                  <a:spcPct val="100000"/>
-                </a:lnSpc>
-                <a:spcBef>
-                  <a:spcPts val="0"/>
-                </a:spcBef>
-                <a:spcAft>
-                  <a:spcPts val="0"/>
-                </a:spcAft>
-                <a:buClr>
-                  <a:srgbClr val="716FB3"/>
-                </a:buClr>
-                <a:buSzTx/>
-                <a:buFontTx/>
-                <a:buNone/>
-                <a:tabLst/>
-                <a:defRPr/>
-              </a:pPr>
-              <a:r>
-                <a:rPr kumimoji="0" lang="en-US" sz="1600" b="0" i="0" u="none" strike="noStrike" kern="0" cap="none" spc="0" normalizeH="0" baseline="0" noProof="0">
-                  <a:ln>
-                    <a:noFill/>
-                  </a:ln>
-                  <a:solidFill>
-                    <a:srgbClr val="1B1B1B"/>
-                  </a:solidFill>
-                  <a:effectLst/>
-                  <a:uLnTx/>
-                  <a:uFillTx/>
-                  <a:latin typeface="Adobe Clean SemiLight"/>
-                  <a:ea typeface="+mn-ea"/>
-                  <a:cs typeface="+mn-cs"/>
-                </a:rPr>
-                <a:t>Increase customer loyalty</a:t>
-              </a:r>
-            </a:p>
-          </p:txBody>
-        </p:sp>
-        <p:grpSp>
-          <p:nvGrpSpPr>
-            <p:cNvPr id="164" name="Group 163">
-              <a:extLst>
-                <a:ext uri="{FF2B5EF4-FFF2-40B4-BE49-F238E27FC236}">
-                  <a16:creationId xmlns:a16="http://schemas.microsoft.com/office/drawing/2014/main" id="{D1014452-FAA1-41DC-A049-366FB0B883C7}"/>
-                </a:ext>
-              </a:extLst>
-            </p:cNvPr>
-            <p:cNvGrpSpPr/>
-            <p:nvPr/>
-          </p:nvGrpSpPr>
-          <p:grpSpPr>
-            <a:xfrm>
-              <a:off x="9490243" y="1262636"/>
-              <a:ext cx="1012317" cy="1012317"/>
-              <a:chOff x="427395" y="1874316"/>
-              <a:chExt cx="1197417" cy="1197417"/>
-            </a:xfrm>
-          </p:grpSpPr>
-          <p:grpSp>
-            <p:nvGrpSpPr>
-              <p:cNvPr id="166" name="Group 165">
-                <a:extLst>
-                  <a:ext uri="{FF2B5EF4-FFF2-40B4-BE49-F238E27FC236}">
-                    <a16:creationId xmlns:a16="http://schemas.microsoft.com/office/drawing/2014/main" id="{5E4DF3DF-3ABC-4971-8B05-C801C8BEDF39}"/>
-                  </a:ext>
-                </a:extLst>
-              </p:cNvPr>
-              <p:cNvGrpSpPr/>
-              <p:nvPr/>
-            </p:nvGrpSpPr>
-            <p:grpSpPr>
-              <a:xfrm>
-                <a:off x="427395" y="1874316"/>
-                <a:ext cx="1197417" cy="1197417"/>
-                <a:chOff x="5378677" y="2730500"/>
-                <a:chExt cx="2095500" cy="2095500"/>
-              </a:xfrm>
-            </p:grpSpPr>
-            <p:sp>
-              <p:nvSpPr>
-                <p:cNvPr id="168" name="Oval 167">
-                  <a:extLst>
-                    <a:ext uri="{FF2B5EF4-FFF2-40B4-BE49-F238E27FC236}">
-                      <a16:creationId xmlns:a16="http://schemas.microsoft.com/office/drawing/2014/main" id="{1F592FB9-39E2-4347-8E5C-8AB90282F010}"/>
-                    </a:ext>
-                  </a:extLst>
-                </p:cNvPr>
-                <p:cNvSpPr/>
-                <p:nvPr/>
-              </p:nvSpPr>
-              <p:spPr>
-                <a:xfrm>
-                  <a:off x="5378677" y="2730500"/>
-                  <a:ext cx="2095500" cy="2095500"/>
-                </a:xfrm>
-                <a:prstGeom prst="ellipse">
-                  <a:avLst/>
-                </a:prstGeom>
-                <a:solidFill>
-                  <a:srgbClr val="F4F6F8"/>
-                </a:solidFill>
-                <a:ln w="25400" cap="flat" cmpd="sng" algn="ctr">
-                  <a:noFill/>
-                  <a:prstDash val="solid"/>
-                </a:ln>
-                <a:effectLst>
-                  <a:outerShdw blurRad="88900" dist="38100" dir="2700000" algn="tl" rotWithShape="0">
-                    <a:prstClr val="black">
-                      <a:alpha val="15000"/>
-                    </a:prstClr>
-                  </a:outerShdw>
-                </a:effectLst>
-              </p:spPr>
-              <p:txBody>
-                <a:bodyPr rtlCol="0" anchor="ctr"/>
-                <a:lstStyle/>
-                <a:p>
-                  <a:pPr marL="0" marR="0" lvl="0" indent="0" algn="ctr" defTabSz="914126" rtl="0" eaLnBrk="1" fontAlgn="auto" latinLnBrk="0" hangingPunct="1">
-                    <a:lnSpc>
-                      <a:spcPct val="100000"/>
-                    </a:lnSpc>
-                    <a:spcBef>
-                      <a:spcPts val="0"/>
-                    </a:spcBef>
-                    <a:spcAft>
-                      <a:spcPts val="0"/>
-                    </a:spcAft>
-                    <a:buClrTx/>
-                    <a:buSzTx/>
-                    <a:buFontTx/>
-                    <a:buNone/>
-                    <a:tabLst/>
-                    <a:defRPr/>
-                  </a:pPr>
-                  <a:endParaRPr kumimoji="0" lang="en-GB" sz="1799" b="0" i="0" u="none" strike="noStrike" kern="0" cap="none" spc="0" normalizeH="0" baseline="0" noProof="0">
-                    <a:ln>
-                      <a:noFill/>
-                    </a:ln>
-                    <a:solidFill>
-                      <a:srgbClr val="1B1B1B"/>
-                    </a:solidFill>
-                    <a:effectLst/>
-                    <a:uLnTx/>
-                    <a:uFillTx/>
-                    <a:latin typeface="Adobe Clean SemiLight" panose="020B0403020404020204" pitchFamily="34" charset="0"/>
-                    <a:ea typeface="+mn-ea"/>
-                    <a:cs typeface="+mn-cs"/>
-                  </a:endParaRPr>
-                </a:p>
-              </p:txBody>
-            </p:sp>
-            <p:sp>
-              <p:nvSpPr>
-                <p:cNvPr id="169" name="Oval 168">
-                  <a:extLst>
-                    <a:ext uri="{FF2B5EF4-FFF2-40B4-BE49-F238E27FC236}">
-                      <a16:creationId xmlns:a16="http://schemas.microsoft.com/office/drawing/2014/main" id="{4CA8CE45-F80C-4575-B9DD-CA8793800A3F}"/>
-                    </a:ext>
-                  </a:extLst>
-                </p:cNvPr>
-                <p:cNvSpPr/>
-                <p:nvPr/>
-              </p:nvSpPr>
-              <p:spPr>
-                <a:xfrm>
-                  <a:off x="5378677" y="2730500"/>
-                  <a:ext cx="2095500" cy="2095500"/>
-                </a:xfrm>
-                <a:prstGeom prst="ellipse">
-                  <a:avLst/>
-                </a:prstGeom>
-                <a:gradFill flip="none" rotWithShape="1">
-                  <a:gsLst>
-                    <a:gs pos="0">
-                      <a:srgbClr val="EEEEEE"/>
-                    </a:gs>
-                    <a:gs pos="56000">
-                      <a:srgbClr val="F4F6F8">
-                        <a:alpha val="0"/>
-                      </a:srgbClr>
-                    </a:gs>
-                  </a:gsLst>
-                  <a:lin ang="2700000" scaled="1"/>
-                  <a:tileRect/>
-                </a:gradFill>
-                <a:ln w="25400" cap="flat" cmpd="sng" algn="ctr">
-                  <a:noFill/>
-                  <a:prstDash val="solid"/>
-                </a:ln>
-                <a:effectLst>
-                  <a:innerShdw blurRad="63500" dist="50800" dir="13500000">
-                    <a:srgbClr val="FFFFFF">
-                      <a:lumMod val="85000"/>
-                      <a:alpha val="84000"/>
-                    </a:srgbClr>
-                  </a:innerShdw>
-                </a:effectLst>
-              </p:spPr>
-              <p:txBody>
-                <a:bodyPr rtlCol="0" anchor="ctr"/>
-                <a:lstStyle/>
-                <a:p>
-                  <a:pPr marL="0" marR="0" lvl="0" indent="0" algn="ctr" defTabSz="914126" rtl="0" eaLnBrk="1" fontAlgn="auto" latinLnBrk="0" hangingPunct="1">
-                    <a:lnSpc>
-                      <a:spcPct val="100000"/>
-                    </a:lnSpc>
-                    <a:spcBef>
-                      <a:spcPts val="0"/>
-                    </a:spcBef>
-                    <a:spcAft>
-                      <a:spcPts val="0"/>
-                    </a:spcAft>
-                    <a:buClrTx/>
-                    <a:buSzTx/>
-                    <a:buFontTx/>
-                    <a:buNone/>
-                    <a:tabLst/>
-                    <a:defRPr/>
-                  </a:pPr>
-                  <a:endParaRPr kumimoji="0" lang="en-GB" sz="1799" b="0" i="0" u="none" strike="noStrike" kern="0" cap="none" spc="0" normalizeH="0" baseline="0" noProof="0">
-                    <a:ln>
-                      <a:noFill/>
-                    </a:ln>
-                    <a:solidFill>
-                      <a:srgbClr val="1B1B1B"/>
-                    </a:solidFill>
-                    <a:effectLst/>
-                    <a:uLnTx/>
-                    <a:uFillTx/>
-                    <a:latin typeface="Adobe Clean SemiLight" panose="020B0403020404020204" pitchFamily="34" charset="0"/>
-                    <a:ea typeface="+mn-ea"/>
-                    <a:cs typeface="+mn-cs"/>
-                  </a:endParaRPr>
-                </a:p>
-              </p:txBody>
-            </p:sp>
-          </p:grpSp>
-          <p:sp>
-            <p:nvSpPr>
-              <p:cNvPr id="167" name="Oval 166">
-                <a:extLst>
-                  <a:ext uri="{FF2B5EF4-FFF2-40B4-BE49-F238E27FC236}">
-                    <a16:creationId xmlns:a16="http://schemas.microsoft.com/office/drawing/2014/main" id="{129DDF5D-A2E2-4ABF-A2A0-7F8613C9D85F}"/>
-                  </a:ext>
-                </a:extLst>
-              </p:cNvPr>
-              <p:cNvSpPr/>
-              <p:nvPr/>
-            </p:nvSpPr>
-            <p:spPr>
-              <a:xfrm>
-                <a:off x="503993" y="1950914"/>
-                <a:ext cx="1044221" cy="1044221"/>
-              </a:xfrm>
-              <a:prstGeom prst="ellipse">
-                <a:avLst/>
-              </a:prstGeom>
-              <a:solidFill>
-                <a:srgbClr val="1B1B1B"/>
-              </a:solidFill>
-              <a:ln w="25400" cap="flat" cmpd="sng" algn="ctr">
-                <a:noFill/>
-                <a:prstDash val="solid"/>
-              </a:ln>
-              <a:effectLst>
-                <a:innerShdw blurRad="114300">
-                  <a:prstClr val="black">
-                    <a:alpha val="20000"/>
-                  </a:prstClr>
-                </a:innerShdw>
-              </a:effectLst>
-            </p:spPr>
-            <p:txBody>
-              <a:bodyPr rtlCol="0" anchor="ctr"/>
-              <a:lstStyle/>
-              <a:p>
-                <a:pPr marL="0" marR="0" lvl="0" indent="0" algn="ctr" defTabSz="914400" rtl="0" eaLnBrk="1" fontAlgn="auto" latinLnBrk="0" hangingPunct="1">
-                  <a:lnSpc>
-                    <a:spcPct val="100000"/>
-                  </a:lnSpc>
-                  <a:spcBef>
-                    <a:spcPts val="0"/>
-                  </a:spcBef>
-                  <a:spcAft>
-                    <a:spcPts val="0"/>
-                  </a:spcAft>
-                  <a:buClrTx/>
-                  <a:buSzTx/>
-                  <a:buFontTx/>
-                  <a:buNone/>
-                  <a:tabLst/>
-                  <a:defRPr/>
-                </a:pPr>
-                <a:endParaRPr kumimoji="0" lang="en-GB" sz="1800" b="0" i="0" u="none" strike="noStrike" kern="0" cap="none" spc="0" normalizeH="0" baseline="0" noProof="0">
-                  <a:ln>
-                    <a:noFill/>
-                  </a:ln>
-                  <a:solidFill>
-                    <a:srgbClr val="1B1B1B"/>
-                  </a:solidFill>
-                  <a:effectLst/>
-                  <a:uLnTx/>
-                  <a:uFillTx/>
-                  <a:latin typeface="Adobe Clean SemiLight" panose="020B0403020404020204" pitchFamily="34" charset="0"/>
-                  <a:ea typeface="+mn-ea"/>
-                  <a:cs typeface="+mn-cs"/>
-                </a:endParaRPr>
-              </a:p>
-            </p:txBody>
-          </p:sp>
-        </p:grpSp>
-        <p:pic>
-          <p:nvPicPr>
-            <p:cNvPr id="165" name="Graphic 164">
-              <a:extLst>
-                <a:ext uri="{FF2B5EF4-FFF2-40B4-BE49-F238E27FC236}">
-                  <a16:creationId xmlns:a16="http://schemas.microsoft.com/office/drawing/2014/main" id="{F9DA9766-144C-4AE9-8944-BD4507903C99}"/>
-                </a:ext>
-              </a:extLst>
-            </p:cNvPr>
-            <p:cNvPicPr>
-              <a:picLocks noChangeAspect="1"/>
-            </p:cNvPicPr>
-            <p:nvPr/>
-          </p:nvPicPr>
-          <p:blipFill>
-            <a:blip r:embed="rId11">
-              <a:extLst>
-                <a:ext uri="{96DAC541-7B7A-43D3-8B79-37D633B846F1}">
-                  <asvg:svgBlip xmlns:asvg="http://schemas.microsoft.com/office/drawing/2016/SVG/main" r:embed="rId12"/>
-                </a:ext>
-              </a:extLst>
-            </a:blip>
-            <a:stretch>
-              <a:fillRect/>
-            </a:stretch>
-          </p:blipFill>
-          <p:spPr>
-            <a:xfrm>
-              <a:off x="9724245" y="1507153"/>
-              <a:ext cx="508646" cy="508646"/>
-            </a:xfrm>
-            <a:prstGeom prst="rect">
-              <a:avLst/>
-            </a:prstGeom>
-          </p:spPr>
-        </p:pic>
-      </p:grpSp>
-      <p:grpSp>
-        <p:nvGrpSpPr>
-          <p:cNvPr id="170" name="Group 169">
-            <a:extLst>
-              <a:ext uri="{FF2B5EF4-FFF2-40B4-BE49-F238E27FC236}">
-                <a16:creationId xmlns:a16="http://schemas.microsoft.com/office/drawing/2014/main" id="{4D6874C4-5668-48E1-948B-4F8EE6A904CD}"/>
-              </a:ext>
-            </a:extLst>
-          </p:cNvPr>
-          <p:cNvGrpSpPr/>
-          <p:nvPr/>
-        </p:nvGrpSpPr>
-        <p:grpSpPr>
-          <a:xfrm>
-            <a:off x="4709989" y="1281686"/>
-            <a:ext cx="2604602" cy="1802151"/>
-            <a:chOff x="4684911" y="1262636"/>
-            <a:chExt cx="2604602" cy="1802151"/>
-          </a:xfrm>
-        </p:grpSpPr>
-        <p:sp>
-          <p:nvSpPr>
-            <p:cNvPr id="171" name="Rounded Rectangle 8">
-              <a:extLst>
-                <a:ext uri="{FF2B5EF4-FFF2-40B4-BE49-F238E27FC236}">
-                  <a16:creationId xmlns:a16="http://schemas.microsoft.com/office/drawing/2014/main" id="{88E499EF-5C17-4C12-AF42-A5988D8B3536}"/>
-                </a:ext>
-              </a:extLst>
-            </p:cNvPr>
-            <p:cNvSpPr/>
-            <p:nvPr/>
-          </p:nvSpPr>
-          <p:spPr>
-            <a:xfrm>
-              <a:off x="4684911" y="2287341"/>
-              <a:ext cx="2604602" cy="777446"/>
-            </a:xfrm>
-            <a:prstGeom prst="roundRect">
-              <a:avLst/>
-            </a:prstGeom>
-            <a:noFill/>
-            <a:ln>
-              <a:noFill/>
-            </a:ln>
-          </p:spPr>
-          <p:style>
-            <a:lnRef idx="2">
-              <a:schemeClr val="accent1">
-                <a:shade val="50000"/>
-              </a:schemeClr>
-            </a:lnRef>
-            <a:fillRef idx="1">
-              <a:schemeClr val="accent1"/>
-            </a:fillRef>
-            <a:effectRef idx="0">
-              <a:schemeClr val="accent1"/>
-            </a:effectRef>
-            <a:fontRef idx="minor">
-              <a:schemeClr val="lt1"/>
-            </a:fontRef>
-          </p:style>
-          <p:txBody>
-            <a:bodyPr rtlCol="0" anchor="ctr"/>
-            <a:lstStyle/>
-            <a:p>
-              <a:pPr marL="0" marR="0" lvl="0" indent="0" algn="ctr" defTabSz="685577" rtl="0" eaLnBrk="1" fontAlgn="auto" latinLnBrk="0" hangingPunct="1">
-                <a:lnSpc>
-                  <a:spcPct val="100000"/>
-                </a:lnSpc>
-                <a:spcBef>
-                  <a:spcPts val="0"/>
-                </a:spcBef>
-                <a:spcAft>
-                  <a:spcPts val="0"/>
-                </a:spcAft>
-                <a:buClr>
-                  <a:srgbClr val="716FB3"/>
-                </a:buClr>
-                <a:buSzTx/>
-                <a:buFontTx/>
-                <a:buNone/>
-                <a:tabLst/>
-                <a:defRPr/>
-              </a:pPr>
-              <a:r>
-                <a:rPr kumimoji="0" lang="en-US" sz="1600" b="0" i="0" u="none" strike="noStrike" kern="0" cap="none" spc="0" normalizeH="0" baseline="0" noProof="0">
-                  <a:ln>
-                    <a:noFill/>
-                  </a:ln>
-                  <a:solidFill>
-                    <a:srgbClr val="1B1B1B"/>
-                  </a:solidFill>
-                  <a:effectLst/>
-                  <a:uLnTx/>
-                  <a:uFillTx/>
-                  <a:latin typeface="Adobe Clean SemiLight"/>
-                  <a:ea typeface="+mn-ea"/>
-                  <a:cs typeface="+mn-cs"/>
-                </a:rPr>
-                <a:t>Increase engagement &amp; conversion</a:t>
-              </a:r>
-            </a:p>
-          </p:txBody>
-        </p:sp>
-        <p:grpSp>
-          <p:nvGrpSpPr>
-            <p:cNvPr id="172" name="Group 171">
-              <a:extLst>
-                <a:ext uri="{FF2B5EF4-FFF2-40B4-BE49-F238E27FC236}">
-                  <a16:creationId xmlns:a16="http://schemas.microsoft.com/office/drawing/2014/main" id="{44304E6A-F7A2-426B-B0A9-3334B5036ECE}"/>
-                </a:ext>
-              </a:extLst>
-            </p:cNvPr>
-            <p:cNvGrpSpPr/>
-            <p:nvPr/>
-          </p:nvGrpSpPr>
-          <p:grpSpPr>
-            <a:xfrm>
-              <a:off x="5481054" y="1262636"/>
-              <a:ext cx="1012317" cy="1012317"/>
-              <a:chOff x="427395" y="1874316"/>
-              <a:chExt cx="1197417" cy="1197417"/>
-            </a:xfrm>
-          </p:grpSpPr>
-          <p:grpSp>
-            <p:nvGrpSpPr>
-              <p:cNvPr id="174" name="Group 173">
-                <a:extLst>
-                  <a:ext uri="{FF2B5EF4-FFF2-40B4-BE49-F238E27FC236}">
-                    <a16:creationId xmlns:a16="http://schemas.microsoft.com/office/drawing/2014/main" id="{D19B1E2A-F60D-4F55-A231-42B08CE23E72}"/>
-                  </a:ext>
-                </a:extLst>
-              </p:cNvPr>
-              <p:cNvGrpSpPr/>
-              <p:nvPr/>
-            </p:nvGrpSpPr>
-            <p:grpSpPr>
-              <a:xfrm>
-                <a:off x="427395" y="1874316"/>
-                <a:ext cx="1197417" cy="1197417"/>
-                <a:chOff x="5378677" y="2730500"/>
-                <a:chExt cx="2095500" cy="2095500"/>
-              </a:xfrm>
-            </p:grpSpPr>
-            <p:sp>
-              <p:nvSpPr>
-                <p:cNvPr id="176" name="Oval 175">
-                  <a:extLst>
-                    <a:ext uri="{FF2B5EF4-FFF2-40B4-BE49-F238E27FC236}">
-                      <a16:creationId xmlns:a16="http://schemas.microsoft.com/office/drawing/2014/main" id="{BC9380CB-6E1A-40E5-8486-CBF1B79C8B3A}"/>
-                    </a:ext>
-                  </a:extLst>
-                </p:cNvPr>
-                <p:cNvSpPr/>
-                <p:nvPr/>
-              </p:nvSpPr>
-              <p:spPr>
-                <a:xfrm>
-                  <a:off x="5378677" y="2730500"/>
-                  <a:ext cx="2095500" cy="2095500"/>
-                </a:xfrm>
-                <a:prstGeom prst="ellipse">
-                  <a:avLst/>
-                </a:prstGeom>
-                <a:solidFill>
-                  <a:srgbClr val="F4F6F8"/>
-                </a:solidFill>
-                <a:ln w="25400" cap="flat" cmpd="sng" algn="ctr">
-                  <a:noFill/>
-                  <a:prstDash val="solid"/>
-                </a:ln>
-                <a:effectLst>
-                  <a:outerShdw blurRad="88900" dist="38100" dir="2700000" algn="tl" rotWithShape="0">
-                    <a:prstClr val="black">
-                      <a:alpha val="15000"/>
-                    </a:prstClr>
-                  </a:outerShdw>
-                </a:effectLst>
-              </p:spPr>
-              <p:txBody>
-                <a:bodyPr rtlCol="0" anchor="ctr"/>
-                <a:lstStyle/>
-                <a:p>
-                  <a:pPr marL="0" marR="0" lvl="0" indent="0" algn="ctr" defTabSz="914126" rtl="0" eaLnBrk="1" fontAlgn="auto" latinLnBrk="0" hangingPunct="1">
-                    <a:lnSpc>
-                      <a:spcPct val="100000"/>
-                    </a:lnSpc>
-                    <a:spcBef>
-                      <a:spcPts val="0"/>
-                    </a:spcBef>
-                    <a:spcAft>
-                      <a:spcPts val="0"/>
-                    </a:spcAft>
-                    <a:buClrTx/>
-                    <a:buSzTx/>
-                    <a:buFontTx/>
-                    <a:buNone/>
-                    <a:tabLst/>
-                    <a:defRPr/>
-                  </a:pPr>
-                  <a:endParaRPr kumimoji="0" lang="en-GB" sz="1799" b="0" i="0" u="none" strike="noStrike" kern="0" cap="none" spc="0" normalizeH="0" baseline="0" noProof="0">
-                    <a:ln>
-                      <a:noFill/>
-                    </a:ln>
-                    <a:solidFill>
-                      <a:srgbClr val="1B1B1B"/>
-                    </a:solidFill>
-                    <a:effectLst/>
-                    <a:uLnTx/>
-                    <a:uFillTx/>
-                    <a:latin typeface="Adobe Clean SemiLight" panose="020B0403020404020204" pitchFamily="34" charset="0"/>
-                    <a:ea typeface="+mn-ea"/>
-                    <a:cs typeface="+mn-cs"/>
-                  </a:endParaRPr>
-                </a:p>
-              </p:txBody>
-            </p:sp>
-            <p:sp>
-              <p:nvSpPr>
-                <p:cNvPr id="177" name="Oval 176">
-                  <a:extLst>
-                    <a:ext uri="{FF2B5EF4-FFF2-40B4-BE49-F238E27FC236}">
-                      <a16:creationId xmlns:a16="http://schemas.microsoft.com/office/drawing/2014/main" id="{7BB94FA7-B40D-4E5A-AD79-9A17B724D4DA}"/>
-                    </a:ext>
-                  </a:extLst>
-                </p:cNvPr>
-                <p:cNvSpPr/>
-                <p:nvPr/>
-              </p:nvSpPr>
-              <p:spPr>
-                <a:xfrm>
-                  <a:off x="5378677" y="2730500"/>
-                  <a:ext cx="2095500" cy="2095500"/>
-                </a:xfrm>
-                <a:prstGeom prst="ellipse">
-                  <a:avLst/>
-                </a:prstGeom>
-                <a:gradFill flip="none" rotWithShape="1">
-                  <a:gsLst>
-                    <a:gs pos="0">
-                      <a:srgbClr val="EEEEEE"/>
-                    </a:gs>
-                    <a:gs pos="56000">
-                      <a:srgbClr val="F4F6F8">
-                        <a:alpha val="0"/>
-                      </a:srgbClr>
-                    </a:gs>
-                  </a:gsLst>
-                  <a:lin ang="2700000" scaled="1"/>
-                  <a:tileRect/>
-                </a:gradFill>
-                <a:ln w="25400" cap="flat" cmpd="sng" algn="ctr">
-                  <a:noFill/>
-                  <a:prstDash val="solid"/>
-                </a:ln>
-                <a:effectLst>
-                  <a:innerShdw blurRad="63500" dist="50800" dir="13500000">
-                    <a:srgbClr val="FFFFFF">
-                      <a:lumMod val="85000"/>
-                      <a:alpha val="84000"/>
-                    </a:srgbClr>
-                  </a:innerShdw>
-                </a:effectLst>
-              </p:spPr>
-              <p:txBody>
-                <a:bodyPr rtlCol="0" anchor="ctr"/>
-                <a:lstStyle/>
-                <a:p>
-                  <a:pPr marL="0" marR="0" lvl="0" indent="0" algn="ctr" defTabSz="914126" rtl="0" eaLnBrk="1" fontAlgn="auto" latinLnBrk="0" hangingPunct="1">
-                    <a:lnSpc>
-                      <a:spcPct val="100000"/>
-                    </a:lnSpc>
-                    <a:spcBef>
-                      <a:spcPts val="0"/>
-                    </a:spcBef>
-                    <a:spcAft>
-                      <a:spcPts val="0"/>
-                    </a:spcAft>
-                    <a:buClrTx/>
-                    <a:buSzTx/>
-                    <a:buFontTx/>
-                    <a:buNone/>
-                    <a:tabLst/>
-                    <a:defRPr/>
-                  </a:pPr>
-                  <a:endParaRPr kumimoji="0" lang="en-GB" sz="1799" b="0" i="0" u="none" strike="noStrike" kern="0" cap="none" spc="0" normalizeH="0" baseline="0" noProof="0">
-                    <a:ln>
-                      <a:noFill/>
-                    </a:ln>
-                    <a:solidFill>
-                      <a:srgbClr val="1B1B1B"/>
-                    </a:solidFill>
-                    <a:effectLst/>
-                    <a:uLnTx/>
-                    <a:uFillTx/>
-                    <a:latin typeface="Adobe Clean SemiLight" panose="020B0403020404020204" pitchFamily="34" charset="0"/>
-                    <a:ea typeface="+mn-ea"/>
-                    <a:cs typeface="+mn-cs"/>
-                  </a:endParaRPr>
-                </a:p>
-              </p:txBody>
-            </p:sp>
-          </p:grpSp>
-          <p:sp>
-            <p:nvSpPr>
-              <p:cNvPr id="175" name="Oval 174">
-                <a:extLst>
-                  <a:ext uri="{FF2B5EF4-FFF2-40B4-BE49-F238E27FC236}">
-                    <a16:creationId xmlns:a16="http://schemas.microsoft.com/office/drawing/2014/main" id="{F471B8C6-C246-424B-89D9-B15AF81E04C0}"/>
-                  </a:ext>
-                </a:extLst>
-              </p:cNvPr>
-              <p:cNvSpPr/>
-              <p:nvPr/>
-            </p:nvSpPr>
-            <p:spPr>
-              <a:xfrm>
-                <a:off x="503993" y="1950914"/>
-                <a:ext cx="1044221" cy="1044221"/>
-              </a:xfrm>
-              <a:prstGeom prst="ellipse">
-                <a:avLst/>
-              </a:prstGeom>
-              <a:solidFill>
-                <a:srgbClr val="414141"/>
-              </a:solidFill>
-              <a:ln w="25400" cap="flat" cmpd="sng" algn="ctr">
-                <a:noFill/>
-                <a:prstDash val="solid"/>
-              </a:ln>
-              <a:effectLst>
-                <a:innerShdw blurRad="114300">
-                  <a:prstClr val="black">
-                    <a:alpha val="20000"/>
-                  </a:prstClr>
-                </a:innerShdw>
-              </a:effectLst>
-            </p:spPr>
-            <p:txBody>
-              <a:bodyPr rtlCol="0" anchor="ctr"/>
-              <a:lstStyle/>
-              <a:p>
-                <a:pPr marL="0" marR="0" lvl="0" indent="0" algn="ctr" defTabSz="914400" rtl="0" eaLnBrk="1" fontAlgn="auto" latinLnBrk="0" hangingPunct="1">
-                  <a:lnSpc>
-                    <a:spcPct val="100000"/>
-                  </a:lnSpc>
-                  <a:spcBef>
-                    <a:spcPts val="0"/>
-                  </a:spcBef>
-                  <a:spcAft>
-                    <a:spcPts val="0"/>
-                  </a:spcAft>
-                  <a:buClrTx/>
-                  <a:buSzTx/>
-                  <a:buFontTx/>
-                  <a:buNone/>
-                  <a:tabLst/>
-                  <a:defRPr/>
-                </a:pPr>
-                <a:endParaRPr kumimoji="0" lang="en-GB" sz="1800" b="0" i="0" u="none" strike="noStrike" kern="0" cap="none" spc="0" normalizeH="0" baseline="0" noProof="0">
-                  <a:ln>
-                    <a:noFill/>
-                  </a:ln>
-                  <a:solidFill>
-                    <a:srgbClr val="1B1B1B"/>
-                  </a:solidFill>
-                  <a:effectLst/>
-                  <a:uLnTx/>
-                  <a:uFillTx/>
-                  <a:latin typeface="Adobe Clean SemiLight" panose="020B0403020404020204" pitchFamily="34" charset="0"/>
-                  <a:ea typeface="+mn-ea"/>
-                  <a:cs typeface="+mn-cs"/>
-                </a:endParaRPr>
-              </a:p>
-            </p:txBody>
-          </p:sp>
-        </p:grpSp>
-        <p:pic>
-          <p:nvPicPr>
-            <p:cNvPr id="173" name="Graphic 172">
-              <a:extLst>
-                <a:ext uri="{FF2B5EF4-FFF2-40B4-BE49-F238E27FC236}">
-                  <a16:creationId xmlns:a16="http://schemas.microsoft.com/office/drawing/2014/main" id="{ACD16C87-7FA3-43B2-8F59-BC47C4F6F383}"/>
-                </a:ext>
-              </a:extLst>
-            </p:cNvPr>
-            <p:cNvPicPr>
-              <a:picLocks noChangeAspect="1"/>
-            </p:cNvPicPr>
-            <p:nvPr/>
-          </p:nvPicPr>
-          <p:blipFill>
-            <a:blip r:embed="rId13">
-              <a:extLst>
-                <a:ext uri="{96DAC541-7B7A-43D3-8B79-37D633B846F1}">
-                  <asvg:svgBlip xmlns:asvg="http://schemas.microsoft.com/office/drawing/2016/SVG/main" r:embed="rId14"/>
-                </a:ext>
-              </a:extLst>
-            </a:blip>
-            <a:stretch>
-              <a:fillRect/>
-            </a:stretch>
-          </p:blipFill>
-          <p:spPr>
-            <a:xfrm>
-              <a:off x="5656837" y="1457601"/>
-              <a:ext cx="660750" cy="604913"/>
-            </a:xfrm>
-            <a:prstGeom prst="rect">
-              <a:avLst/>
-            </a:prstGeom>
-          </p:spPr>
-        </p:pic>
-      </p:grpSp>
-    </p:spTree>
-    <p:extLst>
-      <p:ext uri="{BB962C8B-B14F-4D97-AF65-F5344CB8AC3E}">
-        <p14:creationId xmlns:p14="http://schemas.microsoft.com/office/powerpoint/2010/main" val="2104093574"/>
-      </p:ext>
-    </p:extLst>
-  </p:cSld>
-  <p:clrMapOvr>
-    <a:masterClrMapping/>
-  </p:clrMapOvr>
-</p:sld>
-</file>
-
-<file path=ppt/slides/slide6.xml><?xml version="1.0" encoding="utf-8"?>
 <p:sld xmlns:a="http://schemas.openxmlformats.org/drawingml/2006/main" xmlns:r="http://schemas.openxmlformats.org/officeDocument/2006/relationships" xmlns:p="http://schemas.openxmlformats.org/presentationml/2006/main">
   <p:cSld>
     <p:spTree>
@@ -26903,7 +19101,7 @@
                 <a:tabLst/>
                 <a:defRPr/>
               </a:pPr>
-              <a:t>6</a:t>
+              <a:t>5</a:t>
             </a:fld>
             <a:endParaRPr kumimoji="0" lang="en-US" sz="800" b="0" i="0" u="none" strike="noStrike" kern="1200" cap="none" spc="0" normalizeH="0" baseline="0" noProof="0">
               <a:ln>
@@ -26985,7 +19183,7 @@
               <a:defRPr/>
             </a:pPr>
             <a:r>
-              <a:rPr kumimoji="0" lang="en-US" sz="1800" b="0" i="0" u="none" strike="noStrike" kern="1200" cap="none" spc="0" normalizeH="0" baseline="0" noProof="0">
+              <a:rPr kumimoji="0" lang="en-US" sz="1800" b="0" i="0" u="none" strike="noStrike" kern="1200" cap="none" spc="0" normalizeH="0" baseline="0" noProof="0" dirty="0">
                 <a:ln>
                   <a:noFill/>
                 </a:ln>
@@ -27001,7 +19199,7 @@
               </a:rPr>
               <a:t>More customer interactions have moved online faster than anyone could have foreseen</a:t>
             </a:r>
-            <a:endParaRPr kumimoji="0" lang="en-US" sz="1800" b="0" i="0" u="none" strike="noStrike" kern="1200" cap="none" spc="0" normalizeH="0" baseline="0" noProof="0">
+            <a:endParaRPr kumimoji="0" lang="en-US" sz="1800" b="0" i="0" u="none" strike="noStrike" kern="1200" cap="none" spc="0" normalizeH="0" baseline="0" noProof="0" dirty="0">
               <a:ln>
                 <a:noFill/>
               </a:ln>
@@ -27035,7 +19233,7 @@
               <a:defRPr/>
             </a:pPr>
             <a:r>
-              <a:rPr kumimoji="0" lang="en-US" sz="1800" b="0" i="0" u="none" strike="noStrike" kern="1200" cap="none" spc="0" normalizeH="0" baseline="0" noProof="0">
+              <a:rPr kumimoji="0" lang="en-US" sz="1800" b="0" i="0" u="none" strike="noStrike" kern="1200" cap="none" spc="0" normalizeH="0" baseline="0" noProof="0" dirty="0">
                 <a:ln>
                   <a:noFill/>
                 </a:ln>
@@ -27071,7 +19269,7 @@
               <a:defRPr/>
             </a:pPr>
             <a:r>
-              <a:rPr kumimoji="0" lang="en-US" sz="1800" b="0" i="0" u="none" strike="noStrike" kern="1200" cap="none" spc="0" normalizeH="0" baseline="0" noProof="0">
+              <a:rPr kumimoji="0" lang="en-US" sz="1800" b="0" i="0" u="none" strike="noStrike" kern="1200" cap="none" spc="0" normalizeH="0" baseline="0" noProof="0" dirty="0">
                 <a:ln>
                   <a:noFill/>
                 </a:ln>
@@ -27107,7 +19305,7 @@
               <a:defRPr/>
             </a:pPr>
             <a:r>
-              <a:rPr kumimoji="0" lang="en-US" sz="1800" b="0" i="0" u="none" strike="noStrike" kern="1200" cap="none" spc="0" normalizeH="0" baseline="0" noProof="0">
+              <a:rPr kumimoji="0" lang="en-US" sz="1800" b="0" i="0" u="none" strike="noStrike" kern="1200" cap="none" spc="0" normalizeH="0" baseline="0" noProof="0" dirty="0">
                 <a:ln>
                   <a:noFill/>
                 </a:ln>
@@ -27143,7 +19341,7 @@
               <a:defRPr/>
             </a:pPr>
             <a:r>
-              <a:rPr kumimoji="0" lang="en-US" sz="1800" b="0" i="0" u="none" strike="noStrike" kern="1200" cap="none" spc="0" normalizeH="0" baseline="0" noProof="0">
+              <a:rPr kumimoji="0" lang="en-US" sz="1800" b="0" i="0" u="none" strike="noStrike" kern="1200" cap="none" spc="0" normalizeH="0" baseline="0" noProof="0" dirty="0">
                 <a:ln>
                   <a:noFill/>
                 </a:ln>
@@ -29415,7 +21613,7 @@
 </p:sld>
 </file>
 
-<file path=ppt/slides/slide7.xml><?xml version="1.0" encoding="utf-8"?>
+<file path=ppt/slides/slide6.xml><?xml version="1.0" encoding="utf-8"?>
 <p:sld xmlns:a="http://schemas.openxmlformats.org/drawingml/2006/main" xmlns:r="http://schemas.openxmlformats.org/officeDocument/2006/relationships" xmlns:p="http://schemas.openxmlformats.org/presentationml/2006/main">
   <p:cSld>
     <p:spTree>
@@ -33907,7 +26105,7 @@
 </p:sld>
 </file>
 
-<file path=ppt/slides/slide8.xml><?xml version="1.0" encoding="utf-8"?>
+<file path=ppt/slides/slide7.xml><?xml version="1.0" encoding="utf-8"?>
 <p:sld xmlns:a="http://schemas.openxmlformats.org/drawingml/2006/main" xmlns:r="http://schemas.openxmlformats.org/officeDocument/2006/relationships" xmlns:p="http://schemas.openxmlformats.org/presentationml/2006/main">
   <p:cSld>
     <p:spTree>
@@ -33983,7 +26181,7 @@
             <a:fld id="{90156F56-D5AE-4C6F-B826-C69D1BC521BB}" type="slidenum">
               <a:rPr lang="en-US" smtClean="0"/>
               <a:pPr algn="ctr"/>
-              <a:t>8</a:t>
+              <a:t>7</a:t>
             </a:fld>
             <a:endParaRPr lang="en-US"/>
           </a:p>
@@ -33993,6 +26191,36 @@
     <p:extLst>
       <p:ext uri="{BB962C8B-B14F-4D97-AF65-F5344CB8AC3E}">
         <p14:creationId xmlns:p14="http://schemas.microsoft.com/office/powerpoint/2010/main" val="928218659"/>
+      </p:ext>
+    </p:extLst>
+  </p:cSld>
+  <p:clrMapOvr>
+    <a:masterClrMapping/>
+  </p:clrMapOvr>
+</p:sld>
+</file>
+
+<file path=ppt/slides/slide8.xml><?xml version="1.0" encoding="utf-8"?>
+<p:sld xmlns:a="http://schemas.openxmlformats.org/drawingml/2006/main" xmlns:r="http://schemas.openxmlformats.org/officeDocument/2006/relationships" xmlns:p="http://schemas.openxmlformats.org/presentationml/2006/main">
+  <p:cSld>
+    <p:spTree>
+      <p:nvGrpSpPr>
+        <p:cNvPr id="1" name=""/>
+        <p:cNvGrpSpPr/>
+        <p:nvPr/>
+      </p:nvGrpSpPr>
+      <p:grpSpPr>
+        <a:xfrm>
+          <a:off x="0" y="0"/>
+          <a:ext cx="0" cy="0"/>
+          <a:chOff x="0" y="0"/>
+          <a:chExt cx="0" cy="0"/>
+        </a:xfrm>
+      </p:grpSpPr>
+    </p:spTree>
+    <p:extLst>
+      <p:ext uri="{BB962C8B-B14F-4D97-AF65-F5344CB8AC3E}">
+        <p14:creationId xmlns:p14="http://schemas.microsoft.com/office/powerpoint/2010/main" val="3411589202"/>
       </p:ext>
     </p:extLst>
   </p:cSld>
